--- a/TRex.pptx
+++ b/TRex.pptx
@@ -15,6 +15,10 @@
     <p:sldId id="262" r:id="rId9"/>
     <p:sldId id="260" r:id="rId10"/>
     <p:sldId id="263" r:id="rId11"/>
+    <p:sldId id="269" r:id="rId12"/>
+    <p:sldId id="271" r:id="rId13"/>
+    <p:sldId id="272" r:id="rId14"/>
+    <p:sldId id="270" r:id="rId15"/>
   </p:sldIdLst>
   <p:sldSz cx="12192000" cy="6858000"/>
   <p:notesSz cx="6858000" cy="9144000"/>
@@ -210,6 +214,1090 @@
 </pc:chgInfo>
 </file>
 
+<file path=ppt/ink/ink1.xml><?xml version="1.0" encoding="utf-8"?>
+<inkml:ink xmlns:inkml="http://www.w3.org/2003/InkML">
+  <inkml:definitions>
+    <inkml:context xml:id="ctx0">
+      <inkml:inkSource xml:id="inkSrc0">
+        <inkml:traceFormat>
+          <inkml:channel name="X" type="integer" min="-2.14748E9" max="2.14748E9" units="cm"/>
+          <inkml:channel name="Y" type="integer" min="-2.14748E9" max="2.14748E9" units="cm"/>
+          <inkml:channel name="F" type="integer" max="32767" units="dev"/>
+        </inkml:traceFormat>
+        <inkml:channelProperties>
+          <inkml:channelProperty channel="X" name="resolution" value="1000" units="1/cm"/>
+          <inkml:channelProperty channel="Y" name="resolution" value="1000" units="1/cm"/>
+          <inkml:channelProperty channel="F" name="resolution" value="0" units="1/dev"/>
+        </inkml:channelProperties>
+      </inkml:inkSource>
+      <inkml:timestamp xml:id="ts0" timeString="2021-04-30T06:12:05.554"/>
+    </inkml:context>
+    <inkml:brush xml:id="br0">
+      <inkml:brushProperty name="width" value="0.05" units="cm"/>
+      <inkml:brushProperty name="height" value="0.05" units="cm"/>
+    </inkml:brush>
+  </inkml:definitions>
+  <inkml:trace contextRef="#ctx0" brushRef="#br0">194 37 580,'1'0'7259,"-2"0"-7044,-1 1-55,0 0-1,0-1 1,0 1 0,-1 0-1,1 0 1,0 0 0,0 0-1,0 0 1,0 1-1,0-1 1,1 1 0,-1-1-1,0 1 1,1 0 0,-3 2-1,-22 32-452,25-34 364,-7 12-62,0 1-1,1 0 0,1 0 0,1 0 0,0 1 1,1 0-1,1 0 0,-3 21 0,3-2 52,2 0 0,4 64 0,0-70-31,2 1 1,0-1-1,2-1 0,1 1 1,16 36-1,-18-53-27,0 0 0,1-1 0,0 0 0,0 0-1,1 0 1,11 11 0,-13-17-14,0 1 1,0-1-1,1 0 0,0-1 0,-1 0 1,2 0-1,-1 0 0,0-1 0,1 0 1,-1 0-1,9 1 0,-9-2-17,0-1-1,0 0 0,0 0 0,1-1 0,-1 0 1,0 0-1,0-1 0,0 0 0,0 0 1,0-1-1,0 1 0,0-2 0,0 1 1,12-7-1,-10 3-7,0 0 0,0 0 0,-1-1 0,0 0 0,0 0 0,-1-1 0,0 0 0,0-1 0,7-11 0,-3 1 11,-1 0 0,0-2 0,-1 1 0,-2-1 0,0 0 0,-1 0 0,-1-1 0,-1 0 0,2-26 0,-6 22 61,0 0 0,-2-1 0,-1 1-1,-1 0 1,-13-49 0,12 58 2,-1 0 1,-1 1-1,0-1 1,-2 1-1,1 1 1,-2-1-1,0 2 1,-1-1-1,-19-19 1,23 27-135,-1 1 0,0 0 0,-1 1 0,1 0 0,-1 0 0,0 1 0,0 0 0,-1 0 0,1 1 0,-1 0 1,1 1-1,-1 0 0,0 1 0,0 0 0,0 0 0,0 1 0,0 1 0,0-1 0,0 2 0,-16 3 0,9-1-512,0 1-1,0 1 1,1 0-1,0 1 1,0 1-1,1 0 1,0 1 0,0 1-1,1 0 1,-25 25-1,13-10-510</inkml:trace>
+</inkml:ink>
+</file>
+
+<file path=ppt/ink/ink10.xml><?xml version="1.0" encoding="utf-8"?>
+<inkml:ink xmlns:inkml="http://www.w3.org/2003/InkML">
+  <inkml:definitions>
+    <inkml:context xml:id="ctx0">
+      <inkml:inkSource xml:id="inkSrc0">
+        <inkml:traceFormat>
+          <inkml:channel name="X" type="integer" min="-2.14748E9" max="2.14748E9" units="cm"/>
+          <inkml:channel name="Y" type="integer" min="-2.14748E9" max="2.14748E9" units="cm"/>
+          <inkml:channel name="F" type="integer" max="32767" units="dev"/>
+        </inkml:traceFormat>
+        <inkml:channelProperties>
+          <inkml:channelProperty channel="X" name="resolution" value="1000" units="1/cm"/>
+          <inkml:channelProperty channel="Y" name="resolution" value="1000" units="1/cm"/>
+          <inkml:channelProperty channel="F" name="resolution" value="0" units="1/dev"/>
+        </inkml:channelProperties>
+      </inkml:inkSource>
+      <inkml:timestamp xml:id="ts0" timeString="2021-04-30T06:12:10.685"/>
+    </inkml:context>
+    <inkml:brush xml:id="br0">
+      <inkml:brushProperty name="width" value="0.05" units="cm"/>
+      <inkml:brushProperty name="height" value="0.05" units="cm"/>
+    </inkml:brush>
+  </inkml:definitions>
+  <inkml:trace contextRef="#ctx0" brushRef="#br0">1 5 1104,'0'-1'91,"0"1"-1,0 0 1,0 0 0,0 0-1,0 0 1,0 0-1,0-1 1,0 1 0,0 0-1,0 0 1,0 0 0,0 0-1,0 0 1,0-1-1,0 1 1,0 0 0,0 0-1,0 0 1,0 0 0,0 0-1,0 0 1,0-1-1,0 1 1,0 0 0,1 0 90,-1 0-90,0 0-1,0 0 1,0 0 0,0 0-1,0 0 1,0-1-1,1 1 1,-1 0 0,0 0-1,0 0 1,0 0 0,0 0-1,0 0 1,1 0-1,-1 0 1,0 0 0,0 0-1,0 0 1,0 0 0,0 0-1,1 0 1,-1 0-1,0 0 1,0 0 0,0 0-1,0 0 1,0 0 0,1 1-1,-1-1 1,0 0-1,0 0 1,0 0 0,0 0-1,0 0 92,0 0-92,1 1 1,4 14 1791,4 33-1812,-8-41 400,20 182 1124,-5 357 0,-17-522-1573,0 5 5,4 37 1,-3-59-61,1-1 0,0 0 0,0 1 0,1-1 0,0 0 0,0 0 0,0 0 0,1 0 0,0 0 0,0-1 0,7 10-1,-7-12-60,0-1 0,0 1 0,0-1 0,0 0 0,1 0 0,-1 0 0,0-1 0,1 1 0,0-1 0,-1 0 0,1 0 0,0 0 0,-1 0 0,1-1 0,0 1 0,0-1 0,0 0 0,0 0 0,5-1 0,7-1-609,0-1-1,0-1 1,19-6 0,2-3-783,-2-2 1,0-1 0,39-24-1,-23 7-92</inkml:trace>
+</inkml:ink>
+</file>
+
+<file path=ppt/ink/ink11.xml><?xml version="1.0" encoding="utf-8"?>
+<inkml:ink xmlns:inkml="http://www.w3.org/2003/InkML">
+  <inkml:definitions>
+    <inkml:context xml:id="ctx0">
+      <inkml:inkSource xml:id="inkSrc0">
+        <inkml:traceFormat>
+          <inkml:channel name="X" type="integer" min="-2.14748E9" max="2.14748E9" units="cm"/>
+          <inkml:channel name="Y" type="integer" min="-2.14748E9" max="2.14748E9" units="cm"/>
+          <inkml:channel name="F" type="integer" max="32767" units="dev"/>
+        </inkml:traceFormat>
+        <inkml:channelProperties>
+          <inkml:channelProperty channel="X" name="resolution" value="1000" units="1/cm"/>
+          <inkml:channelProperty channel="Y" name="resolution" value="1000" units="1/cm"/>
+          <inkml:channelProperty channel="F" name="resolution" value="0" units="1/dev"/>
+        </inkml:channelProperties>
+      </inkml:inkSource>
+      <inkml:timestamp xml:id="ts0" timeString="2021-04-30T06:12:11.016"/>
+    </inkml:context>
+    <inkml:brush xml:id="br0">
+      <inkml:brushProperty name="width" value="0.05" units="cm"/>
+      <inkml:brushProperty name="height" value="0.05" units="cm"/>
+    </inkml:brush>
+  </inkml:definitions>
+  <inkml:trace contextRef="#ctx0" brushRef="#br0">148 46 848,'-56'-6'988,"12"0"-64,12 4-296,16-2-400,16 2-320,21 0-336,18-3-268,19 3-80,11-6-12,5 0-20</inkml:trace>
+</inkml:ink>
+</file>
+
+<file path=ppt/ink/ink12.xml><?xml version="1.0" encoding="utf-8"?>
+<inkml:ink xmlns:inkml="http://www.w3.org/2003/InkML">
+  <inkml:definitions>
+    <inkml:context xml:id="ctx0">
+      <inkml:inkSource xml:id="inkSrc0">
+        <inkml:traceFormat>
+          <inkml:channel name="X" type="integer" min="-2.14748E9" max="2.14748E9" units="cm"/>
+          <inkml:channel name="Y" type="integer" min="-2.14748E9" max="2.14748E9" units="cm"/>
+          <inkml:channel name="F" type="integer" max="32767" units="dev"/>
+        </inkml:traceFormat>
+        <inkml:channelProperties>
+          <inkml:channelProperty channel="X" name="resolution" value="1000" units="1/cm"/>
+          <inkml:channelProperty channel="Y" name="resolution" value="1000" units="1/cm"/>
+          <inkml:channelProperty channel="F" name="resolution" value="0" units="1/dev"/>
+        </inkml:channelProperties>
+      </inkml:inkSource>
+      <inkml:timestamp xml:id="ts0" timeString="2021-04-30T06:12:11.349"/>
+    </inkml:context>
+    <inkml:brush xml:id="br0">
+      <inkml:brushProperty name="width" value="0.05" units="cm"/>
+      <inkml:brushProperty name="height" value="0.05" units="cm"/>
+    </inkml:brush>
+  </inkml:definitions>
+  <inkml:trace contextRef="#ctx0" brushRef="#br0">267 10 60,'6'-10'2660,"-16"10"-878,-22 11 33,18-2-1520,0 0-1,0 0 0,1 1 0,0 1 1,0 0-1,2 1 0,-1 0 1,2 1-1,-12 16 0,8-7-117,0-1 0,2 2 0,0 0 0,2 1 0,-10 31 0,17-45-142,0 0 0,1 0 0,0 0 0,1 0 0,0 0 0,1 1 0,0-1 0,0 0 0,1 0 0,1 0 0,4 20 0,-3-24-69,-1-1 0,1 1 0,0-1 1,0 1-1,0-1 0,1 0 0,-1 0 0,1-1 0,1 1 0,-1-1 0,0 0 0,1 0 0,0 0 1,0-1-1,0 0 0,1 1 0,-1-2 0,1 1 0,-1-1 0,1 0 0,7 2 0,2-1-383,1-1 0,-1 0-1,0-1 1,1-1-1,-1 0 1,1-1 0,-1-1-1,0 0 1,1-1 0,-1-1-1,0 0 1,-1-1-1,1-1 1,-1 0 0,0-1-1,-1-1 1,16-10 0,19-20-1195</inkml:trace>
+</inkml:ink>
+</file>
+
+<file path=ppt/ink/ink13.xml><?xml version="1.0" encoding="utf-8"?>
+<inkml:ink xmlns:inkml="http://www.w3.org/2003/InkML">
+  <inkml:definitions>
+    <inkml:context xml:id="ctx0">
+      <inkml:inkSource xml:id="inkSrc0">
+        <inkml:traceFormat>
+          <inkml:channel name="X" type="integer" min="-2.14748E9" max="2.14748E9" units="cm"/>
+          <inkml:channel name="Y" type="integer" min="-2.14748E9" max="2.14748E9" units="cm"/>
+          <inkml:channel name="F" type="integer" max="32767" units="dev"/>
+        </inkml:traceFormat>
+        <inkml:channelProperties>
+          <inkml:channelProperty channel="X" name="resolution" value="1000" units="1/cm"/>
+          <inkml:channelProperty channel="Y" name="resolution" value="1000" units="1/cm"/>
+          <inkml:channelProperty channel="F" name="resolution" value="0" units="1/dev"/>
+        </inkml:channelProperties>
+      </inkml:inkSource>
+      <inkml:timestamp xml:id="ts0" timeString="2021-04-30T06:12:11.690"/>
+    </inkml:context>
+    <inkml:brush xml:id="br0">
+      <inkml:brushProperty name="width" value="0.05" units="cm"/>
+      <inkml:brushProperty name="height" value="0.05" units="cm"/>
+    </inkml:brush>
+  </inkml:definitions>
+  <inkml:trace contextRef="#ctx0" brushRef="#br0">113 82 192,'-9'-12'393,"4"5"-122,1 0 0,-1 1 0,-1-1-1,1 1 1,-1 1 0,0-1-1,0 1 1,0 0 0,-14-8-1,19 13-228,1 0-1,-1-1 0,0 1 0,0 0 0,0-1 1,1 1-1,-1 0 0,0 0 0,0 0 1,0 0-1,1 0 0,-1 0 0,0 0 0,0 0 1,0 0-1,0 0 0,1 0 0,-1 0 1,0 1-1,0-1 0,0 0 0,1 1 1,-1-1-1,0 0 0,1 1 0,-1-1 0,0 1 1,-1 0-1,1 1 11,0 0 1,0 0-1,0 0 1,0 0-1,0 0 0,1 0 1,-1 0-1,0 0 1,1 0-1,-1 0 1,1 3-1,-1 7 115,1-1-1,0 1 1,3 15 0,46 258 1236,-24-164-912,14 213 0,-38-321-355,-2-1 0,1 1-1,-4 15 1,3-25-79,1-1 0,-1 1 0,0 0 0,0-1 0,0 1-1,0 0 1,-1-1 0,1 1 0,-3 3 0,3-6-24,0 1 0,1 0 0,-1-1 1,0 1-1,0-1 0,0 1 0,0-1 0,1 1 0,-1-1 0,0 1 0,0-1 0,0 0 0,0 1 0,0-1 0,0 0 0,0 0 0,0 0 0,0 0 0,0 0 0,0 0 0,0 0 0,0 0 0,0 0 0,0-1 1,0 1-1,-2-1 0,1 0-6,0 0 1,0 0-1,0-1 1,0 1-1,0-1 0,0 1 1,0-1-1,1 0 1,-1 0-1,1 0 1,-1 0-1,1 0 1,-1 0-1,1 0 1,0 0-1,0 0 1,0-1-1,1 1 1,-1 0-1,0-1 1,1 1-1,-1 0 1,1-1-1,0 1 1,0-1-1,0 1 0,0-1 1,1-3-1,0-5-25,0 0 0,1 0 0,1 0-1,0 0 1,4-11 0,1 3-67,1 0 1,1 0-1,1 1 1,1 0-1,0 1 1,1 0-1,1 1 1,1 0-1,27-22 1,-32 30 17,0 1 1,0 0-1,1 1 1,0 0 0,1 0-1,0 1 1,21-6-1,-25 9 23,0 1 0,0-1-1,0 2 1,0-1 0,0 1 0,0 0-1,1 1 1,-1 0 0,0 0 0,0 1-1,-1 0 1,16 6 0,-17-5 25,0-1 0,0 1 0,0 1 1,0-1-1,-1 1 0,0 0 0,1 0 0,-2 1 0,1-1 1,0 1-1,-1 0 0,0 0 0,0 1 0,0-1 0,-1 1 1,0 0-1,0 0 0,0 0 0,-1 0 0,0 1 0,0-1 1,-1 0-1,1 1 0,-2 0 0,1 11 0,-1-6 19,-1 0 0,0 0-1,-1-1 1,0 1 0,-1 0-1,-1-1 1,1 1 0,-2-1-1,0 0 1,0 0 0,-1-1 0,0 0-1,-11 14 1,-36 35-875,50-56 572,0 1 0,-1-1 0,0 0 0,1 0 0,-1-1-1,0 1 1,-1-1 0,1 0 0,0 0 0,-1 0 0,1-1 0,-1 1 0,1-1 0,-6 1 0,9-2 206,1 0 0,-1 0 0,0-1 0,1 1 0,-1 0 0,0 0 0,1 0 1,-1 0-1,1-1 0,-1 1 0,1 0 0,-1-1 0,1 1 0,-1 0 0,1-1 0,-1 1 0,1-1 1,-1 1-1,1-1 0,-1 1 0,1-1 0,0 1 0,-1-1 0,1 1 0,0-1 0,0 0 0,-1 1 1,1-1-1,0 1 0,0-1 0,0 0 0,0 1 0,0-1 0,0 0 0,0 1 0,0-1 0,0 0 1,0 1-1,0-1 0,0 1 0,0-1 0,0 0 0,1 0 0,6-24-1353</inkml:trace>
+</inkml:ink>
+</file>
+
+<file path=ppt/ink/ink14.xml><?xml version="1.0" encoding="utf-8"?>
+<inkml:ink xmlns:inkml="http://www.w3.org/2003/InkML">
+  <inkml:definitions>
+    <inkml:context xml:id="ctx0">
+      <inkml:inkSource xml:id="inkSrc0">
+        <inkml:traceFormat>
+          <inkml:channel name="X" type="integer" min="-2.14748E9" max="2.14748E9" units="cm"/>
+          <inkml:channel name="Y" type="integer" min="-2.14748E9" max="2.14748E9" units="cm"/>
+          <inkml:channel name="F" type="integer" max="32767" units="dev"/>
+        </inkml:traceFormat>
+        <inkml:channelProperties>
+          <inkml:channelProperty channel="X" name="resolution" value="1000" units="1/cm"/>
+          <inkml:channelProperty channel="Y" name="resolution" value="1000" units="1/cm"/>
+          <inkml:channelProperty channel="F" name="resolution" value="0" units="1/dev"/>
+        </inkml:channelProperties>
+      </inkml:inkSource>
+      <inkml:timestamp xml:id="ts0" timeString="2021-04-30T06:12:12.016"/>
+    </inkml:context>
+    <inkml:brush xml:id="br0">
+      <inkml:brushProperty name="width" value="0.05" units="cm"/>
+      <inkml:brushProperty name="height" value="0.05" units="cm"/>
+    </inkml:brush>
+  </inkml:definitions>
+  <inkml:trace contextRef="#ctx0" brushRef="#br0">93 219 40,'5'22'1488,"-5"-17"-886,1-1-1,0 0 0,0 1 1,0-1-1,1 0 1,3 8-1,-4-11-516,0 0 1,0 0-1,0 0 0,0 0 1,0 0-1,0 0 1,0 0-1,0 0 0,0-1 1,1 1-1,-1 0 1,0-1-1,0 1 0,1-1 1,-1 1-1,0-1 0,1 0 1,-1 0-1,1 1 1,-1-1-1,0 0 0,1 0 1,-1 0-1,1-1 1,-1 1-1,0 0 0,2-1 1,6-1-55,0-1 0,-1 0-1,1-1 1,-1 1 0,1-2 0,-1 1 0,-1-1 0,1 0 0,-1-1 0,0 0 0,0 0-1,0-1 1,-1 1 0,0-2 0,0 1 0,6-11 0,-9 13-6,0 0 1,0 0-1,0 0 1,0 0-1,-1-1 0,0 1 1,0-1-1,-1 1 1,0-1-1,1 0 1,-2 0-1,1 1 0,-1-1 1,0 0-1,0 0 1,0 0-1,-1 1 0,0-1 1,0 0-1,-1 0 1,0 1-1,0-1 1,0 1-1,0 0 0,-1 0 1,-6-10-1,7 12 11,0 0-1,0 1 1,-1-1-1,1 1 0,-1 0 1,1-1-1,-1 1 1,0 0-1,0 0 1,0 1-1,0-1 1,0 1-1,0-1 1,-1 1-1,1 0 0,0 0 1,-1 1-1,1-1 1,-7 0-1,5 2 4,0-1-1,0 1 1,0 0-1,0 1 1,1-1 0,-1 1-1,0 0 1,1 0-1,-1 0 1,1 1-1,0-1 1,-5 5 0,-4 4 49,0 0 1,1 1 0,1 1-1,0 0 1,1 0 0,0 1 0,-7 15-1,8-12-22,1 0-1,1 0 0,1 0 0,0 1 0,1 0 1,1 0-1,1 0 0,-1 20 0,4-31-74,0 1 0,0-1 0,1 0 0,0 1 0,0-1 0,1 0 0,0 0 0,0 0 0,1 0 0,3 7 0,-4-9-44,1-1-1,0 0 1,0 0 0,1 0 0,-1 0-1,1 0 1,0-1 0,0 1-1,0-1 1,0 0 0,1 0 0,-1-1-1,1 1 1,0-1 0,7 3 0,1-2-325,-1 0 0,1-1 0,0 0 0,0-1 1,0 0-1,0-1 0,0 0 0,-1-1 0,22-5 1,-10 1-472,0-1 1,0-2 0,-1 0 0,27-14-1,14-14-879</inkml:trace>
+</inkml:ink>
+</file>
+
+<file path=ppt/ink/ink15.xml><?xml version="1.0" encoding="utf-8"?>
+<inkml:ink xmlns:inkml="http://www.w3.org/2003/InkML">
+  <inkml:definitions>
+    <inkml:context xml:id="ctx0">
+      <inkml:inkSource xml:id="inkSrc0">
+        <inkml:traceFormat>
+          <inkml:channel name="X" type="integer" min="-2.14748E9" max="2.14748E9" units="cm"/>
+          <inkml:channel name="Y" type="integer" min="-2.14748E9" max="2.14748E9" units="cm"/>
+          <inkml:channel name="F" type="integer" max="32767" units="dev"/>
+        </inkml:traceFormat>
+        <inkml:channelProperties>
+          <inkml:channelProperty channel="X" name="resolution" value="1000" units="1/cm"/>
+          <inkml:channelProperty channel="Y" name="resolution" value="1000" units="1/cm"/>
+          <inkml:channelProperty channel="F" name="resolution" value="0" units="1/dev"/>
+        </inkml:channelProperties>
+      </inkml:inkSource>
+      <inkml:timestamp xml:id="ts0" timeString="2021-04-30T06:12:12.349"/>
+    </inkml:context>
+    <inkml:brush xml:id="br0">
+      <inkml:brushProperty name="width" value="0.05" units="cm"/>
+      <inkml:brushProperty name="height" value="0.05" units="cm"/>
+    </inkml:brush>
+  </inkml:definitions>
+  <inkml:trace contextRef="#ctx0" brushRef="#br0">406 82 552,'1'-3'199,"1"-4"268,0 0 1,-1-1-1,0 1 0,0 0 0,-1-9 1,0 15-383,0 0 1,0 0 0,0 0 0,0 0 0,-1 0 0,1 0-1,0 0 1,-1 0 0,1 0 0,0 0 0,-1 0 0,1 0-1,-1 0 1,0 0 0,1 0 0,-1 0 0,0 0 0,1 0-1,-1 1 1,0-1 0,0 0 0,0 0 0,0 1 0,0-1-1,0 1 1,0-1 0,0 1 0,0-1 0,0 1 0,0 0-1,0-1 1,0 1 0,0 0 0,0 0 0,0 0 0,0 0 0,0 0-1,-1 0 1,1 0 0,0 0 0,0 0 0,0 1 0,-1-1-1,-7 3 113,1-1 1,0 1-1,1 0 0,-1 1 0,0 0 0,1 0 0,0 1 0,0 0 0,0 0 0,1 0 0,0 1 0,-9 9 0,-3 7 130,1-1-1,-21 37 0,29-44-244,0 1 0,2-1 1,0 1-1,-10 30 1,16-43-83,1 0 1,-1 1-1,0-1 1,1 1 0,-1-1-1,1 1 1,0 0-1,0-1 1,0 1 0,0-1-1,0 1 1,1-1-1,-1 1 1,1-1-1,-1 1 1,1-1 0,0 1-1,0-1 1,0 0-1,0 1 1,1-1 0,-1 0-1,1 0 1,-1 0-1,1 0 1,0 0-1,0 0 1,0-1 0,0 1-1,0 0 1,0-1-1,0 0 1,0 1 0,0-1-1,1 0 1,-1 0-1,1 0 1,-1-1 0,1 1-1,3 0 1,19 3-141,0-1-1,0-2 1,1 0 0,25-3 0,-27 0-73,1 1-1,0 2 1,0 0 0,32 7-1,-53-7 212,0 0-1,0 0 1,-1 0-1,1 0 1,0 1-1,-1-1 1,1 1-1,-1 0 0,0 0 1,0 1-1,1-1 1,-1 0-1,-1 1 1,1 0-1,0 0 1,-1 0-1,1 0 1,-1 0-1,0 0 1,2 5-1,-2-4 63,-2 0 0,1 0 0,0 0 0,-1 0 0,1 0 0,-1-1 0,0 1 0,-1 0 0,1 0 0,-1 0 0,1 0 0,-1 0 0,0 0 0,-1-1 0,1 1 0,-1 0 0,1-1 0,-1 1 0,0-1 0,-3 4 0,-6 7 315,0 0 1,-1 0-1,-1-1 1,0-1-1,0 0 0,-1-1 1,-1 0-1,0-1 1,-1-1-1,1 0 0,-28 9 1,20-8-127,-1-2 0,0-1 0,0-1 1,0-1-1,-1-1 0,0-1 0,-47-1 1,63-3-672,0 0-1,0 0 1,0-1 0,0 0 0,0-1 0,0 1 0,1-2 0,-14-6 0,19 8 72,0 1 1,1-1-1,0 1 1,-1-1-1,1 0 0,0 0 1,0 0-1,0 0 1,0 0-1,0-1 0,0 1 1,1-1-1,-1 1 1,1-1-1,0 1 0,0-1 1,0 0-1,0 0 1,0 1-1,0-1 1,1 0-1,-1 0 0,1 0 1,0 0-1,0 0 1,0 0-1,0 0 0,1 1 1,-1-1-1,2-5 1,8-15-1784</inkml:trace>
+</inkml:ink>
+</file>
+
+<file path=ppt/ink/ink16.xml><?xml version="1.0" encoding="utf-8"?>
+<inkml:ink xmlns:inkml="http://www.w3.org/2003/InkML">
+  <inkml:definitions>
+    <inkml:context xml:id="ctx0">
+      <inkml:inkSource xml:id="inkSrc0">
+        <inkml:traceFormat>
+          <inkml:channel name="X" type="integer" min="-2.14748E9" max="2.14748E9" units="cm"/>
+          <inkml:channel name="Y" type="integer" min="-2.14748E9" max="2.14748E9" units="cm"/>
+          <inkml:channel name="F" type="integer" max="32767" units="dev"/>
+        </inkml:traceFormat>
+        <inkml:channelProperties>
+          <inkml:channelProperty channel="X" name="resolution" value="1000" units="1/cm"/>
+          <inkml:channelProperty channel="Y" name="resolution" value="1000" units="1/cm"/>
+          <inkml:channelProperty channel="F" name="resolution" value="0" units="1/dev"/>
+        </inkml:channelProperties>
+      </inkml:inkSource>
+      <inkml:timestamp xml:id="ts0" timeString="2021-04-30T06:12:31.203"/>
+    </inkml:context>
+    <inkml:brush xml:id="br0">
+      <inkml:brushProperty name="width" value="0.05" units="cm"/>
+      <inkml:brushProperty name="height" value="0.05" units="cm"/>
+    </inkml:brush>
+  </inkml:definitions>
+  <inkml:trace contextRef="#ctx0" brushRef="#br0">188 24 388,'8'-21'3405,"-8"21"-3355,0 0-1,0-1 0,0 1 1,-1 0-1,1 0 0,0 0 0,0 0 1,0-1-1,0 1 0,0 0 1,-1 0-1,1 0 0,0 0 1,0 0-1,0 0 0,-1 0 0,1 0 1,0 0-1,0-1 0,0 1 1,0 0-1,-1 0 0,1 0 0,0 0 1,0 0-1,0 0 0,-1 0 1,1 0-1,0 0 0,0 0 1,0 1-1,-1-1 0,1 0 0,0 0 1,0 0-1,0 0 0,-1 0 1,1 0-1,0 0 0,0 0 0,0 0 1,0 1-1,-1-1 0,1 0 1,0 0-1,0 0 0,-5 4 72,-1 0-1,1 0 1,1 0-1,-9 9 1,-6 10-86,1 1 1,2 0-1,0 1 1,1 0-1,2 1 0,1 1 1,-15 47-1,22-60-8,1 0-1,1 1 0,1-1 0,0 1 1,0 0-1,2-1 0,0 1 0,0 0 1,2 0-1,0-1 0,0 1 0,1 0 0,1-1 1,1 0-1,0 0 0,0 0 0,10 14 1,-9-19-14,1-1 0,0 0 0,0 0 0,1-1 0,0 0 0,0 0 0,1-1 1,-1 0-1,1 0 0,1-1 0,-1 0 0,1-1 0,0 0 0,0-1 0,0 0 0,1 0 1,-1-1-1,1 0 0,-1-1 0,1 0 0,0-1 0,-1 0 0,14-3 0,-14 2-4,-1 0 0,1-1-1,-1 0 1,0-1 0,0 0-1,0-1 1,0 0 0,0 0-1,-1-1 1,0 0 0,13-9-1,-16 9 3,1 0-1,-1-1 0,0 0 0,-1 0 1,1 0-1,-1 0 0,0 0 1,-1-1-1,1 0 0,-2 0 0,1 0 1,-1 0-1,1 0 0,-2 0 1,1-1-1,-1-7 0,0-5 40,-1 1 0,-1-1 0,-1 1 0,0-1 0,-2 1 0,0 0 0,-1 0 1,-12-27-1,4 16-139,0 0 1,-2 1 0,-2 1 0,-26-35-1,38 56-186,-1 0-1,0 0 0,0 1 1,0 0-1,0 1 0,-1-1 0,0 1 1,-15-8-1,19 12 76,-1-1 0,0 1 1,0 0-1,0 0 0,0 0 0,0 0 0,1 1 0,-1-1 1,0 1-1,0 0 0,0 1 0,0-1 0,0 1 1,0-1-1,0 1 0,0 0 0,0 1 0,0-1 1,1 1-1,-1-1 0,-3 4 0,-17 10-814</inkml:trace>
+</inkml:ink>
+</file>
+
+<file path=ppt/ink/ink17.xml><?xml version="1.0" encoding="utf-8"?>
+<inkml:ink xmlns:inkml="http://www.w3.org/2003/InkML">
+  <inkml:definitions>
+    <inkml:context xml:id="ctx0">
+      <inkml:inkSource xml:id="inkSrc0">
+        <inkml:traceFormat>
+          <inkml:channel name="X" type="integer" min="-2.14748E9" max="2.14748E9" units="cm"/>
+          <inkml:channel name="Y" type="integer" min="-2.14748E9" max="2.14748E9" units="cm"/>
+          <inkml:channel name="F" type="integer" max="32767" units="dev"/>
+        </inkml:traceFormat>
+        <inkml:channelProperties>
+          <inkml:channelProperty channel="X" name="resolution" value="1000" units="1/cm"/>
+          <inkml:channelProperty channel="Y" name="resolution" value="1000" units="1/cm"/>
+          <inkml:channelProperty channel="F" name="resolution" value="0" units="1/dev"/>
+        </inkml:channelProperties>
+      </inkml:inkSource>
+      <inkml:timestamp xml:id="ts0" timeString="2021-04-30T06:12:31.597"/>
+    </inkml:context>
+    <inkml:brush xml:id="br0">
+      <inkml:brushProperty name="width" value="0.05" units="cm"/>
+      <inkml:brushProperty name="height" value="0.05" units="cm"/>
+    </inkml:brush>
+  </inkml:definitions>
+  <inkml:trace contextRef="#ctx0" brushRef="#br0">121 0 28,'-3'4'191,"0"1"0,0-1 0,1 1 0,0 0 0,0-1 0,0 1 0,0 0 0,1 0 0,0 0 0,0 1 0,0-1 0,1 0 0,-1 7-1,-1 8 123,-19 183 1254,16-127-2064,-3 0 0,-22 88 0,29-160 286,0 0 1,-1 0-1,1 0 0,-1 0 0,0-1 0,0 1 0,0 0 1,-4 4-1,-5 4-730</inkml:trace>
+</inkml:ink>
+</file>
+
+<file path=ppt/ink/ink18.xml><?xml version="1.0" encoding="utf-8"?>
+<inkml:ink xmlns:inkml="http://www.w3.org/2003/InkML">
+  <inkml:definitions>
+    <inkml:context xml:id="ctx0">
+      <inkml:inkSource xml:id="inkSrc0">
+        <inkml:traceFormat>
+          <inkml:channel name="X" type="integer" min="-2.14748E9" max="2.14748E9" units="cm"/>
+          <inkml:channel name="Y" type="integer" min="-2.14748E9" max="2.14748E9" units="cm"/>
+          <inkml:channel name="F" type="integer" max="32767" units="dev"/>
+        </inkml:traceFormat>
+        <inkml:channelProperties>
+          <inkml:channelProperty channel="X" name="resolution" value="1000" units="1/cm"/>
+          <inkml:channelProperty channel="Y" name="resolution" value="1000" units="1/cm"/>
+          <inkml:channelProperty channel="F" name="resolution" value="0" units="1/dev"/>
+        </inkml:channelProperties>
+      </inkml:inkSource>
+      <inkml:timestamp xml:id="ts0" timeString="2021-04-30T06:12:31.949"/>
+    </inkml:context>
+    <inkml:brush xml:id="br0">
+      <inkml:brushProperty name="width" value="0.05" units="cm"/>
+      <inkml:brushProperty name="height" value="0.05" units="cm"/>
+    </inkml:brush>
+  </inkml:definitions>
+  <inkml:trace contextRef="#ctx0" brushRef="#br0">0 241 516,'3'-13'179,"0"1"1,1-1-1,0 1 1,1-1-1,0 1 0,1 1 1,0-1-1,1 1 1,0 0-1,1 1 0,0-1 1,1 2-1,0-1 1,18-14-1,-18 17-178,0 1 1,1 0-1,-1 0 0,1 1 1,0 0-1,0 1 1,1 0-1,0 1 0,-1 0 1,1 0-1,0 2 0,0-1 1,0 1-1,0 1 1,1 0-1,-1 0 0,19 4 1,-26-4-15,-1 1 1,1 0 0,-1 0 0,0 0 0,1 0 0,-1 0-1,0 1 1,0-1 0,0 1 0,0 0 0,0 0-1,0 0 1,0 0 0,-1 1 0,1-1 0,-1 1-1,0 0 1,1-1 0,-1 1 0,2 6 0,-2-6 27,-2 0 0,1 1 0,0-1 0,-1 1 0,1-1 1,-1 1-1,0-1 0,0 1 0,-1-1 0,1 1 0,-1-1 0,1 0 1,-1 1-1,0-1 0,-1 0 0,1 1 0,0-1 0,-1 0 1,0 0-1,0 0 0,-2 3 0,-11 12 88,-1 0 0,0-1 0,-1-1 1,-1-1-1,-1 0 0,-28 17 0,-8 7-1016,54-38 784,-1 0 0,1 0 0,0 0 0,0 0 0,-1 0 0,1 0-1,0 0 1,0 1 0,0-1 0,0 0 0,0 3 0,0-3-748</inkml:trace>
+</inkml:ink>
+</file>
+
+<file path=ppt/ink/ink19.xml><?xml version="1.0" encoding="utf-8"?>
+<inkml:ink xmlns:inkml="http://www.w3.org/2003/InkML">
+  <inkml:definitions>
+    <inkml:context xml:id="ctx0">
+      <inkml:inkSource xml:id="inkSrc0">
+        <inkml:traceFormat>
+          <inkml:channel name="X" type="integer" min="-2.14748E9" max="2.14748E9" units="cm"/>
+          <inkml:channel name="Y" type="integer" min="-2.14748E9" max="2.14748E9" units="cm"/>
+          <inkml:channel name="F" type="integer" max="32767" units="dev"/>
+        </inkml:traceFormat>
+        <inkml:channelProperties>
+          <inkml:channelProperty channel="X" name="resolution" value="1000" units="1/cm"/>
+          <inkml:channelProperty channel="Y" name="resolution" value="1000" units="1/cm"/>
+          <inkml:channelProperty channel="F" name="resolution" value="0" units="1/dev"/>
+        </inkml:channelProperties>
+      </inkml:inkSource>
+      <inkml:timestamp xml:id="ts0" timeString="2021-04-30T06:12:32.350"/>
+    </inkml:context>
+    <inkml:brush xml:id="br0">
+      <inkml:brushProperty name="width" value="0.05" units="cm"/>
+      <inkml:brushProperty name="height" value="0.05" units="cm"/>
+    </inkml:brush>
+  </inkml:definitions>
+  <inkml:trace contextRef="#ctx0" brushRef="#br0">30 170 280,'4'3'89,"0"-1"-1,0 0 1,0 0 0,0 0-1,1 0 1,-1 0 0,0-1-1,1 0 1,-1 0-1,1 0 1,0-1 0,-1 1-1,1-1 1,-1 0 0,1 0-1,0-1 1,-1 0 0,6-1-1,-2 1-54,1-1 0,0-1-1,-1 1 1,1-1 0,-1-1-1,0 0 1,0 0 0,11-8 0,-16 9-5,1 0 1,-1 0-1,0 0 1,0 0 0,-1-1-1,1 1 1,-1-1 0,0 0-1,0 0 1,0 0 0,0 0-1,0 0 1,-1 0 0,0 0-1,0-1 1,0 1 0,-1 0-1,1-1 1,-1 1-1,0 0 1,-1-6 0,1 7-14,0 0 0,-1 0 0,0 0 0,0 0-1,0 1 1,0-1 0,0 0 0,-1 1 0,1-1 0,-1 0 0,1 1 0,-1 0 0,0 0 0,0-1 0,0 1 0,0 0 0,-1 0 0,1 1 0,0-1-1,-1 0 1,0 1 0,1 0 0,-1-1 0,0 1 0,1 0 0,-1 0 0,0 1 0,0-1 0,0 0 0,0 1 0,0 0 0,-4 0 0,0 0 10,0 0-1,0 1 1,0 0 0,0 0 0,1 1 0,-1 0 0,0 0 0,0 1 0,1-1 0,0 2 0,-1-1 0,1 1-1,0-1 1,1 2 0,-1-1 0,1 1 0,0-1 0,0 1 0,0 1 0,1-1 0,0 1 0,0 0 0,0 0-1,0 0 1,1 0 0,0 1 0,-2 7 0,2-5-3,0-1 1,0 1-1,1 0 1,0 0-1,0 0 0,1 0 1,1 0-1,0 0 1,0 1-1,0-1 0,1 0 1,0 0-1,1 0 1,0 0-1,1-1 0,0 1 1,0 0-1,0-1 1,1 0-1,9 14 0,-7-15-165,0 0-1,0-1 1,1 0-1,0 0 0,0 0 1,1-1-1,-1 0 1,1-1-1,0 1 0,0-1 1,0-1-1,1 0 1,0 0-1,-1-1 1,1 0-1,0 0 0,0-1 1,0 0-1,0 0 1,0-1-1,0-1 0,17-2 1,7-9-805</inkml:trace>
+</inkml:ink>
+</file>
+
+<file path=ppt/ink/ink2.xml><?xml version="1.0" encoding="utf-8"?>
+<inkml:ink xmlns:inkml="http://www.w3.org/2003/InkML">
+  <inkml:definitions>
+    <inkml:context xml:id="ctx0">
+      <inkml:inkSource xml:id="inkSrc0">
+        <inkml:traceFormat>
+          <inkml:channel name="X" type="integer" min="-2.14748E9" max="2.14748E9" units="cm"/>
+          <inkml:channel name="Y" type="integer" min="-2.14748E9" max="2.14748E9" units="cm"/>
+          <inkml:channel name="F" type="integer" max="32767" units="dev"/>
+        </inkml:traceFormat>
+        <inkml:channelProperties>
+          <inkml:channelProperty channel="X" name="resolution" value="1000" units="1/cm"/>
+          <inkml:channelProperty channel="Y" name="resolution" value="1000" units="1/cm"/>
+          <inkml:channelProperty channel="F" name="resolution" value="0" units="1/dev"/>
+        </inkml:channelProperties>
+      </inkml:inkSource>
+      <inkml:timestamp xml:id="ts0" timeString="2021-04-30T06:12:06.223"/>
+    </inkml:context>
+    <inkml:brush xml:id="br0">
+      <inkml:brushProperty name="width" value="0.05" units="cm"/>
+      <inkml:brushProperty name="height" value="0.05" units="cm"/>
+    </inkml:brush>
+  </inkml:definitions>
+  <inkml:trace contextRef="#ctx0" brushRef="#br0">4 1 784,'0'2'2157,"-4"39"-349,36 233 732,-17-185-2536,4 141 0,-19-229-21,-3 41-1004,3-40 857,0 0 0,0 1-1,-1-1 1,0 0 0,1 0-1,-1 0 1,0 0 0,0 0-1,0 0 1,0-1 0,0 1-1,0 0 1,-1 0 0,1-1-1,-1 1 1,-1 1 0,-6-2-1147,0-9 60</inkml:trace>
+</inkml:ink>
+</file>
+
+<file path=ppt/ink/ink20.xml><?xml version="1.0" encoding="utf-8"?>
+<inkml:ink xmlns:inkml="http://www.w3.org/2003/InkML">
+  <inkml:definitions>
+    <inkml:context xml:id="ctx0">
+      <inkml:inkSource xml:id="inkSrc0">
+        <inkml:traceFormat>
+          <inkml:channel name="X" type="integer" min="-2.14748E9" max="2.14748E9" units="cm"/>
+          <inkml:channel name="Y" type="integer" min="-2.14748E9" max="2.14748E9" units="cm"/>
+          <inkml:channel name="F" type="integer" max="32767" units="dev"/>
+        </inkml:traceFormat>
+        <inkml:channelProperties>
+          <inkml:channelProperty channel="X" name="resolution" value="1000" units="1/cm"/>
+          <inkml:channelProperty channel="Y" name="resolution" value="1000" units="1/cm"/>
+          <inkml:channelProperty channel="F" name="resolution" value="0" units="1/dev"/>
+        </inkml:channelProperties>
+      </inkml:inkSource>
+      <inkml:timestamp xml:id="ts0" timeString="2021-04-30T06:12:32.836"/>
+    </inkml:context>
+    <inkml:brush xml:id="br0">
+      <inkml:brushProperty name="width" value="0.05" units="cm"/>
+      <inkml:brushProperty name="height" value="0.05" units="cm"/>
+    </inkml:brush>
+  </inkml:definitions>
+  <inkml:trace contextRef="#ctx0" brushRef="#br0">3 10 60,'-2'28'419,"1"1"0,2 0 1,0-1-1,9 42 0,-5-30 121,2 49 0,-9-75 668,-4-20-109,-2-23-204,7 15-856,0 0 0,2 0 0,0 0 0,0 0 0,1 0 0,1 1 0,0-1 0,1 1 0,1-1-1,6-13 1,-6 17-58,-1 1-1,1 0 0,1 0 0,-1 0 0,1 0 0,1 1 0,0 0 0,0 1 0,1-1 0,-1 1 1,2 1-1,-1-1 0,1 1 0,9-4 0,-13 7-7,0 1-1,0 0 1,0 1 0,0-1-1,0 1 1,0 0 0,0 0-1,0 0 1,1 1 0,-1 0-1,0 0 1,0 0 0,0 1-1,1 0 1,-1 0 0,0 0-1,0 1 1,0-1 0,0 1-1,0 0 1,-1 1 0,1-1-1,-1 1 1,1 0 0,-1 0 0,0 0-1,0 0 1,0 1 0,4 5-1,-2-2 33,-1 1 1,0 0-1,0 0 0,0 0 0,-1 1 0,0 0 1,-1 0-1,0 0 0,0 0 0,-1 0 0,0 0 0,-1 1 1,0-1-1,-1 0 0,0 14 0,-2-4 28,0-1 0,-2 1-1,-8 27 1,10-38-369,-1 0 1,-1 0-1,1 0 1,-1 0-1,-1 0 1,0-1-1,0 1 1,0-1-1,-10 9 1,4-9-802,2-6 67</inkml:trace>
+</inkml:ink>
+</file>
+
+<file path=ppt/ink/ink21.xml><?xml version="1.0" encoding="utf-8"?>
+<inkml:ink xmlns:inkml="http://www.w3.org/2003/InkML">
+  <inkml:definitions>
+    <inkml:context xml:id="ctx0">
+      <inkml:inkSource xml:id="inkSrc0">
+        <inkml:traceFormat>
+          <inkml:channel name="X" type="integer" min="-2.14748E9" max="2.14748E9" units="cm"/>
+          <inkml:channel name="Y" type="integer" min="-2.14748E9" max="2.14748E9" units="cm"/>
+          <inkml:channel name="F" type="integer" max="32767" units="dev"/>
+        </inkml:traceFormat>
+        <inkml:channelProperties>
+          <inkml:channelProperty channel="X" name="resolution" value="1000" units="1/cm"/>
+          <inkml:channelProperty channel="Y" name="resolution" value="1000" units="1/cm"/>
+          <inkml:channelProperty channel="F" name="resolution" value="0" units="1/dev"/>
+        </inkml:channelProperties>
+      </inkml:inkSource>
+      <inkml:timestamp xml:id="ts0" timeString="2021-04-30T06:12:33.351"/>
+    </inkml:context>
+    <inkml:brush xml:id="br0">
+      <inkml:brushProperty name="width" value="0.05" units="cm"/>
+      <inkml:brushProperty name="height" value="0.05" units="cm"/>
+    </inkml:brush>
+  </inkml:definitions>
+  <inkml:trace contextRef="#ctx0" brushRef="#br0">0 1 640,'5'10'4035,"19"63"-3404,8 50 251,127 467 1615,-153-573-1711,-6-17-772,0 0 0,1 0 0,-1 0 1,0 0-1,0 0 0,0 0 0,0 0 1,0 0-1,0 0 0,0 0 0,0 0 1,0 1-1,0-1 0,0 0 0,1 0 1,-1 0-1,0 0 0,0 0 0,0 0 0,0 0 1,0 0-1,0 0 0,0 0 0,0 0 1,1 0-1,-1 0 0,0 0 0,0 0 1,0 0-1,0 0 0,0 0 0,0 0 1,0 0-1,0 0 0,1 0 0,-1 0 1,0 0-1,0 0 0,0 0 0,0-1 1,0 1-1,0 0 0,0 0 0,0 0 0,0 0 1,0 0-1,0 0 0,1 0 0,-1 0 1,0 0-1,0 0 0,0-1 0,0 1 1,0 0-1,0 0 0,0 0 0,0 0 1,0 0-1,5-29 1111,-2 12-1210,18-89-1099,5 2 0,4 0 0,53-120 0,-79 215 912,-2 4-57,0 0 0,0-1-1,0 1 1,1 0 0,0 0 0,0 0 0,0 0 0,1 1-1,0 0 1,-1-1 0,8-5 0,4 4-1052</inkml:trace>
+</inkml:ink>
+</file>
+
+<file path=ppt/ink/ink22.xml><?xml version="1.0" encoding="utf-8"?>
+<inkml:ink xmlns:inkml="http://www.w3.org/2003/InkML">
+  <inkml:definitions>
+    <inkml:context xml:id="ctx0">
+      <inkml:inkSource xml:id="inkSrc0">
+        <inkml:traceFormat>
+          <inkml:channel name="X" type="integer" min="-2.14748E9" max="2.14748E9" units="cm"/>
+          <inkml:channel name="Y" type="integer" min="-2.14748E9" max="2.14748E9" units="cm"/>
+          <inkml:channel name="F" type="integer" max="32767" units="dev"/>
+        </inkml:traceFormat>
+        <inkml:channelProperties>
+          <inkml:channelProperty channel="X" name="resolution" value="1000" units="1/cm"/>
+          <inkml:channelProperty channel="Y" name="resolution" value="1000" units="1/cm"/>
+          <inkml:channelProperty channel="F" name="resolution" value="0" units="1/dev"/>
+        </inkml:channelProperties>
+      </inkml:inkSource>
+      <inkml:timestamp xml:id="ts0" timeString="2021-04-30T06:12:34.015"/>
+    </inkml:context>
+    <inkml:brush xml:id="br0">
+      <inkml:brushProperty name="width" value="0.05" units="cm"/>
+      <inkml:brushProperty name="height" value="0.05" units="cm"/>
+    </inkml:brush>
+  </inkml:definitions>
+  <inkml:trace contextRef="#ctx0" brushRef="#br0">452 91 48,'1'0'76,"-1"0"0,0 0 0,1 0 0,-1 0-1,0 0 1,1 0 0,-1-1 0,0 1 0,1 0 0,-1 0 0,0 0 0,1 0 0,-1 0 0,0 0-1,1-1 1,-1 1 0,0 0 0,0 0 0,1 0 0,-1-1 0,0 1 0,0 0 0,1 0 0,-1-1-1,0 1 1,0 0 0,0-1 0,1 1 0,-1 0 0,0-1 0,0 1 0,0 0 0,0-1 0,0 1-1,0 0 1,0-1 0,-3-17 992,-15-12-459,13 26-595,0 0 0,0 1 1,0 0-1,0 0 0,0 0 0,-1 0 1,0 1-1,1 0 0,-1 0 0,0 0 0,0 1 1,0 0-1,0 0 0,0 1 0,0 0 0,0 0 1,0 0-1,0 0 0,0 1 0,-9 2 0,0 1-24,0 0 0,0 1 0,1 0 0,-1 1 0,1 1 0,-25 15-1,25-11 21,1-1-1,0 1 0,0 1 0,1 1 0,-19 25 0,25-31-3,1 0-1,0 1 1,0 0 0,1 0 0,1 1-1,-1-1 1,1 1 0,0-1-1,1 1 1,0 0 0,1 0-1,-2 16 1,4-20-3,0 0 0,-1 0 1,2 0-1,-1 0 0,0 0 0,1 0 0,0-1 0,0 1 0,1-1 1,-1 1-1,1-1 0,0 0 0,0 0 0,0 0 0,0 0 0,1-1 1,0 1-1,0-1 0,0 0 0,0 0 0,7 3 0,9 5 12,1-1-1,0-1 0,34 10 1,-18-6-29,-26-9 21,13 4-42,-2 1-1,34 18 1,-52-24 53,1-1-1,-1 1 1,0-1-1,0 1 1,0 1-1,0-1 0,-1 0 1,1 1-1,-1 0 1,0 0-1,0 0 1,0 0-1,-1 0 1,0 1-1,1-1 1,-1 1-1,-1 0 1,3 9-1,-4-11 31,0 0 1,0 1-1,-1-1 0,1 0 1,-1 0-1,0 0 0,0 0 1,0 0-1,0 0 0,0 0 1,-1 0-1,0 0 0,1-1 0,-1 1 1,0-1-1,0 1 0,0-1 1,-1 0-1,1 1 0,0-1 1,-1 0-1,0-1 0,1 1 1,-1 0-1,-4 1 0,-7 4 203,0-1-1,0 0 0,-28 7 1,17-6-35,-1-2 0,0-1 0,-38 1 0,50-5-349,0 0 0,-1 0 0,1-2 0,0 0 1,0 0-1,0-2 0,-25-8 0,37 11 39,1 1 0,0 0 0,-1-1 1,1 0-1,0 1 0,-1-1 0,1 0 0,0 1 0,0-1 1,-1 0-1,1 0 0,0 0 0,0 0 0,0 0 0,0-1 1,0 1-1,1 0 0,-1 0 0,0 0 0,0-1 0,1 1 0,-1 0 1,1-1-1,-1 1 0,1-1 0,0 1 0,-1-1 0,1 1 1,0-1-1,0 1 0,0 0 0,0-1 0,1-1 0,0-1-143,1 0 1,-1 1-1,1-1 0,0 1 0,1 0 0,-1-1 0,1 1 0,-1 0 0,1 0 0,0 1 0,4-4 0,23-17-875</inkml:trace>
+</inkml:ink>
+</file>
+
+<file path=ppt/ink/ink23.xml><?xml version="1.0" encoding="utf-8"?>
+<inkml:ink xmlns:inkml="http://www.w3.org/2003/InkML">
+  <inkml:definitions>
+    <inkml:context xml:id="ctx0">
+      <inkml:inkSource xml:id="inkSrc0">
+        <inkml:traceFormat>
+          <inkml:channel name="X" type="integer" min="-2.14748E9" max="2.14748E9" units="cm"/>
+          <inkml:channel name="Y" type="integer" min="-2.14748E9" max="2.14748E9" units="cm"/>
+          <inkml:channel name="F" type="integer" max="32767" units="dev"/>
+        </inkml:traceFormat>
+        <inkml:channelProperties>
+          <inkml:channelProperty channel="X" name="resolution" value="1000" units="1/cm"/>
+          <inkml:channelProperty channel="Y" name="resolution" value="1000" units="1/cm"/>
+          <inkml:channelProperty channel="F" name="resolution" value="0" units="1/dev"/>
+        </inkml:channelProperties>
+      </inkml:inkSource>
+      <inkml:timestamp xml:id="ts0" timeString="2021-04-30T06:12:34.564"/>
+    </inkml:context>
+    <inkml:brush xml:id="br0">
+      <inkml:brushProperty name="width" value="0.05" units="cm"/>
+      <inkml:brushProperty name="height" value="0.05" units="cm"/>
+    </inkml:brush>
+  </inkml:definitions>
+  <inkml:trace contextRef="#ctx0" brushRef="#br0">0 29 604,'1'0'78,"-1"1"1,1-1-1,-1 0 0,1 1 0,-1-1 1,0 0-1,1 1 0,-1-1 0,0 1 1,1-1-1,-1 1 0,0-1 0,1 1 1,-1-1-1,0 1 0,0-1 0,0 1 1,1-1-1,-1 1 0,0-1 0,0 1 1,0-1-1,0 1 0,0-1 0,0 1 0,0 0 1,0 21 132,0-19-21,0 43 512,7 206 815,-2-230-1143,1-22-55,4-13-186,19-36-109,25-37-241,-46 76 176,-1 0 0,2 0-1,0 0 1,0 1-1,16-12 1,-23 20 35,-1 0 0,1 0-1,0 0 1,-1 0 0,1 0 0,0 0 0,0 1-1,0-1 1,0 0 0,0 1 0,0 0 0,0-1 0,0 1-1,0 0 1,0 0 0,0 0 0,0 0 0,0 1 0,0-1-1,2 1 1,-1 0-1,0 1 0,0-1 0,0 1 1,0 0-1,0 0 0,0 0 0,0 0 0,0 0 0,-1 1 0,4 4 0,4 7-6,0 0 0,-2 0 0,14 29 0,-17-33 11,12 34 6,-14-35 74,0 1 0,1 0 0,0-1 1,0 0-1,1 0 0,1 0 0,-1 0 1,10 9-1,-14-17-51,-1-1 0,1 0 0,-1 0 0,1 0 0,-1 0 0,1 0 0,-1 1 0,1-1 0,0 0 0,-1 0 0,1 0 0,-1-1 0,1 1 0,-1 0 0,1 0 0,-1 0 0,1 0 0,-1 0 0,1-1 0,-1 1 0,1 0 0,-1 0 0,1-1 0,-1 1 0,1-1 0,-1 1 0,1 0 0,-1-1 0,0 1 0,1-1 0,-1 1 0,0 0 0,1-1 0,-1 1 0,0-1 0,0 1 0,1-1 0,-1 0 0,12-24 300,-11 25-306,4-15-32,0 1 0,-1 0 1,0-1-1,-1 0 0,-1 0 0,1-16 0,-5-94-603,1-4-2311,4 118 654,0 14 1154</inkml:trace>
+</inkml:ink>
+</file>
+
+<file path=ppt/ink/ink24.xml><?xml version="1.0" encoding="utf-8"?>
+<inkml:ink xmlns:inkml="http://www.w3.org/2003/InkML">
+  <inkml:definitions>
+    <inkml:context xml:id="ctx0">
+      <inkml:inkSource xml:id="inkSrc0">
+        <inkml:traceFormat>
+          <inkml:channel name="X" type="integer" min="-2.14748E9" max="2.14748E9" units="cm"/>
+          <inkml:channel name="Y" type="integer" min="-2.14748E9" max="2.14748E9" units="cm"/>
+          <inkml:channel name="F" type="integer" max="32767" units="dev"/>
+        </inkml:traceFormat>
+        <inkml:channelProperties>
+          <inkml:channelProperty channel="X" name="resolution" value="1000" units="1/cm"/>
+          <inkml:channelProperty channel="Y" name="resolution" value="1000" units="1/cm"/>
+          <inkml:channelProperty channel="F" name="resolution" value="0" units="1/dev"/>
+        </inkml:channelProperties>
+      </inkml:inkSource>
+      <inkml:timestamp xml:id="ts0" timeString="2021-04-30T06:12:34.899"/>
+    </inkml:context>
+    <inkml:brush xml:id="br0">
+      <inkml:brushProperty name="width" value="0.05" units="cm"/>
+      <inkml:brushProperty name="height" value="0.05" units="cm"/>
+    </inkml:brush>
+  </inkml:definitions>
+  <inkml:trace contextRef="#ctx0" brushRef="#br0">1 1 104,'0'-1'43,"0"1"1,1 0-1,-1 0 0,1 0 1,-1 0-1,1 0 0,-1 0 1,1 1-1,-1-1 0,1 0 1,-1 0-1,0 0 0,1 0 1,-1 0-1,1 1 0,-1-1 1,0 0-1,1 0 0,-1 1 1,0-1-1,1 0 1,-1 1-1,0-1 0,1 0 1,-1 1-1,0-1 0,1 0 1,-1 1-1,0-1 0,0 1 1,0-1-1,0 0 0,1 1 1,-1 0-1,7 20 525,-5-16-375,7 33 401,0 1 0,-3 0 1,-2 0-1,1 42 0,-2-19-507,-2-55-146,0 53-644,-9-34-417,7-25 1039,1-1-1,-1 1 1,1 0 0,-1 0 0,1-1 0,-1 1-1,0-1 1,1 1 0,-1-1 0,0 1 0,1-1 0,-1 1-1,0-1 1,0 0 0,0 1 0,1-1 0,-1 0-1,0 0 1,0 1 0,0-1 0,0 0 0,0 0 0,0 0-1,-1 0 1,-11-3-891</inkml:trace>
+</inkml:ink>
+</file>
+
+<file path=ppt/ink/ink25.xml><?xml version="1.0" encoding="utf-8"?>
+<inkml:ink xmlns:inkml="http://www.w3.org/2003/InkML">
+  <inkml:definitions>
+    <inkml:context xml:id="ctx0">
+      <inkml:inkSource xml:id="inkSrc0">
+        <inkml:traceFormat>
+          <inkml:channel name="X" type="integer" min="-2.14748E9" max="2.14748E9" units="cm"/>
+          <inkml:channel name="Y" type="integer" min="-2.14748E9" max="2.14748E9" units="cm"/>
+          <inkml:channel name="F" type="integer" max="32767" units="dev"/>
+        </inkml:traceFormat>
+        <inkml:channelProperties>
+          <inkml:channelProperty channel="X" name="resolution" value="1000" units="1/cm"/>
+          <inkml:channelProperty channel="Y" name="resolution" value="1000" units="1/cm"/>
+          <inkml:channelProperty channel="F" name="resolution" value="0" units="1/dev"/>
+        </inkml:channelProperties>
+      </inkml:inkSource>
+      <inkml:timestamp xml:id="ts0" timeString="2021-04-30T06:12:35.232"/>
+    </inkml:context>
+    <inkml:brush xml:id="br0">
+      <inkml:brushProperty name="width" value="0.05" units="cm"/>
+      <inkml:brushProperty name="height" value="0.05" units="cm"/>
+    </inkml:brush>
+  </inkml:definitions>
+  <inkml:trace contextRef="#ctx0" brushRef="#br0">3 51 164,'-2'-30'144,"4"10"-272</inkml:trace>
+</inkml:ink>
+</file>
+
+<file path=ppt/ink/ink26.xml><?xml version="1.0" encoding="utf-8"?>
+<inkml:ink xmlns:inkml="http://www.w3.org/2003/InkML">
+  <inkml:definitions>
+    <inkml:context xml:id="ctx0">
+      <inkml:inkSource xml:id="inkSrc0">
+        <inkml:traceFormat>
+          <inkml:channel name="X" type="integer" min="-2.14748E9" max="2.14748E9" units="cm"/>
+          <inkml:channel name="Y" type="integer" min="-2.14748E9" max="2.14748E9" units="cm"/>
+          <inkml:channel name="F" type="integer" max="32767" units="dev"/>
+        </inkml:traceFormat>
+        <inkml:channelProperties>
+          <inkml:channelProperty channel="X" name="resolution" value="1000" units="1/cm"/>
+          <inkml:channelProperty channel="Y" name="resolution" value="1000" units="1/cm"/>
+          <inkml:channelProperty channel="F" name="resolution" value="0" units="1/dev"/>
+        </inkml:channelProperties>
+      </inkml:inkSource>
+      <inkml:timestamp xml:id="ts0" timeString="2021-04-30T06:12:35.563"/>
+    </inkml:context>
+    <inkml:brush xml:id="br0">
+      <inkml:brushProperty name="width" value="0.05" units="cm"/>
+      <inkml:brushProperty name="height" value="0.05" units="cm"/>
+    </inkml:brush>
+  </inkml:definitions>
+  <inkml:trace contextRef="#ctx0" brushRef="#br0">268 18 1072,'5'-10'1437,"-2"3"1754,0 21-1631,-2-6-1824,61 794 3974,-61-778-3756,-1-9-38,0 0 0,1-1 0,1 1 0,0-1 0,7 21 0,-9-32-20,2 0 1,-1 0-1,0-1 1,0 1 0,1 0-1,0-1 1,-1 0-1,1 1 1,0-1 0,0 0-1,0 0 1,1 0 0,-1 0-1,0 0 1,1-1-1,-1 1 1,1-1 0,0 1-1,-1-1 1,1 0 0,0 0-1,0 0 1,0-1-1,-1 1 1,1 0 0,0-1-1,0 0 1,0 0-1,0 0 1,0 0 0,0 0-1,5-2 1,6-1-443,0 0 1,0-2-1,-1 1 1,1-2-1,-1 1 1,-1-2-1,1 0 1,16-12-1,16-16-928</inkml:trace>
+  <inkml:trace contextRef="#ctx0" brushRef="#br0" timeOffset="1">160 579 544,'-60'-8'896,"11"1"-4,17 3-284,13 0-228,22 4-216,20 0-220,18 0-252,19 0-280,17-2-144,6-2-104,7-4-36</inkml:trace>
+</inkml:ink>
+</file>
+
+<file path=ppt/ink/ink27.xml><?xml version="1.0" encoding="utf-8"?>
+<inkml:ink xmlns:inkml="http://www.w3.org/2003/InkML">
+  <inkml:definitions>
+    <inkml:context xml:id="ctx0">
+      <inkml:inkSource xml:id="inkSrc0">
+        <inkml:traceFormat>
+          <inkml:channel name="X" type="integer" min="-2.14748E9" max="2.14748E9" units="cm"/>
+          <inkml:channel name="Y" type="integer" min="-2.14748E9" max="2.14748E9" units="cm"/>
+          <inkml:channel name="F" type="integer" max="32767" units="dev"/>
+        </inkml:traceFormat>
+        <inkml:channelProperties>
+          <inkml:channelProperty channel="X" name="resolution" value="1000" units="1/cm"/>
+          <inkml:channelProperty channel="Y" name="resolution" value="1000" units="1/cm"/>
+          <inkml:channelProperty channel="F" name="resolution" value="0" units="1/dev"/>
+        </inkml:channelProperties>
+      </inkml:inkSource>
+      <inkml:timestamp xml:id="ts0" timeString="2021-04-30T06:12:35.896"/>
+    </inkml:context>
+    <inkml:brush xml:id="br0">
+      <inkml:brushProperty name="width" value="0.05" units="cm"/>
+      <inkml:brushProperty name="height" value="0.05" units="cm"/>
+    </inkml:brush>
+  </inkml:definitions>
+  <inkml:trace contextRef="#ctx0" brushRef="#br0">236 8 48,'-2'-1'158,"0"0"1,0 0-1,0 0 1,-1 0-1,1 1 1,0-1-1,0 1 1,0-1-1,0 1 1,-1 0-1,1 0 1,0 0-1,0 0 1,0 0-1,-1 0 1,1 1-1,0-1 1,-4 2-1,-39 16 1041,34-12-1035,0 1 0,1 1 0,0 0 0,1 0-1,0 0 1,0 1 0,1 1 0,0 0 0,1 0 0,-1 0 0,2 1 0,0 0 0,0 0 0,1 0 0,1 1 0,-1 0 0,-1 13 0,4-18-133,0 1 0,1-1 0,0 1 0,0-1 0,1 1 0,-1 0 0,2-1 0,-1 1 0,1 0 0,1-1 0,-1 1 0,1-1 0,1 0 0,-1 0 0,1 1 0,0-2 0,1 1 0,-1 0 0,2-1 0,-1 1 0,1-1 1,-1 0-1,2-1 0,-1 1 0,1-1 0,-1 0 0,1 0 0,13 6 0,-5-4-349,0-1 1,0-1-1,1-1 1,-1 0-1,1 0 1,0-2-1,0 0 0,0 0 1,1-2-1,-1 0 1,0-1-1,0 0 1,0-1-1,0-1 1,0 0-1,0-1 1,-1 0-1,24-12 1,2-9-1015</inkml:trace>
+</inkml:ink>
+</file>
+
+<file path=ppt/ink/ink28.xml><?xml version="1.0" encoding="utf-8"?>
+<inkml:ink xmlns:inkml="http://www.w3.org/2003/InkML">
+  <inkml:definitions>
+    <inkml:context xml:id="ctx0">
+      <inkml:inkSource xml:id="inkSrc0">
+        <inkml:traceFormat>
+          <inkml:channel name="X" type="integer" min="-2.14748E9" max="2.14748E9" units="cm"/>
+          <inkml:channel name="Y" type="integer" min="-2.14748E9" max="2.14748E9" units="cm"/>
+          <inkml:channel name="F" type="integer" max="32767" units="dev"/>
+        </inkml:traceFormat>
+        <inkml:channelProperties>
+          <inkml:channelProperty channel="X" name="resolution" value="1000" units="1/cm"/>
+          <inkml:channelProperty channel="Y" name="resolution" value="1000" units="1/cm"/>
+          <inkml:channelProperty channel="F" name="resolution" value="0" units="1/dev"/>
+        </inkml:channelProperties>
+      </inkml:inkSource>
+      <inkml:timestamp xml:id="ts0" timeString="2021-04-30T06:12:36.226"/>
+    </inkml:context>
+    <inkml:brush xml:id="br0">
+      <inkml:brushProperty name="width" value="0.05" units="cm"/>
+      <inkml:brushProperty name="height" value="0.05" units="cm"/>
+    </inkml:brush>
+  </inkml:definitions>
+  <inkml:trace contextRef="#ctx0" brushRef="#br0">38 67 580,'-5'-14'346,"4"9"-195,0 1 0,0-1 0,-1 1 0,1 0 0,-1-1 0,0 1 0,-1 0 0,1 0 0,-1 0 0,-4-6 0,6 10-137,1 0 1,0 0 0,0 1-1,-1-1 1,1 0-1,0 0 1,-1 0-1,1 0 1,0 0-1,0 0 1,-1 0 0,1 0-1,0 1 1,0-1-1,-1 0 1,1 0-1,0 0 1,0 0-1,-1 1 1,1-1 0,0 0-1,0 0 1,0 1-1,0-1 1,-1 0-1,1 0 1,0 1-1,0-1 1,0 0 0,0 1-1,0-1 1,0 0-1,0 0 1,0 1-1,0-1 1,0 0-1,0 1 1,0-1 0,0 0-1,0 0 1,0 1-1,0-1 1,0 1-1,1 17 265,28 226 1825,35 432 927,-64-669-2893,1-4-1,-1 1-1,0-1 1,0 1-1,0-1 1,0 0-1,0 1 1,-1-1-1,0 0 0,1 1 1,-4 5-1,4-9-115,0 0 0,0 0 0,-1 1 0,1-1-1,0 0 1,0 0 0,0 0 0,-1 0 0,1 0 0,0 0-1,-1 0 1,1 0 0,0 0 0,0 0 0,-1 0 0,1 0-1,0 0 1,0 0 0,-1 0 0,1 0 0,0 0 0,0 0-1,-1 0 1,1 0 0,0 0 0,0 0 0,-1-1 0,1 1-1,0 0 1,0 0 0,0 0 0,-1 0 0,1-1 0,0 1 0,0 0-1,0 0 1,0 0 0,-1-1 0,1 1 0,0 0 0,0 0-1,0-1 1,0 1 0,0 0 0,0 0 0,0-1 0,0 1-1,0 0 1,0 0 0,0-1 0,0 1 0,0 0 0,0 0-1,0-1 1,-6-17 373,5 3-384,0-1 0,2 0 0,0 0 0,0 1 0,2-1 0,0 0 0,0 1 0,2 0 1,0 0-1,0 0 0,1 0 0,1 1 0,1 0 0,0 1 0,1 0 0,0 0 0,1 0 0,0 1 0,1 1 0,0 0 1,1 0-1,1 1 0,23-15 0,-29 22-26,1-1 0,-1 1 0,1 1 1,-1-1-1,1 1 0,0 1 0,0-1 1,0 1-1,-1 1 0,1-1 0,0 1 1,0 1-1,0-1 0,11 3 0,-10 0 3,0 0-1,1 1 0,-1-1 0,-1 2 0,1-1 1,-1 1-1,0 0 0,0 1 0,0 0 0,11 11 1,-8-4-43,1 0 1,-2 1-1,0 0 1,0 0 0,-2 1-1,0 0 1,0 1 0,-1 0-1,-1 0 1,-1 0-1,-1 1 1,6 33 0,-9-35-322,0 0 0,-1 0 0,0 0 0,-2 0 1,1 0-1,-7 24 0,6-34 63,1 1 0,-1-1-1,0 0 1,-1 0 0,1 0 0,-1 0-1,0 0 1,0 0 0,-1-1 0,1 1-1,-1-1 1,0 0 0,0 0 0,-1 0-1,1-1 1,-1 1 0,1-1 0,-1 0-1,0-1 1,-8 4 0,-14 0-1163</inkml:trace>
+</inkml:ink>
+</file>
+
+<file path=ppt/ink/ink29.xml><?xml version="1.0" encoding="utf-8"?>
+<inkml:ink xmlns:inkml="http://www.w3.org/2003/InkML">
+  <inkml:definitions>
+    <inkml:context xml:id="ctx0">
+      <inkml:inkSource xml:id="inkSrc0">
+        <inkml:traceFormat>
+          <inkml:channel name="X" type="integer" min="-2.14748E9" max="2.14748E9" units="cm"/>
+          <inkml:channel name="Y" type="integer" min="-2.14748E9" max="2.14748E9" units="cm"/>
+          <inkml:channel name="F" type="integer" max="32767" units="dev"/>
+        </inkml:traceFormat>
+        <inkml:channelProperties>
+          <inkml:channelProperty channel="X" name="resolution" value="1000" units="1/cm"/>
+          <inkml:channelProperty channel="Y" name="resolution" value="1000" units="1/cm"/>
+          <inkml:channelProperty channel="F" name="resolution" value="0" units="1/dev"/>
+        </inkml:channelProperties>
+      </inkml:inkSource>
+      <inkml:timestamp xml:id="ts0" timeString="2021-04-30T06:12:38.711"/>
+    </inkml:context>
+    <inkml:brush xml:id="br0">
+      <inkml:brushProperty name="width" value="0.05" units="cm"/>
+      <inkml:brushProperty name="height" value="0.05" units="cm"/>
+    </inkml:brush>
+  </inkml:definitions>
+  <inkml:trace contextRef="#ctx0" brushRef="#br0">232 28 176,'0'-1'81,"0"0"0,0-1 0,0 1 0,-1 0-1,1 0 1,0-1 0,-1 1 0,1 0 0,-1 0 0,0 0 0,1 0-1,-1 0 1,0-1 0,0 1 0,1 1 0,-1-1 0,0 0 0,0 0 0,0 0-1,0 0 1,0 1 0,0-1 0,-1 0 0,1 1 0,0-1 0,0 1 0,0-1-1,-1 1 1,1 0 0,0 0 0,0-1 0,-1 1 0,1 0 0,0 0 0,0 0-1,-1 0 1,1 0 0,0 1 0,0-1 0,-1 0 0,1 1 0,0-1 0,0 0-1,-1 1 1,1 0 0,0-1 0,0 1 0,-2 1 0,-4 2 57,0 1 0,1 0 0,-1 1 0,1 0 0,0-1 0,-6 10-1,-4 8 112,1 0-1,1 0 0,1 1 0,1 1 1,1 0-1,1 1 0,2 0 0,-9 41 1,11-35-94,1 1 1,2-1 0,1 1-1,2 0 1,1 0-1,9 58 1,-8-78-127,1 0 0,1-1 1,0 1-1,1-1 0,0 0 0,1-1 0,0 1 1,1-1-1,0 0 0,0-1 0,10 10 0,-11-13-22,1-1-1,-1 0 1,1-1-1,0 0 1,1 0-1,-1 0 1,1-1-1,0 0 1,0-1-1,0 0 1,1 0-1,-1 0 1,1-1-1,0-1 1,-1 1-1,1-1 1,9-1-1,-6 0-37,0 0 0,-1-1 0,1-1 0,-1 0 0,0-1 0,1 0 0,-1 0 0,0-1 0,-1-1 0,1 0 0,-1 0 0,0-1 0,15-11 0,-14 7-23,0 0 0,-1-1 0,0 0 1,-1 0-1,0-1 0,-1 0 1,0 0-1,-1-1 0,11-26 0,-10 18 57,-2 0 0,0-1-1,-1 0 1,-1 0 0,-1 0-1,-1 0 1,-1-1 0,-1 1-1,-1-1 1,-1 1 0,0 0-1,-2 0 1,-1 0 0,-8-23-1,7 31 6,0 0 0,-1 1 0,-1 0 0,0 0 0,-1 1 0,0 0-1,0 0 1,-2 1 0,-18-16 0,21 20-181,-1 0 0,0 1 0,0 0-1,0 0 1,-1 1 0,0 1 0,0-1 0,0 1 0,-1 1-1,1 0 1,-1 1 0,0 0 0,-19-1 0,26 3-19,0 0 0,0 0 0,0 0 1,1 1-1,-1-1 0,0 1 0,0 0 1,0 0-1,1 1 0,-1-1 0,1 1 0,-1-1 1,1 1-1,0 0 0,-1 1 0,1-1 1,0 1-1,1-1 0,-4 4 0,-5 14-1018</inkml:trace>
+</inkml:ink>
+</file>
+
+<file path=ppt/ink/ink3.xml><?xml version="1.0" encoding="utf-8"?>
+<inkml:ink xmlns:inkml="http://www.w3.org/2003/InkML">
+  <inkml:definitions>
+    <inkml:context xml:id="ctx0">
+      <inkml:inkSource xml:id="inkSrc0">
+        <inkml:traceFormat>
+          <inkml:channel name="X" type="integer" min="-2.14748E9" max="2.14748E9" units="cm"/>
+          <inkml:channel name="Y" type="integer" min="-2.14748E9" max="2.14748E9" units="cm"/>
+          <inkml:channel name="F" type="integer" max="32767" units="dev"/>
+        </inkml:traceFormat>
+        <inkml:channelProperties>
+          <inkml:channelProperty channel="X" name="resolution" value="1000" units="1/cm"/>
+          <inkml:channelProperty channel="Y" name="resolution" value="1000" units="1/cm"/>
+          <inkml:channelProperty channel="F" name="resolution" value="0" units="1/dev"/>
+        </inkml:channelProperties>
+      </inkml:inkSource>
+      <inkml:timestamp xml:id="ts0" timeString="2021-04-30T06:12:06.724"/>
+    </inkml:context>
+    <inkml:brush xml:id="br0">
+      <inkml:brushProperty name="width" value="0.05" units="cm"/>
+      <inkml:brushProperty name="height" value="0.05" units="cm"/>
+    </inkml:brush>
+  </inkml:definitions>
+  <inkml:trace contextRef="#ctx0" brushRef="#br0">35 187 364,'5'-43'3462,"-5"37"-3429,1 0 0,-1 1 0,1-1 0,0 0 0,1 1 0,-1-1 0,1 1-1,0 0 1,1-1 0,-1 1 0,1 0 0,0 1 0,0-1 0,0 0 0,1 1 0,0 0-1,0-1 1,0 2 0,0-1 0,1 0 0,-1 1 0,1 0 0,0 0 0,7-3 0,-2 1-65,0 1-1,0 1 1,0-1 0,1 2 0,-1 0 0,1 0 0,-1 0 0,1 2 0,0-1 0,0 1 0,0 1 0,14 2 0,-19-2 43,0 0 1,0 1-1,-1 0 0,1 0 1,0 0-1,0 1 1,-1-1-1,0 2 1,1-1-1,-1 0 0,0 1 1,-1 0-1,1 0 1,-1 1-1,1-1 1,-1 1-1,-1 0 1,1 0-1,-1 0 0,0 0 1,0 1-1,0-1 1,-1 1-1,0 0 1,0 0-1,0 0 0,-1 0 1,0 0-1,0 0 1,0 0-1,-1 0 1,0 0-1,0 1 0,-1-1 1,0 0-1,0 0 1,0 0-1,0 0 1,-6 11-1,1-2 163,-1-1 0,-1 1 1,0-2-1,-1 1 0,0-1 0,-1-1 0,0 1 0,-1-2 0,-1 1 1,-20 14-1,9-8-49,-2-1-1,1-2 1,-2-1 0,-53 22 0,72-33-226,4-1-33,-1 0-1,1-1 1,-1 0 0,1 1-1,-1-1 1,0 0-1,0-1 1,1 1 0,-1-1-1,0 1 1,0-1-1,0 0 1,0-1 0,1 1-1,-6-2 1,8 2 51,0-1 1,1 0-1,-1 1 1,1-1 0,-1 0-1,1 0 1,0 0-1,-1 1 1,1-1-1,0 0 1,-1 0-1,1 0 1,0 0-1,0 0 1,0 0 0,0 0-1,0 1 1,0-1-1,0 0 1,0 0-1,0 0 1,0 0-1,1 0 1,-1 0-1,0 0 1,1 1 0,-1-1-1,0 0 1,1 0-1,-1 0 1,1 1-1,1-2 1,10-22-1275</inkml:trace>
+</inkml:ink>
+</file>
+
+<file path=ppt/ink/ink30.xml><?xml version="1.0" encoding="utf-8"?>
+<inkml:ink xmlns:inkml="http://www.w3.org/2003/InkML">
+  <inkml:definitions>
+    <inkml:context xml:id="ctx0">
+      <inkml:inkSource xml:id="inkSrc0">
+        <inkml:traceFormat>
+          <inkml:channel name="X" type="integer" min="-2.14748E9" max="2.14748E9" units="cm"/>
+          <inkml:channel name="Y" type="integer" min="-2.14748E9" max="2.14748E9" units="cm"/>
+          <inkml:channel name="F" type="integer" max="32767" units="dev"/>
+        </inkml:traceFormat>
+        <inkml:channelProperties>
+          <inkml:channelProperty channel="X" name="resolution" value="1000" units="1/cm"/>
+          <inkml:channelProperty channel="Y" name="resolution" value="1000" units="1/cm"/>
+          <inkml:channelProperty channel="F" name="resolution" value="0" units="1/dev"/>
+        </inkml:channelProperties>
+      </inkml:inkSource>
+      <inkml:timestamp xml:id="ts0" timeString="2021-04-30T06:12:39.042"/>
+    </inkml:context>
+    <inkml:brush xml:id="br0">
+      <inkml:brushProperty name="width" value="0.05" units="cm"/>
+      <inkml:brushProperty name="height" value="0.05" units="cm"/>
+    </inkml:brush>
+  </inkml:definitions>
+  <inkml:trace contextRef="#ctx0" brushRef="#br0">42 0 360,'3'19'823,"-1"0"0,-1 1 0,-1-1 1,-3 31-1,0-2-84,-11 805 2621,15-799-3673,1-24-601,-2-1 0,-1 1-1,-1-1 1,-12 52 0,8-69-541,-1-15 119</inkml:trace>
+</inkml:ink>
+</file>
+
+<file path=ppt/ink/ink31.xml><?xml version="1.0" encoding="utf-8"?>
+<inkml:ink xmlns:inkml="http://www.w3.org/2003/InkML">
+  <inkml:definitions>
+    <inkml:context xml:id="ctx0">
+      <inkml:inkSource xml:id="inkSrc0">
+        <inkml:traceFormat>
+          <inkml:channel name="X" type="integer" min="-2.14748E9" max="2.14748E9" units="cm"/>
+          <inkml:channel name="Y" type="integer" min="-2.14748E9" max="2.14748E9" units="cm"/>
+          <inkml:channel name="F" type="integer" max="32767" units="dev"/>
+        </inkml:traceFormat>
+        <inkml:channelProperties>
+          <inkml:channelProperty channel="X" name="resolution" value="1000" units="1/cm"/>
+          <inkml:channelProperty channel="Y" name="resolution" value="1000" units="1/cm"/>
+          <inkml:channelProperty channel="F" name="resolution" value="0" units="1/dev"/>
+        </inkml:channelProperties>
+      </inkml:inkSource>
+      <inkml:timestamp xml:id="ts0" timeString="2021-04-30T06:12:39.382"/>
+    </inkml:context>
+    <inkml:brush xml:id="br0">
+      <inkml:brushProperty name="width" value="0.05" units="cm"/>
+      <inkml:brushProperty name="height" value="0.05" units="cm"/>
+    </inkml:brush>
+  </inkml:definitions>
+  <inkml:trace contextRef="#ctx0" brushRef="#br0">7 405 916,'-3'-19'547,"1"-1"0,1 1 1,1-1-1,0 0 0,2 1 0,3-20 0,-3 29-408,1 0 0,0 1 0,1-1 0,0 1 0,0 0 0,1 0 0,0 1-1,1-1 1,0 1 0,0 0 0,1 1 0,0 0 0,13-12 0,1 5-99,0 0 0,1 1 0,0 1 0,1 1 0,0 1 0,1 1 1,0 1-1,0 1 0,1 1 0,-1 1 0,2 2 0,-1 0 0,0 2 0,0 0 1,50 7-1,-66-5-19,0 1-1,-1 0 1,1 1 0,-1 0 0,1 0 0,-1 1 0,0 0-1,0 1 1,0-1 0,7 8 0,-11-9-5,-1 0-1,0 0 1,0 0-1,0 1 1,0 0-1,0-1 1,-1 1-1,0 0 1,0 0-1,0 1 1,0-1-1,-1 0 1,1 1-1,-1-1 1,0 0-1,0 1 1,-1 0-1,1-1 1,-1 1-1,0-1 1,-2 10-1,0-2 44,-1 0 0,-1-1 0,0 1 0,-1-1 0,0 0 0,-1 0 0,0 0 0,-1-1 0,0 0 0,0 0 0,-1-1 0,-15 14-1,1-2-99,-1-1 0,-2-1-1,-50 30 1,-5-7-2610,76-42 624,8-9 864,11-11-117,13-9-31</inkml:trace>
+</inkml:ink>
+</file>
+
+<file path=ppt/ink/ink32.xml><?xml version="1.0" encoding="utf-8"?>
+<inkml:ink xmlns:inkml="http://www.w3.org/2003/InkML">
+  <inkml:definitions>
+    <inkml:context xml:id="ctx0">
+      <inkml:inkSource xml:id="inkSrc0">
+        <inkml:traceFormat>
+          <inkml:channel name="X" type="integer" min="-2.14748E9" max="2.14748E9" units="cm"/>
+          <inkml:channel name="Y" type="integer" min="-2.14748E9" max="2.14748E9" units="cm"/>
+          <inkml:channel name="F" type="integer" max="32767" units="dev"/>
+        </inkml:traceFormat>
+        <inkml:channelProperties>
+          <inkml:channelProperty channel="X" name="resolution" value="1000" units="1/cm"/>
+          <inkml:channelProperty channel="Y" name="resolution" value="1000" units="1/cm"/>
+          <inkml:channelProperty channel="F" name="resolution" value="0" units="1/dev"/>
+        </inkml:channelProperties>
+      </inkml:inkSource>
+      <inkml:timestamp xml:id="ts0" timeString="2021-04-30T06:12:39.726"/>
+    </inkml:context>
+    <inkml:brush xml:id="br0">
+      <inkml:brushProperty name="width" value="0.05" units="cm"/>
+      <inkml:brushProperty name="height" value="0.05" units="cm"/>
+    </inkml:brush>
+  </inkml:definitions>
+  <inkml:trace contextRef="#ctx0" brushRef="#br0">1 200 636,'37'18'2475,"-30"-14"-2181,0 0 0,0 0 0,0-1 1,0-1-1,15 5 0,-8-5-166,1-1 1,0 0-1,-1 0 1,1-2-1,0 0 1,-1 0 0,1-1-1,-1-1 1,1-1-1,20-8 1,-26 9-124,0-1 1,0 0 0,0-1 0,-1 0-1,0 0 1,0-1 0,0 0 0,0 0-1,-1-1 1,0 0 0,-1 0 0,0-1-1,0 0 1,0 0 0,-1 0 0,8-17-1,-12 21 4,1 0 0,-1 0-1,0 0 1,0 0 0,-1 0-1,1 0 1,-1 0 0,0 0-1,0 0 1,0 0 0,-1 0-1,1 0 1,-1 0 0,0 0 0,0 1-1,0-1 1,-2-4 0,2 6-2,0 0 1,-1 1-1,1-1 1,0 0-1,-1 1 1,1-1-1,-1 1 1,0-1 0,1 1-1,-1 0 1,0-1-1,0 1 1,0 0-1,0 0 1,0 1-1,0-1 1,0 0-1,0 1 1,0-1 0,0 1-1,-1-1 1,1 1-1,0 0 1,0 0-1,0 0 1,-1 0-1,1 1 1,0-1-1,0 1 1,0-1 0,0 1-1,-3 1 1,-6 2 22,1 1 1,0 0-1,0 0 1,1 1 0,0 1-1,0-1 1,0 2 0,1-1-1,0 1 1,0 0-1,1 1 1,0 0 0,0 0-1,1 0 1,1 1 0,-6 11-1,6-12-12,1 0 0,0 1 0,1 0 0,0-1 0,0 1 0,1 1-1,0-1 1,1 0 0,0 0 0,0 0 0,1 1 0,1-1 0,0 0 0,0 1 0,1-1 0,0 0-1,6 15 1,-4-17-98,0-1-1,0 0 1,1 0-1,0 0 0,0-1 1,1 0-1,0 0 1,0 0-1,0-1 1,0 0-1,1 0 0,0-1 1,0 1-1,1-1 1,-1-1-1,1 0 1,-1 0-1,12 3 0,-11-4-186,1 0-1,-1-1 1,0 0-1,1 0 0,-1-1 1,1 0-1,-1 0 0,1-1 1,-1 0-1,0-1 0,1 0 1,-1 0-1,0-1 0,0 0 1,0 0-1,-1-1 0,15-8 1,9-16-916</inkml:trace>
+</inkml:ink>
+</file>
+
+<file path=ppt/ink/ink33.xml><?xml version="1.0" encoding="utf-8"?>
+<inkml:ink xmlns:inkml="http://www.w3.org/2003/InkML">
+  <inkml:definitions>
+    <inkml:context xml:id="ctx0">
+      <inkml:inkSource xml:id="inkSrc0">
+        <inkml:traceFormat>
+          <inkml:channel name="X" type="integer" min="-2.14748E9" max="2.14748E9" units="cm"/>
+          <inkml:channel name="Y" type="integer" min="-2.14748E9" max="2.14748E9" units="cm"/>
+          <inkml:channel name="F" type="integer" max="32767" units="dev"/>
+        </inkml:traceFormat>
+        <inkml:channelProperties>
+          <inkml:channelProperty channel="X" name="resolution" value="1000" units="1/cm"/>
+          <inkml:channelProperty channel="Y" name="resolution" value="1000" units="1/cm"/>
+          <inkml:channelProperty channel="F" name="resolution" value="0" units="1/dev"/>
+        </inkml:channelProperties>
+      </inkml:inkSource>
+      <inkml:timestamp xml:id="ts0" timeString="2021-04-30T06:12:40.095"/>
+    </inkml:context>
+    <inkml:brush xml:id="br0">
+      <inkml:brushProperty name="width" value="0.05" units="cm"/>
+      <inkml:brushProperty name="height" value="0.05" units="cm"/>
+    </inkml:brush>
+  </inkml:definitions>
+  <inkml:trace contextRef="#ctx0" brushRef="#br0">1 19 500,'14'462'4316,"-16"-452"-2982,-2-22-481,-2-21-9,5 9-641,1 0-1,1 1 1,1-1 0,1 1 0,1 0 0,1-1 0,1 2-1,13-31 1,-14 38-203,2 1 1,0-1-1,0 1 0,2 1 0,-1 0 0,2 0 0,0 1 0,0 0 1,1 0-1,0 1 0,1 1 0,1 0 0,17-11 0,-25 18-16,0 0 1,0 1-1,0 0 0,0 0 0,0 0 0,0 0 1,0 1-1,1 0 0,-1 0 0,0 0 0,1 1 1,-1 0-1,1 0 0,-1 0 0,0 1 0,1 0 1,-1 0-1,0 0 0,1 1 0,6 2 1,-6 0 3,0 0 0,0 0 0,0 0 0,0 1 0,-1-1 0,1 1 0,-1 1 0,-1-1 0,1 1 0,-1 0 0,0 0 0,0 0 0,-1 0 0,6 13 1,-3-1 26,0 0 0,-1 0 1,0 0-1,-2 0 1,0 1-1,-1 0 1,-1 37-1,-4-20-795,-1 1-1,-1-1 0,-13 41 1,12-49-3740,14-35 3179</inkml:trace>
+</inkml:ink>
+</file>
+
+<file path=ppt/ink/ink34.xml><?xml version="1.0" encoding="utf-8"?>
+<inkml:ink xmlns:inkml="http://www.w3.org/2003/InkML">
+  <inkml:definitions>
+    <inkml:context xml:id="ctx0">
+      <inkml:inkSource xml:id="inkSrc0">
+        <inkml:traceFormat>
+          <inkml:channel name="X" type="integer" min="-2.14748E9" max="2.14748E9" units="cm"/>
+          <inkml:channel name="Y" type="integer" min="-2.14748E9" max="2.14748E9" units="cm"/>
+          <inkml:channel name="F" type="integer" max="32767" units="dev"/>
+        </inkml:traceFormat>
+        <inkml:channelProperties>
+          <inkml:channelProperty channel="X" name="resolution" value="1000" units="1/cm"/>
+          <inkml:channelProperty channel="Y" name="resolution" value="1000" units="1/cm"/>
+          <inkml:channelProperty channel="F" name="resolution" value="0" units="1/dev"/>
+        </inkml:channelProperties>
+      </inkml:inkSource>
+      <inkml:timestamp xml:id="ts0" timeString="2021-04-30T06:12:40.622"/>
+    </inkml:context>
+    <inkml:brush xml:id="br0">
+      <inkml:brushProperty name="width" value="0.05" units="cm"/>
+      <inkml:brushProperty name="height" value="0.05" units="cm"/>
+    </inkml:brush>
+  </inkml:definitions>
+  <inkml:trace contextRef="#ctx0" brushRef="#br0">16 71 672,'-10'-52'2954,"5"34"-1002,5 31-287,46 359 209,-17-154-1387,24 120 451,-43-305-129,-9-33-785,-1 1-1,0-1 0,1 1 0,-1-1 0,0 1 1,1-1-1,-1 1 0,1-1 0,-1 0 0,0 1 1,1-1-1,-1 0 0,1 1 0,-1-1 0,1 0 1,0 0-1,-1 0 0,1 1 0,-1-1 0,1 0 1,-1 0-1,1 0 0,0 0 0,-1 0 1,1 0-1,-1 0 0,1 0 0,-1 0 0,1 0 1,0 0-1,-1-1 0,1 1 0,-1 0 0,1 0 1,-1 0-1,1-1 0,-1 1 0,1 0 0,-1-1 1,1 1-1,-1 0 0,0-1 0,1 1 0,-1-1 1,1 1-1,-1-1 0,0 1 0,1-1 0,-1 1 1,0-1-1,0 1 0,1-2 0,9-13 95,0-2 0,-1 1 0,-1-1 0,0-1 0,10-34 0,-2 4-171,-1 9-177,126-322-537,-40 124-2997,-86 207-862,-14 28 3689,-5 9-811</inkml:trace>
+</inkml:ink>
+</file>
+
+<file path=ppt/ink/ink35.xml><?xml version="1.0" encoding="utf-8"?>
+<inkml:ink xmlns:inkml="http://www.w3.org/2003/InkML">
+  <inkml:definitions>
+    <inkml:context xml:id="ctx0">
+      <inkml:inkSource xml:id="inkSrc0">
+        <inkml:traceFormat>
+          <inkml:channel name="X" type="integer" min="-2.14748E9" max="2.14748E9" units="cm"/>
+          <inkml:channel name="Y" type="integer" min="-2.14748E9" max="2.14748E9" units="cm"/>
+          <inkml:channel name="F" type="integer" max="32767" units="dev"/>
+        </inkml:traceFormat>
+        <inkml:channelProperties>
+          <inkml:channelProperty channel="X" name="resolution" value="1000" units="1/cm"/>
+          <inkml:channelProperty channel="Y" name="resolution" value="1000" units="1/cm"/>
+          <inkml:channelProperty channel="F" name="resolution" value="0" units="1/dev"/>
+        </inkml:channelProperties>
+      </inkml:inkSource>
+      <inkml:timestamp xml:id="ts0" timeString="2021-04-30T06:12:41.559"/>
+    </inkml:context>
+    <inkml:brush xml:id="br0">
+      <inkml:brushProperty name="width" value="0.05" units="cm"/>
+      <inkml:brushProperty name="height" value="0.05" units="cm"/>
+    </inkml:brush>
+  </inkml:definitions>
+  <inkml:trace contextRef="#ctx0" brushRef="#br0">226 222 148,'9'-3'328,"0"-2"-1,0 1 1,-1-1-1,0 0 1,15-12 0,-20 14-288,-1 0 0,1 0 0,-1 0 0,0 0 0,0 0 0,0-1 0,0 1 0,-1 0 0,1-1 0,-1 0 0,0 1 0,0-1 1,0 0-1,-1 1 0,1-1 0,-1 0 0,0 0 0,0-5 0,-1 4-31,1 1 1,0-1 0,-1 0-1,0 0 1,0 1-1,-1-1 1,1 1-1,-1-1 1,0 1-1,0-1 1,0 1 0,-1 0-1,1 0 1,-1 0-1,0 0 1,0 1-1,-1-1 1,1 1-1,-1 0 1,1 0-1,-1 0 1,0 0 0,0 1-1,-1 0 1,1-1-1,0 2 1,-1-1-1,1 0 1,-1 1-1,-8-2 1,4 2-16,0 0-1,0 0 1,0 1-1,0 0 1,0 1 0,1 0-1,-1 0 1,0 1 0,1 0-1,-1 0 1,1 1-1,-1 0 1,1 1 0,0 0-1,-14 9 1,17-10 12,1 1 0,0-1 1,0 0-1,0 1 0,0 0 0,0 0 0,1 0 1,0 1-1,0-1 0,0 1 0,0 0 0,1-1 1,0 1-1,0 1 0,0-1 0,0 0 0,1 0 1,0 0-1,0 1 0,0-1 0,1 1 0,0 6 1,1-6 0,0 1 0,1 0 1,0-1-1,0 1 0,0-1 1,1 0-1,0 0 0,0 0 1,1 0-1,0 0 0,0-1 1,0 1-1,0-1 0,1 0 1,0 0-1,0-1 0,9 6 1,15 10 3,54 26 1,-49-29-58,50 34 1,-75-44 61,-1 0 0,1 0 0,-1 1 0,0 0 0,-1 0 0,0 1 0,0 0 0,-1 0 0,10 18 0,-15-24 46,1 0 0,-1 1 1,0-1-1,0 0 1,0 1-1,0-1 0,0 1 1,-1-1-1,1 1 1,-1 0-1,0-1 1,-1 1-1,1-1 0,0 1 1,-1-1-1,0 1 1,0-1-1,0 1 0,0-1 1,0 0-1,-1 1 1,0-1-1,1 0 0,-1 0 1,0 0-1,-1 0 1,1 0-1,0-1 0,-1 1 1,1-1-1,-1 0 1,0 1-1,0-1 0,0 0 1,0-1-1,-4 3 1,-5 2 166,-1-1 1,1 0-1,-1 0 1,0-1-1,-1-1 1,1 0 0,-1-1-1,-17 1 1,9-2-180,-1-2 0,-36-5 0,49 5-313,1-1 0,0 0 0,0-1 0,-1 0 1,2 0-1,-1-1 0,0 0 0,-14-10 0,21 13 130,1-1 1,-1 1-1,0-1 0,1 1 1,-1-1-1,1 0 0,0 1 1,0-1-1,-1 0 0,1 0 1,0 0-1,1 0 0,-1 0 1,0 0-1,1 0 0,-1 0 1,1-1-1,-1 1 0,1 0 1,0 0-1,0-5 0,7-23-1335</inkml:trace>
+</inkml:ink>
+</file>
+
+<file path=ppt/ink/ink36.xml><?xml version="1.0" encoding="utf-8"?>
+<inkml:ink xmlns:inkml="http://www.w3.org/2003/InkML">
+  <inkml:definitions>
+    <inkml:context xml:id="ctx0">
+      <inkml:inkSource xml:id="inkSrc0">
+        <inkml:traceFormat>
+          <inkml:channel name="X" type="integer" min="-2.14748E9" max="2.14748E9" units="cm"/>
+          <inkml:channel name="Y" type="integer" min="-2.14748E9" max="2.14748E9" units="cm"/>
+          <inkml:channel name="F" type="integer" max="32767" units="dev"/>
+        </inkml:traceFormat>
+        <inkml:channelProperties>
+          <inkml:channelProperty channel="X" name="resolution" value="1000" units="1/cm"/>
+          <inkml:channelProperty channel="Y" name="resolution" value="1000" units="1/cm"/>
+          <inkml:channelProperty channel="F" name="resolution" value="0" units="1/dev"/>
+        </inkml:channelProperties>
+      </inkml:inkSource>
+      <inkml:timestamp xml:id="ts0" timeString="2021-04-30T06:12:42.094"/>
+    </inkml:context>
+    <inkml:brush xml:id="br0">
+      <inkml:brushProperty name="width" value="0.05" units="cm"/>
+      <inkml:brushProperty name="height" value="0.05" units="cm"/>
+    </inkml:brush>
+  </inkml:definitions>
+  <inkml:trace contextRef="#ctx0" brushRef="#br0">2 9 760,'0'49'3348,"-1"17"-1986,10 78 0,-5-105-1165,2-1 0,2 1 0,2-1 0,25 64 0,-34-101-184,-1 0-1,0 0 1,0-1 0,1 1 0,-1 0 0,0-1-1,1 1 1,-1 0 0,1-1 0,-1 1 0,0-1 0,1 1-1,0-1 1,-1 1 0,1-1 0,-1 1 0,1-1 0,0 1-1,-1-1 1,1 0 0,0 1 0,-1-1 0,1 0 0,0 0-1,-1 1 1,1-1 0,0 0 0,0 0 0,1 0-1,-1 0 1,0-1 0,1 0 0,-1 1 0,0-1 0,0 0 0,0 0 0,1 0 0,-1 0 0,0 0 0,0 0 0,0 0 0,0 0 0,0 0 0,0-2 0,25-48 57,-24 47-71,21-61-57,-18 47 28,1 0-1,1 0 1,0 0-1,2 1 1,-1 1 0,22-29-1,-29 43 28,0 1-1,1-1 1,-1 1-1,1-1 1,-1 1 0,1 0-1,0 0 1,-1-1-1,1 1 1,0 1 0,0-1-1,0 0 1,0 0-1,0 1 1,0-1 0,0 1-1,0-1 1,0 1-1,0 0 1,0 0 0,2 0-1,-1 1 2,1 0 0,-1 0 0,1 0 0,-1 0 0,0 0 0,0 1 0,0 0 0,1-1 0,-2 1 0,1 0-1,4 4 1,6 7 14,-1 0 0,0 1 0,18 29 0,-23-34 0,22 35 44,-8-11 52,2-1 1,30 33-1,-52-64-90,0 0-1,0 1 1,0-1 0,0 0 0,0 0-1,0 1 1,1-1 0,-1 0-1,0 0 1,1-1 0,-1 1 0,1 0-1,-1 0 1,1-1 0,-1 1 0,1-1-1,0 1 1,-1-1 0,1 1 0,0-1-1,-1 0 1,1 0 0,0 0 0,-1 0-1,1 0 1,0-1 0,-1 1 0,1 0-1,0-1 1,-1 1 0,1-1 0,-1 1-1,1-1 1,-1 0 0,1 0 0,-1 0-1,1 0 1,-1 0 0,0 0 0,0 0-1,1 0 1,-1 0 0,0-1 0,0 1-1,0 0 1,0-1 0,0-1 0,5-6-47,-1 0 1,-1 0 0,0-1 0,0 1 0,-1-1 0,3-14 0,4-36-1033,-3-1-1,-1-100 0,-3 31-2765,-1 115 2699,3 5 98</inkml:trace>
+</inkml:ink>
+</file>
+
+<file path=ppt/ink/ink37.xml><?xml version="1.0" encoding="utf-8"?>
+<inkml:ink xmlns:inkml="http://www.w3.org/2003/InkML">
+  <inkml:definitions>
+    <inkml:context xml:id="ctx0">
+      <inkml:inkSource xml:id="inkSrc0">
+        <inkml:traceFormat>
+          <inkml:channel name="X" type="integer" min="-2.14748E9" max="2.14748E9" units="cm"/>
+          <inkml:channel name="Y" type="integer" min="-2.14748E9" max="2.14748E9" units="cm"/>
+          <inkml:channel name="F" type="integer" max="32767" units="dev"/>
+        </inkml:traceFormat>
+        <inkml:channelProperties>
+          <inkml:channelProperty channel="X" name="resolution" value="1000" units="1/cm"/>
+          <inkml:channelProperty channel="Y" name="resolution" value="1000" units="1/cm"/>
+          <inkml:channelProperty channel="F" name="resolution" value="0" units="1/dev"/>
+        </inkml:channelProperties>
+      </inkml:inkSource>
+      <inkml:timestamp xml:id="ts0" timeString="2021-04-30T06:12:42.458"/>
+    </inkml:context>
+    <inkml:brush xml:id="br0">
+      <inkml:brushProperty name="width" value="0.05" units="cm"/>
+      <inkml:brushProperty name="height" value="0.05" units="cm"/>
+    </inkml:brush>
+  </inkml:definitions>
+  <inkml:trace contextRef="#ctx0" brushRef="#br0">96 385 292,'0'0'50,"-1"-1"-1,1 1 1,0 0-1,0 0 1,1-1 0,-1 1-1,0 0 1,0 0 0,0-1-1,0 1 1,0 0-1,0-1 1,0 1 0,0 0-1,0 0 1,1 0-1,-1-1 1,0 1 0,0 0-1,0 0 1,0 0-1,1-1 1,-1 1 0,0 0-1,0 0 1,1 0-1,-1 0 1,0-1 0,0 1-1,0 0 1,1 0 0,-1 0-1,0 0 1,1 0-1,-1 0 1,0 0 0,0 0-1,1 0 1,-1 0-1,6 11 1227,0 20-210,42 402 1815,-47-426-3055,2 35-722,-3-41 767,0 0 0,0 1 0,0-1 0,0 0 0,0 1 0,-1-1 0,1 0 0,0 1 0,-1-1 0,1 0 0,0 1 0,-1-1 0,0 0 0,1 0 0,-1 1 0,0-1 0,1 0 0,-1 0 0,0 0 0,0 0 0,0 0 0,-2 1 0,-7-4-1215,-3-13 94</inkml:trace>
+  <inkml:trace contextRef="#ctx0" brushRef="#br0" timeOffset="0.97">1 1 16</inkml:trace>
+</inkml:ink>
+</file>
+
+<file path=ppt/ink/ink38.xml><?xml version="1.0" encoding="utf-8"?>
+<inkml:ink xmlns:inkml="http://www.w3.org/2003/InkML">
+  <inkml:definitions>
+    <inkml:context xml:id="ctx0">
+      <inkml:inkSource xml:id="inkSrc0">
+        <inkml:traceFormat>
+          <inkml:channel name="X" type="integer" min="-2.14748E9" max="2.14748E9" units="cm"/>
+          <inkml:channel name="Y" type="integer" min="-2.14748E9" max="2.14748E9" units="cm"/>
+          <inkml:channel name="F" type="integer" max="32767" units="dev"/>
+        </inkml:traceFormat>
+        <inkml:channelProperties>
+          <inkml:channelProperty channel="X" name="resolution" value="1000" units="1/cm"/>
+          <inkml:channelProperty channel="Y" name="resolution" value="1000" units="1/cm"/>
+          <inkml:channelProperty channel="F" name="resolution" value="0" units="1/dev"/>
+        </inkml:channelProperties>
+      </inkml:inkSource>
+      <inkml:timestamp xml:id="ts0" timeString="2021-04-30T06:12:42.790"/>
+    </inkml:context>
+    <inkml:brush xml:id="br0">
+      <inkml:brushProperty name="width" value="0.05" units="cm"/>
+      <inkml:brushProperty name="height" value="0.05" units="cm"/>
+    </inkml:brush>
+  </inkml:definitions>
+  <inkml:trace contextRef="#ctx0" brushRef="#br0">0 12 660,'0'0'114,"0"-1"1,0 1-1,0-1 0,0 1 0,0 0 1,1-1-1,-1 1 0,0-1 0,0 1 1,0-1-1,0 1 0,1-1 1,-1 1-1,0 0 0,0-1 0,1 1 1,-1-1-1,0 1 0,1 0 0,-1-1 1,0 1-1,1 0 0,-1 0 1,1-1-1,-1 1 0,1 0 0,-1 0 1,0 0-1,1-1 0,-1 1 0,1 0 1,-1 0-1,1 0 0,-1 0 0,1 0 1,6 18 1684,-2 39-781,-5-52-778,9 343 3086,10 175-2260,-18-509-1109,0 5-56,1 0 0,1 0 0,0-1-1,12 36 1,-14-50-29,1 0-1,0 0 1,0 0 0,0 0-1,0-1 1,1 1-1,-1-1 1,1 1 0,0-1-1,0 0 1,0 0-1,1-1 1,-1 1 0,1 0-1,-1-1 1,1 0 0,0 0-1,0 0 1,0 0-1,0-1 1,0 0 0,0 0-1,0 0 1,1 0 0,-1 0-1,0-1 1,7 0-1,-1-1-279,0 0 0,0-1 0,0-1 0,-1 1 0,1-2 0,-1 1 0,1-1 0,-1-1 0,-1 1 0,1-2 0,0 1 0,-1-1 0,14-14 0,23-27-1321</inkml:trace>
+</inkml:ink>
+</file>
+
+<file path=ppt/ink/ink39.xml><?xml version="1.0" encoding="utf-8"?>
+<inkml:ink xmlns:inkml="http://www.w3.org/2003/InkML">
+  <inkml:definitions>
+    <inkml:context xml:id="ctx0">
+      <inkml:inkSource xml:id="inkSrc0">
+        <inkml:traceFormat>
+          <inkml:channel name="X" type="integer" min="-2.14748E9" max="2.14748E9" units="cm"/>
+          <inkml:channel name="Y" type="integer" min="-2.14748E9" max="2.14748E9" units="cm"/>
+          <inkml:channel name="F" type="integer" max="32767" units="dev"/>
+        </inkml:traceFormat>
+        <inkml:channelProperties>
+          <inkml:channelProperty channel="X" name="resolution" value="1000" units="1/cm"/>
+          <inkml:channelProperty channel="Y" name="resolution" value="1000" units="1/cm"/>
+          <inkml:channelProperty channel="F" name="resolution" value="0" units="1/dev"/>
+        </inkml:channelProperties>
+      </inkml:inkSource>
+      <inkml:timestamp xml:id="ts0" timeString="2021-04-30T06:12:43.127"/>
+    </inkml:context>
+    <inkml:brush xml:id="br0">
+      <inkml:brushProperty name="width" value="0.05" units="cm"/>
+      <inkml:brushProperty name="height" value="0.05" units="cm"/>
+    </inkml:brush>
+  </inkml:definitions>
+  <inkml:trace contextRef="#ctx0" brushRef="#br0">118 149 900,'-56'4'924,"20"0"12,12 0-336,22 4-296,28-1-188,22-1-304,21-2-312,17-2-208,11-6-140,-1-4-68</inkml:trace>
+  <inkml:trace contextRef="#ctx0" brushRef="#br0" timeOffset="1">870 30 220,'1'-1'100,"0"0"0,0 0 0,0 0-1,0-1 1,0 1 0,0 0 0,0-1 0,0 1 0,-1 0 0,1-1-1,-1 1 1,1-1 0,-1 1 0,0-1 0,1-1 0,-1 2-44,0 1-1,-1 0 1,1-1 0,0 1 0,0 0 0,-1-1 0,1 1-1,0-1 1,0 1 0,-1 0 0,1 0 0,0-1 0,-1 1-1,1 0 1,-1-1 0,1 1 0,0 0 0,-1 0 0,1 0-1,-1 0 1,1-1 0,-1 1 0,1 0 0,0 0 0,-1 0-1,1 0 1,-1 0 0,1 0 0,-1 0 0,1 0 0,-1 0 0,-5 1 186,1 0 1,-1 0-1,1 0 1,-1 1-1,1 0 1,0 0-1,-7 3 1,-2 4 10,-1 0 0,1 1 0,1 1 1,0 0-1,0 1 0,1 0 1,1 1-1,0 0 0,1 1 1,-13 22-1,16-24-174,0 0 1,1 1-1,1-1 0,0 1 1,0 0-1,2 0 0,0 1 1,0-1-1,1 1 0,1-1 1,0 1-1,1 0 0,2 23 1,-1-31-76,1 0 0,-1 0 0,1 0 0,0 0 0,1 0 0,-1 0 0,1-1 0,0 1 0,0-1 0,1 0 0,0 0 1,0 0-1,0 0 0,0-1 0,8 6 0,-5-5-119,0-1 1,0 0 0,1 0-1,-1 0 1,1-1-1,0 0 1,0-1-1,0 0 1,0 0-1,15 1 1,-11-2-201,1-1 1,0 0-1,0-1 1,0 0-1,-1-1 1,1 0-1,-1-1 0,1-1 1,-1 0-1,0 0 1,0-1-1,-1-1 1,1 0-1,-1-1 1,12-9-1,-13 8-80,-1-2 1,0 1-1,13-18 0,21-42-1009</inkml:trace>
+</inkml:ink>
+</file>
+
+<file path=ppt/ink/ink4.xml><?xml version="1.0" encoding="utf-8"?>
+<inkml:ink xmlns:inkml="http://www.w3.org/2003/InkML">
+  <inkml:definitions>
+    <inkml:context xml:id="ctx0">
+      <inkml:inkSource xml:id="inkSrc0">
+        <inkml:traceFormat>
+          <inkml:channel name="X" type="integer" min="-2.14748E9" max="2.14748E9" units="cm"/>
+          <inkml:channel name="Y" type="integer" min="-2.14748E9" max="2.14748E9" units="cm"/>
+          <inkml:channel name="F" type="integer" max="32767" units="dev"/>
+        </inkml:traceFormat>
+        <inkml:channelProperties>
+          <inkml:channelProperty channel="X" name="resolution" value="1000" units="1/cm"/>
+          <inkml:channelProperty channel="Y" name="resolution" value="1000" units="1/cm"/>
+          <inkml:channelProperty channel="F" name="resolution" value="0" units="1/dev"/>
+        </inkml:channelProperties>
+      </inkml:inkSource>
+      <inkml:timestamp xml:id="ts0" timeString="2021-04-30T06:12:07.174"/>
+    </inkml:context>
+    <inkml:brush xml:id="br0">
+      <inkml:brushProperty name="width" value="0.05" units="cm"/>
+      <inkml:brushProperty name="height" value="0.05" units="cm"/>
+    </inkml:brush>
+  </inkml:definitions>
+  <inkml:trace contextRef="#ctx0" brushRef="#br0">0 224 184,'0'1'53,"1"-1"-1,-1 0 1,0 1-1,0-1 1,0 1-1,1-1 1,-1 1 0,0-1-1,0 0 1,1 1-1,-1-1 1,0 0 0,1 1-1,-1-1 1,1 0-1,-1 1 1,0-1-1,1 0 1,-1 0 0,1 0-1,-1 1 1,0-1-1,1 0 1,-1 0-1,1 0 1,-1 0 0,1 0-1,-1 0 1,1 0-1,-1 0 1,1 0-1,20 1 457,-16-2-342,13 1 14,0-2-1,-1 0 1,1-1-1,-1-1 1,29-10-1,-34 10-174,0-1-1,-1 0 1,0-1 0,0 0-1,-1 0 1,0-1 0,0-1-1,0 0 1,9-10 0,-17 16-12,0-1-1,1 0 1,-1 0 0,0 0 0,0 0 0,-1 0 0,1-1-1,-1 1 1,1-1 0,-1 1 0,0-1 0,0 1 0,-1-1-1,1 1 1,-1-1 0,0 0 0,0 1 0,0-1 0,0 0-1,0 1 1,-1-1 0,0 0 0,0 1 0,-2-7 0,1 7 29,0 0 1,0 0-1,0 0 1,0 0 0,0 1-1,0-1 1,-1 1 0,1 0-1,-1 0 1,0-1-1,0 2 1,0-1 0,0 0-1,0 1 1,0-1 0,0 1-1,0 0 1,0 0-1,-1 0 1,1 0 0,-1 1-1,1 0 1,0-1 0,-1 1-1,1 0 1,-1 0-1,-3 2 1,-3 0 80,0 0 0,0 1 0,1 0 0,0 1 0,-1 0 0,1 1 0,1-1 0,-1 2 0,1-1 0,0 1 0,0 1 0,0-1-1,1 1 1,0 1 0,1-1 0,0 1 0,0 0 0,0 1 0,-4 9 0,4-9-25,1 1 0,0-1 0,1 1 0,0 0 0,1 0 0,0 1 0,0-1 0,1 1 0,1-1 0,0 1 0,0 0 0,1 0 0,0-1 0,1 1 0,0 0 0,1-1 0,5 20 0,-4-23-119,1 0-1,0 0 1,0 0 0,0-1 0,1 0-1,0 1 1,1-2 0,-1 1-1,1-1 1,0 0 0,0 0 0,1 0-1,-1-1 1,1 0 0,0 0-1,0-1 1,1 0 0,-1 0 0,0-1-1,1 0 1,13 2 0,-8-1-325,1-2 0,-1 0 0,1 0-1,-1-2 1,1 1 0,-1-2 0,1 0 0,-1 0 0,0-1 0,0-1 0,25-10 0,8-12-986</inkml:trace>
+</inkml:ink>
+</file>
+
+<file path=ppt/ink/ink40.xml><?xml version="1.0" encoding="utf-8"?>
+<inkml:ink xmlns:inkml="http://www.w3.org/2003/InkML">
+  <inkml:definitions>
+    <inkml:context xml:id="ctx0">
+      <inkml:inkSource xml:id="inkSrc0">
+        <inkml:traceFormat>
+          <inkml:channel name="X" type="integer" min="-2.14748E9" max="2.14748E9" units="cm"/>
+          <inkml:channel name="Y" type="integer" min="-2.14748E9" max="2.14748E9" units="cm"/>
+          <inkml:channel name="F" type="integer" max="32767" units="dev"/>
+        </inkml:traceFormat>
+        <inkml:channelProperties>
+          <inkml:channelProperty channel="X" name="resolution" value="1000" units="1/cm"/>
+          <inkml:channelProperty channel="Y" name="resolution" value="1000" units="1/cm"/>
+          <inkml:channelProperty channel="F" name="resolution" value="0" units="1/dev"/>
+        </inkml:channelProperties>
+      </inkml:inkSource>
+      <inkml:timestamp xml:id="ts0" timeString="2021-04-30T06:12:43.541"/>
+    </inkml:context>
+    <inkml:brush xml:id="br0">
+      <inkml:brushProperty name="width" value="0.05" units="cm"/>
+      <inkml:brushProperty name="height" value="0.05" units="cm"/>
+    </inkml:brush>
+  </inkml:definitions>
+  <inkml:trace contextRef="#ctx0" brushRef="#br0">65 1 292,'-8'12'250,"1"0"0,0 0 0,1 1 0,0 0 0,1 0-1,0 0 1,1 1 0,1 0 0,-2 17 0,0 17 443,2 65-1,3-75-390,42 579 2515,-26-462-1457,-15-154-1322,-1-1 1,0 1 0,1 0-1,-1-1 1,0 1-1,0 0 1,0 0 0,0 0-1,0-1 1,0 1 0,0 0-1,0 0 1,0-1-1,0 1 1,0 0 0,0 0-1,0 0 1,-1-1-1,1 1 1,0 0 0,-1-1-1,1 1 1,0 0-1,-1-1 1,1 1 0,-2 1-1,1-4 9,0 1-1,1 0 1,-1 0-1,0-1 1,0 1-1,1-1 1,-1 1-1,1-1 0,-1 1 1,1-1-1,0 1 1,-1-1-1,1 1 1,0-3-1,-2-20-36,1 0 0,1 0 0,2 0 0,0 0 0,1 0 0,1 0 0,2 1 0,0 0 0,1 0 0,2 0 0,0 1 0,1 0 0,21-31 0,-27 47-12,0 0 0,1 0 0,0 0 0,0 1 0,0 0 1,1 0-1,-1 0 0,1 1 0,0 0 0,0 0 1,1 1-1,12-6 0,-15 8 10,0 0 0,0 0 1,1 0-1,-1 1 0,0 0 0,0 0 0,1 0 1,-1 0-1,0 0 0,0 1 0,0 0 0,1 0 1,-1 0-1,0 1 0,0-1 0,0 1 0,-1 0 1,1 0-1,0 0 0,-1 1 0,1-1 1,-1 1-1,4 3 0,3 4 61,0 1 0,-1 1-1,0 0 1,0 0 0,-1 0 0,-1 1-1,0 0 1,8 24 0,3 14 283,10 57 0,-12-43-70,-10-40-161,2 0-1,0-1 0,2 0 0,0 0 1,2-1-1,17 28 0,-24-45-256,0 1 0,0-1 1,1 0-1,-1 0 0,1-1 0,0 0 0,1 0 1,-1 0-1,1-1 0,0 0 0,0 0 0,1 0 1,-1-1-1,1 0 0,-1-1 0,1 0 0,0 0 1,0-1-1,0 0 0,0 0 0,0 0 1,0-1-1,16-2 0,-13 0-410,-1 0 0,0 0 1,0-1-1,0 0 0,0-1 0,0 0 0,0 0 1,-1-1-1,0-1 0,0 1 0,15-14 1,3-12-1481</inkml:trace>
+</inkml:ink>
+</file>
+
+<file path=ppt/ink/ink5.xml><?xml version="1.0" encoding="utf-8"?>
+<inkml:ink xmlns:inkml="http://www.w3.org/2003/InkML">
+  <inkml:definitions>
+    <inkml:context xml:id="ctx0">
+      <inkml:inkSource xml:id="inkSrc0">
+        <inkml:traceFormat>
+          <inkml:channel name="X" type="integer" min="-2.14748E9" max="2.14748E9" units="cm"/>
+          <inkml:channel name="Y" type="integer" min="-2.14748E9" max="2.14748E9" units="cm"/>
+          <inkml:channel name="F" type="integer" max="32767" units="dev"/>
+        </inkml:traceFormat>
+        <inkml:channelProperties>
+          <inkml:channelProperty channel="X" name="resolution" value="1000" units="1/cm"/>
+          <inkml:channelProperty channel="Y" name="resolution" value="1000" units="1/cm"/>
+          <inkml:channelProperty channel="F" name="resolution" value="0" units="1/dev"/>
+        </inkml:channelProperties>
+      </inkml:inkSource>
+      <inkml:timestamp xml:id="ts0" timeString="2021-04-30T06:12:07.636"/>
+    </inkml:context>
+    <inkml:brush xml:id="br0">
+      <inkml:brushProperty name="width" value="0.05" units="cm"/>
+      <inkml:brushProperty name="height" value="0.05" units="cm"/>
+    </inkml:brush>
+  </inkml:definitions>
+  <inkml:trace contextRef="#ctx0" brushRef="#br0">1 66 312,'8'45'516,"1"-1"1,31 80-1,-12-40 58,-23-48 569,-5-35-1103,0-1 0,0 0 0,0 1 0,0-1 0,0 0 0,0 1 0,0-1 0,0 0 0,0 1 0,0-1 0,0 0 0,0 1 0,0-1 0,0 0 0,0 0 0,0 1 0,-1-1 0,1 0 0,0 1-1,0-1 1,0 0 0,0 0 0,-1 1 0,1-1 0,0 0 0,0 0 0,-1 0 0,1 1 0,0-1 0,-1 0 0,1 0 0,-15-13 1126,12 7-1118,-1 0 0,1 0 1,1 0-1,-1-1 0,1 1 0,0-1 0,1 0 0,-1 0 0,1 1 1,1-1-1,-1 0 0,1 0 0,1 0 0,-1 0 0,1 0 0,0 0 0,0 1 1,5-14-1,0 3-128,0-1 0,2 1 0,-1 0 1,2 1-1,21-30 0,-20 33-34,1 0-1,0 1 1,1 0-1,1 1 1,0 1-1,26-17 1,-34 23 81,0 1 0,1 0 0,-1 0 0,1 1 0,0 0 1,0-1-1,0 2 0,0-1 0,0 1 0,0 0 0,0 0 1,0 1-1,0 0 0,0 0 0,1 0 0,-1 1 0,0 0 0,0 0 1,0 0-1,0 1 0,8 3 0,-9-2 54,0 0 1,-1 1-1,0 0 0,0-1 0,0 1 1,0 1-1,-1-1 0,1 0 1,-1 1-1,0 0 0,-1-1 0,1 1 1,-1 1-1,0-1 0,0 0 0,0 0 1,-1 1-1,0-1 0,0 1 1,0 9-1,1 11 198,-2 0-1,-1 0 1,-4 27 0,3-41-139,-1 19-43,-9 64 205,10-84-1023,-1 0 0,0 0 0,-5 12 0</inkml:trace>
+</inkml:ink>
+</file>
+
+<file path=ppt/ink/ink6.xml><?xml version="1.0" encoding="utf-8"?>
+<inkml:ink xmlns:inkml="http://www.w3.org/2003/InkML">
+  <inkml:definitions>
+    <inkml:context xml:id="ctx0">
+      <inkml:inkSource xml:id="inkSrc0">
+        <inkml:traceFormat>
+          <inkml:channel name="X" type="integer" min="-2.14748E9" max="2.14748E9" units="cm"/>
+          <inkml:channel name="Y" type="integer" min="-2.14748E9" max="2.14748E9" units="cm"/>
+          <inkml:channel name="F" type="integer" max="32767" units="dev"/>
+        </inkml:traceFormat>
+        <inkml:channelProperties>
+          <inkml:channelProperty channel="X" name="resolution" value="1000" units="1/cm"/>
+          <inkml:channelProperty channel="Y" name="resolution" value="1000" units="1/cm"/>
+          <inkml:channelProperty channel="F" name="resolution" value="0" units="1/dev"/>
+        </inkml:channelProperties>
+      </inkml:inkSource>
+      <inkml:timestamp xml:id="ts0" timeString="2021-04-30T06:12:08.420"/>
+    </inkml:context>
+    <inkml:brush xml:id="br0">
+      <inkml:brushProperty name="width" value="0.05" units="cm"/>
+      <inkml:brushProperty name="height" value="0.05" units="cm"/>
+    </inkml:brush>
+  </inkml:definitions>
+  <inkml:trace contextRef="#ctx0" brushRef="#br0">3 13 808,'-2'-12'2158,"8"14"-625,12 21-530,188 393 2729,-136-264-3085,84 174 326,-153-324-1013,10 18 946,-5-18-148,-3-13-153,2-91-53,6-67-1008,1 81-43,28-100 0,-29 151-748,27-59 0,-27 73-447,0 1 0,2 0-1,24-30 1,-23 35 44</inkml:trace>
+</inkml:ink>
+</file>
+
+<file path=ppt/ink/ink7.xml><?xml version="1.0" encoding="utf-8"?>
+<inkml:ink xmlns:inkml="http://www.w3.org/2003/InkML">
+  <inkml:definitions>
+    <inkml:context xml:id="ctx0">
+      <inkml:inkSource xml:id="inkSrc0">
+        <inkml:traceFormat>
+          <inkml:channel name="X" type="integer" min="-2.14748E9" max="2.14748E9" units="cm"/>
+          <inkml:channel name="Y" type="integer" min="-2.14748E9" max="2.14748E9" units="cm"/>
+          <inkml:channel name="F" type="integer" max="32767" units="dev"/>
+        </inkml:traceFormat>
+        <inkml:channelProperties>
+          <inkml:channelProperty channel="X" name="resolution" value="1000" units="1/cm"/>
+          <inkml:channelProperty channel="Y" name="resolution" value="1000" units="1/cm"/>
+          <inkml:channelProperty channel="F" name="resolution" value="0" units="1/dev"/>
+        </inkml:channelProperties>
+      </inkml:inkSource>
+      <inkml:timestamp xml:id="ts0" timeString="2021-04-30T06:12:09.370"/>
+    </inkml:context>
+    <inkml:brush xml:id="br0">
+      <inkml:brushProperty name="width" value="0.05" units="cm"/>
+      <inkml:brushProperty name="height" value="0.05" units="cm"/>
+    </inkml:brush>
+  </inkml:definitions>
+  <inkml:trace contextRef="#ctx0" brushRef="#br0">570 131 324,'1'0'137,"-1"0"-1,1 1 1,-1-1-1,0 0 1,1 0-1,-1 1 1,1-1-1,-1 0 1,1 0-1,-1 0 1,1 1-1,-1-1 1,1 0-1,-1 0 1,1 0-1,-1 0 1,1 0-1,-1 0 1,1 0 0,-1 0-1,1 0 1,-1-1-1,1 1 1,-1 0-1,1 0 1,-1 0-1,1 0 1,-1-1-1,0 1 1,1 0-1,0-1 1,-1-21 1337,-1 17-1443,0 0 0,0-1 0,-1 1 0,0 0 0,0 0 0,0 0 0,0 0 0,-1 0 1,0 0-1,0 1 0,0-1 0,0 1 0,-1 0 0,0 0 0,0 0 0,-7-5 0,5 6-36,0 0 0,0 0 1,0 0-1,-1 0 1,1 1-1,-1 0 0,1 1 1,-1 0-1,0 0 0,0 0 1,-12 0-1,2 3-23,-1-1 1,0 2-1,1 0 0,-1 2 0,1 0 1,0 0-1,1 2 0,-1 0 1,-19 12-1,15-6 25,2 0 0,-1 2 0,2 0 1,0 1-1,-16 19 0,25-25 9,1-1 0,0 2-1,1-1 1,0 1 0,1 0 0,0 1 0,1-1-1,0 1 1,0 0 0,2 0 0,-4 16 0,7-24-10,-1 0 0,1-1 0,0 1 0,0 0 0,0 0 0,0 0 0,1 0 0,0 0 0,0-1 0,0 1 0,0 0 0,0-1 0,1 1 0,0-1 0,-1 1 0,1-1 0,1 0 0,-1 1 0,0-1 1,1 0-1,0-1 0,-1 1 0,1 0 0,0-1 0,0 0 0,1 1 0,-1-1 0,0 0 0,1-1 0,-1 1 0,1-1 0,7 3 0,11 1-64,0 0 0,0-1 0,0-1 0,36 0 0,-31-1-42,-18-2 78,13 1-96,-1 1 1,1 0-1,-1 2 0,36 10 0,-53-12 141,1 0-1,0-1 0,-1 2 1,0-1-1,1 1 0,-1-1 1,0 1-1,0 0 1,0 0-1,-1 1 0,1-1 1,-1 1-1,0 0 0,0 0 1,0 0-1,0 0 0,-1 1 1,0-1-1,0 1 1,0-1-1,0 1 0,-1 0 1,0-1-1,0 1 0,0 0 1,0 6-1,0-2 97,-1-1 0,-1 1 0,1-1 0,-1 0-1,-1 1 1,1-1 0,-2 0 0,1 0 0,-1 0 0,0 0 0,0 0 0,-1-1-1,-6 9 1,3-6 58,-1 0-1,0 0 0,-1 0 1,-1-1-1,1 0 1,-1-1-1,-1 0 0,-11 6 1,4-3-49,0-2 0,-1 0 0,-1-1 0,1-1 0,-1 0 0,-1-2 0,1 0 0,-1-2 0,0 0 1,-31 0-1,41-4-308,1 0 0,0 0 1,-1-1-1,1-1 0,0 1 1,0-2-1,0 1 0,-15-9 1,23 11 41,-1-1 1,1 1 0,-1 0 0,1-1 0,0 0-1,0 1 1,0-1 0,0 0 0,0 0 0,0 0 0,0 0-1,1-1 1,-1 1 0,1 0 0,-1-1 0,1 1-1,0-1 1,0 1 0,0-1 0,0 0 0,1 1 0,-1-1-1,1 0 1,-1 1 0,1-1 0,0 0 0,0 0-1,0 0 1,1 1 0,-1-1 0,1 0 0,-1 1-1,1-1 1,0 0 0,0 1 0,0-1 0,2-2 0,14-22-1283</inkml:trace>
+</inkml:ink>
+</file>
+
+<file path=ppt/ink/ink8.xml><?xml version="1.0" encoding="utf-8"?>
+<inkml:ink xmlns:inkml="http://www.w3.org/2003/InkML">
+  <inkml:definitions>
+    <inkml:context xml:id="ctx0">
+      <inkml:inkSource xml:id="inkSrc0">
+        <inkml:traceFormat>
+          <inkml:channel name="X" type="integer" min="-2.14748E9" max="2.14748E9" units="cm"/>
+          <inkml:channel name="Y" type="integer" min="-2.14748E9" max="2.14748E9" units="cm"/>
+          <inkml:channel name="F" type="integer" max="32767" units="dev"/>
+        </inkml:traceFormat>
+        <inkml:channelProperties>
+          <inkml:channelProperty channel="X" name="resolution" value="1000" units="1/cm"/>
+          <inkml:channelProperty channel="Y" name="resolution" value="1000" units="1/cm"/>
+          <inkml:channelProperty channel="F" name="resolution" value="0" units="1/dev"/>
+        </inkml:channelProperties>
+      </inkml:inkSource>
+      <inkml:timestamp xml:id="ts0" timeString="2021-04-30T06:12:09.938"/>
+    </inkml:context>
+    <inkml:brush xml:id="br0">
+      <inkml:brushProperty name="width" value="0.05" units="cm"/>
+      <inkml:brushProperty name="height" value="0.05" units="cm"/>
+    </inkml:brush>
+  </inkml:definitions>
+  <inkml:trace contextRef="#ctx0" brushRef="#br0">0 6 208,'3'72'5582,"8"60"-4295,-2-29-632,-8-82-565,0-9 19,-1 0-1,2 0 1,0-1 0,4 17-1,5-90-218,-11 59 83,2-16-118,0 0-1,1 0 1,1 0 0,1 0 0,1 1 0,14-33-1,-19 49 142,0 0-1,0 1 0,0-1 1,0 1-1,1-1 0,-1 1 1,0-1-1,1 1 0,-1 0 1,1 0-1,0 0 0,-1 0 1,1 0-1,0 0 0,-1 0 1,1 0-1,0 1 0,0-1 1,0 1-1,0-1 0,0 1 1,-1 0-1,1 0 0,0-1 1,0 1-1,0 1 0,0-1 1,0 0-1,0 0 0,0 1 1,0-1-1,0 1 0,-1 0 1,1-1-1,0 1 0,0 0 1,-1 0-1,1 0 0,2 2 1,6 4 3,-1 0 1,0 0 0,-1 1 0,1 0 0,8 12-1,56 81 172,-26-33 586,-47-67-734,1-1 0,-1 1 0,0-1-1,0 1 1,1-1 0,-1 1 0,0-1-1,1 1 1,-1-1 0,1 1 0,-1-1-1,0 0 1,1 1 0,-1-1 0,1 0-1,-1 1 1,1-1 0,-1 0 0,1 1-1,-1-1 1,1 0 0,-1 0 0,1 0-1,-1 0 1,1 0 0,0 1 0,-1-1-1,1 0 1,-1 0 0,1 0 0,-1-1-1,1 1 1,0 0 0,-1 0 0,1 0 0,-1 0-1,1 0 1,-1-1 0,1 1 0,-1 0-1,1 0 1,-1-1 0,1 1 0,-1 0-1,1-1 1,-1 1 0,0-1 0,1 1-1,-1-1 1,1 1 0,-1 0 0,0-1-1,0 1 1,1-1 0,-1 0 0,0 1-1,0-1 1,0 1 0,1-1 0,-1 1-1,0-1 1,0 0 0,11-43 80,-10 40-129,17-147-1542,-2 13-2292,-15 132 3422,0 0 1,0 1-1,1-1 0,-1 1 0,4-7 0,2 0-717</inkml:trace>
+</inkml:ink>
+</file>
+
+<file path=ppt/ink/ink9.xml><?xml version="1.0" encoding="utf-8"?>
+<inkml:ink xmlns:inkml="http://www.w3.org/2003/InkML">
+  <inkml:definitions>
+    <inkml:context xml:id="ctx0">
+      <inkml:inkSource xml:id="inkSrc0">
+        <inkml:traceFormat>
+          <inkml:channel name="X" type="integer" min="-2.14748E9" max="2.14748E9" units="cm"/>
+          <inkml:channel name="Y" type="integer" min="-2.14748E9" max="2.14748E9" units="cm"/>
+          <inkml:channel name="F" type="integer" max="32767" units="dev"/>
+        </inkml:traceFormat>
+        <inkml:channelProperties>
+          <inkml:channelProperty channel="X" name="resolution" value="1000" units="1/cm"/>
+          <inkml:channelProperty channel="Y" name="resolution" value="1000" units="1/cm"/>
+          <inkml:channelProperty channel="F" name="resolution" value="0" units="1/dev"/>
+        </inkml:channelProperties>
+      </inkml:inkSource>
+      <inkml:timestamp xml:id="ts0" timeString="2021-04-30T06:12:10.355"/>
+    </inkml:context>
+    <inkml:brush xml:id="br0">
+      <inkml:brushProperty name="width" value="0.05" units="cm"/>
+      <inkml:brushProperty name="height" value="0.05" units="cm"/>
+    </inkml:brush>
+  </inkml:definitions>
+  <inkml:trace contextRef="#ctx0" brushRef="#br0">190 329 564,'-1'1'162,"0"-1"0,0 1 1,1 0-1,-1 0 0,0 0 0,1 0 0,-1 0 0,0 0 0,1 0 1,-1 0-1,1 0 0,0 0 0,-1 0 0,1 1 0,0-1 0,0 0 1,0 0-1,-1 0 0,1 0 0,1 1 0,-1 1 0,0 1 124,-4 68 1513,9 123 0,2-29-2807,-11-146-1004,3-20 1947,1 0 0,0 1 0,-1-1 0,1 0-1,-1 0 1,1 0 0,0 0 0,-1 0 0,1 0 0,-1 0 0,1 0-1,-1 0 1,1 0 0,0 0 0,-1 0 0,1 0 0,-1 0 0,1 0-1,0 0 1,-1-1 0,1 1 0,-1 0 0,1 0 0,0 0 0,-1-1-1,1 1 1,0 0 0,-1 0 0,1-1 0,0 1 0,0 0-1,-1-1 1,1 1 0,0 0 0,0-1 0,0 1 0,-1-1 0,1 1-1,0 0 1,0-1 0,0 1 0,0-1 0,0 1 0,0-1 0,-11-16-1219</inkml:trace>
+  <inkml:trace contextRef="#ctx0" brushRef="#br0" timeOffset="1">5 51 220,'-2'-23'364,"0"6"-272,4 7-360</inkml:trace>
+</inkml:ink>
+</file>
+
 <file path=ppt/slideLayouts/slideLayout1.xml><?xml version="1.0" encoding="utf-8"?>
 <p:sldLayout xmlns:a="http://schemas.openxmlformats.org/drawingml/2006/main" xmlns:r="http://schemas.openxmlformats.org/officeDocument/2006/relationships" xmlns:p="http://schemas.openxmlformats.org/presentationml/2006/main" type="title" preserve="1">
   <p:cSld name="Title Slide">
@@ -357,7 +1445,7 @@
           <a:p>
             <a:fld id="{9B2AC154-6931-4EC5-8994-E2E67F67CEF3}" type="datetimeFigureOut">
               <a:rPr lang="en-US" smtClean="0"/>
-              <a:t>2/19/2021</a:t>
+              <a:t>4/30/2021</a:t>
             </a:fld>
             <a:endParaRPr lang="en-US"/>
           </a:p>
@@ -555,7 +1643,7 @@
           <a:p>
             <a:fld id="{9B2AC154-6931-4EC5-8994-E2E67F67CEF3}" type="datetimeFigureOut">
               <a:rPr lang="en-US" smtClean="0"/>
-              <a:t>2/19/2021</a:t>
+              <a:t>4/30/2021</a:t>
             </a:fld>
             <a:endParaRPr lang="en-US"/>
           </a:p>
@@ -763,7 +1851,7 @@
           <a:p>
             <a:fld id="{9B2AC154-6931-4EC5-8994-E2E67F67CEF3}" type="datetimeFigureOut">
               <a:rPr lang="en-US" smtClean="0"/>
-              <a:t>2/19/2021</a:t>
+              <a:t>4/30/2021</a:t>
             </a:fld>
             <a:endParaRPr lang="en-US"/>
           </a:p>
@@ -961,7 +2049,7 @@
           <a:p>
             <a:fld id="{9B2AC154-6931-4EC5-8994-E2E67F67CEF3}" type="datetimeFigureOut">
               <a:rPr lang="en-US" smtClean="0"/>
-              <a:t>2/19/2021</a:t>
+              <a:t>4/30/2021</a:t>
             </a:fld>
             <a:endParaRPr lang="en-US"/>
           </a:p>
@@ -1236,7 +2324,7 @@
           <a:p>
             <a:fld id="{9B2AC154-6931-4EC5-8994-E2E67F67CEF3}" type="datetimeFigureOut">
               <a:rPr lang="en-US" smtClean="0"/>
-              <a:t>2/19/2021</a:t>
+              <a:t>4/30/2021</a:t>
             </a:fld>
             <a:endParaRPr lang="en-US"/>
           </a:p>
@@ -1501,7 +2589,7 @@
           <a:p>
             <a:fld id="{9B2AC154-6931-4EC5-8994-E2E67F67CEF3}" type="datetimeFigureOut">
               <a:rPr lang="en-US" smtClean="0"/>
-              <a:t>2/19/2021</a:t>
+              <a:t>4/30/2021</a:t>
             </a:fld>
             <a:endParaRPr lang="en-US"/>
           </a:p>
@@ -1913,7 +3001,7 @@
           <a:p>
             <a:fld id="{9B2AC154-6931-4EC5-8994-E2E67F67CEF3}" type="datetimeFigureOut">
               <a:rPr lang="en-US" smtClean="0"/>
-              <a:t>2/19/2021</a:t>
+              <a:t>4/30/2021</a:t>
             </a:fld>
             <a:endParaRPr lang="en-US"/>
           </a:p>
@@ -2054,7 +3142,7 @@
           <a:p>
             <a:fld id="{9B2AC154-6931-4EC5-8994-E2E67F67CEF3}" type="datetimeFigureOut">
               <a:rPr lang="en-US" smtClean="0"/>
-              <a:t>2/19/2021</a:t>
+              <a:t>4/30/2021</a:t>
             </a:fld>
             <a:endParaRPr lang="en-US"/>
           </a:p>
@@ -2167,7 +3255,7 @@
           <a:p>
             <a:fld id="{9B2AC154-6931-4EC5-8994-E2E67F67CEF3}" type="datetimeFigureOut">
               <a:rPr lang="en-US" smtClean="0"/>
-              <a:t>2/19/2021</a:t>
+              <a:t>4/30/2021</a:t>
             </a:fld>
             <a:endParaRPr lang="en-US"/>
           </a:p>
@@ -2478,7 +3566,7 @@
           <a:p>
             <a:fld id="{9B2AC154-6931-4EC5-8994-E2E67F67CEF3}" type="datetimeFigureOut">
               <a:rPr lang="en-US" smtClean="0"/>
-              <a:t>2/19/2021</a:t>
+              <a:t>4/30/2021</a:t>
             </a:fld>
             <a:endParaRPr lang="en-US"/>
           </a:p>
@@ -2766,7 +3854,7 @@
           <a:p>
             <a:fld id="{9B2AC154-6931-4EC5-8994-E2E67F67CEF3}" type="datetimeFigureOut">
               <a:rPr lang="en-US" smtClean="0"/>
-              <a:t>2/19/2021</a:t>
+              <a:t>4/30/2021</a:t>
             </a:fld>
             <a:endParaRPr lang="en-US"/>
           </a:p>
@@ -3007,7 +4095,7 @@
           <a:p>
             <a:fld id="{9B2AC154-6931-4EC5-8994-E2E67F67CEF3}" type="datetimeFigureOut">
               <a:rPr lang="en-US" smtClean="0"/>
-              <a:t>2/19/2021</a:t>
+              <a:t>4/30/2021</a:t>
             </a:fld>
             <a:endParaRPr lang="en-US"/>
           </a:p>
@@ -3655,6 +4743,2463 @@
 </p:sld>
 </file>
 
+<file path=ppt/slides/slide11.xml><?xml version="1.0" encoding="utf-8"?>
+<p:sld xmlns:a="http://schemas.openxmlformats.org/drawingml/2006/main" xmlns:r="http://schemas.openxmlformats.org/officeDocument/2006/relationships" xmlns:p="http://schemas.openxmlformats.org/presentationml/2006/main">
+  <p:cSld>
+    <p:spTree>
+      <p:nvGrpSpPr>
+        <p:cNvPr id="1" name=""/>
+        <p:cNvGrpSpPr/>
+        <p:nvPr/>
+      </p:nvGrpSpPr>
+      <p:grpSpPr>
+        <a:xfrm>
+          <a:off x="0" y="0"/>
+          <a:ext cx="0" cy="0"/>
+          <a:chOff x="0" y="0"/>
+          <a:chExt cx="0" cy="0"/>
+        </a:xfrm>
+      </p:grpSpPr>
+      <p:sp>
+        <p:nvSpPr>
+          <p:cNvPr id="2" name="Title 1">
+            <a:extLst>
+              <a:ext uri="{FF2B5EF4-FFF2-40B4-BE49-F238E27FC236}">
+                <a16:creationId xmlns:a16="http://schemas.microsoft.com/office/drawing/2014/main" id="{5A2AA0E4-9C32-421F-985F-31093611C722}"/>
+              </a:ext>
+            </a:extLst>
+          </p:cNvPr>
+          <p:cNvSpPr>
+            <a:spLocks noGrp="1"/>
+          </p:cNvSpPr>
+          <p:nvPr>
+            <p:ph type="title"/>
+          </p:nvPr>
+        </p:nvSpPr>
+        <p:spPr/>
+        <p:txBody>
+          <a:bodyPr/>
+          <a:lstStyle/>
+          <a:p>
+            <a:r>
+              <a:rPr lang="en-US" dirty="0"/>
+              <a:t>Topologies Tested</a:t>
+            </a:r>
+          </a:p>
+        </p:txBody>
+      </p:sp>
+      <p:pic>
+        <p:nvPicPr>
+          <p:cNvPr id="5" name="Content Placeholder 4" descr="Diagram&#10;&#10;Description automatically generated">
+            <a:extLst>
+              <a:ext uri="{FF2B5EF4-FFF2-40B4-BE49-F238E27FC236}">
+                <a16:creationId xmlns:a16="http://schemas.microsoft.com/office/drawing/2014/main" id="{062DE096-53EF-4282-9CAB-BD44DD197706}"/>
+              </a:ext>
+            </a:extLst>
+          </p:cNvPr>
+          <p:cNvPicPr>
+            <a:picLocks noGrp="1" noChangeAspect="1"/>
+          </p:cNvPicPr>
+          <p:nvPr>
+            <p:ph idx="1"/>
+          </p:nvPr>
+        </p:nvPicPr>
+        <p:blipFill>
+          <a:blip r:embed="rId2">
+            <a:extLst>
+              <a:ext uri="{28A0092B-C50C-407E-A947-70E740481C1C}">
+                <a14:useLocalDpi xmlns:a14="http://schemas.microsoft.com/office/drawing/2010/main" val="0"/>
+              </a:ext>
+            </a:extLst>
+          </a:blip>
+          <a:stretch>
+            <a:fillRect/>
+          </a:stretch>
+        </p:blipFill>
+        <p:spPr>
+          <a:xfrm>
+            <a:off x="1462663" y="2388682"/>
+            <a:ext cx="8883700" cy="2875538"/>
+          </a:xfrm>
+        </p:spPr>
+      </p:pic>
+      <p:grpSp>
+        <p:nvGrpSpPr>
+          <p:cNvPr id="38" name="Group 37">
+            <a:extLst>
+              <a:ext uri="{FF2B5EF4-FFF2-40B4-BE49-F238E27FC236}">
+                <a16:creationId xmlns:a16="http://schemas.microsoft.com/office/drawing/2014/main" id="{5BA3D8CF-A92A-4994-BF8A-082CCFBB9475}"/>
+              </a:ext>
+            </a:extLst>
+          </p:cNvPr>
+          <p:cNvGrpSpPr/>
+          <p:nvPr/>
+        </p:nvGrpSpPr>
+        <p:grpSpPr>
+          <a:xfrm>
+            <a:off x="4459846" y="1747468"/>
+            <a:ext cx="2519280" cy="504720"/>
+            <a:chOff x="4459846" y="1747468"/>
+            <a:chExt cx="2519280" cy="504720"/>
+          </a:xfrm>
+        </p:grpSpPr>
+        <mc:AlternateContent xmlns:mc="http://schemas.openxmlformats.org/markup-compatibility/2006">
+          <mc:Choice xmlns:p14="http://schemas.microsoft.com/office/powerpoint/2010/main" Requires="p14">
+            <p:contentPart p14:bwMode="auto" r:id="rId3">
+              <p14:nvContentPartPr>
+                <p14:cNvPr id="23" name="Ink 22">
+                  <a:extLst>
+                    <a:ext uri="{FF2B5EF4-FFF2-40B4-BE49-F238E27FC236}">
+                      <a16:creationId xmlns:a16="http://schemas.microsoft.com/office/drawing/2014/main" id="{057B7DB5-3C49-4F75-B983-3DA8F1CE67CC}"/>
+                    </a:ext>
+                  </a:extLst>
+                </p14:cNvPr>
+                <p14:cNvContentPartPr/>
+                <p14:nvPr/>
+              </p14:nvContentPartPr>
+              <p14:xfrm>
+                <a:off x="4459846" y="1909108"/>
+                <a:ext cx="203040" cy="281160"/>
+              </p14:xfrm>
+            </p:contentPart>
+          </mc:Choice>
+          <mc:Fallback>
+            <p:pic>
+              <p:nvPicPr>
+                <p:cNvPr id="23" name="Ink 22">
+                  <a:extLst>
+                    <a:ext uri="{FF2B5EF4-FFF2-40B4-BE49-F238E27FC236}">
+                      <a16:creationId xmlns:a16="http://schemas.microsoft.com/office/drawing/2014/main" id="{057B7DB5-3C49-4F75-B983-3DA8F1CE67CC}"/>
+                    </a:ext>
+                  </a:extLst>
+                </p:cNvPr>
+                <p:cNvPicPr/>
+                <p:nvPr/>
+              </p:nvPicPr>
+              <p:blipFill>
+                <a:blip r:embed="rId4"/>
+                <a:stretch>
+                  <a:fillRect/>
+                </a:stretch>
+              </p:blipFill>
+              <p:spPr>
+                <a:xfrm>
+                  <a:off x="4450846" y="1900108"/>
+                  <a:ext cx="220680" cy="298800"/>
+                </a:xfrm>
+                <a:prstGeom prst="rect">
+                  <a:avLst/>
+                </a:prstGeom>
+              </p:spPr>
+            </p:pic>
+          </mc:Fallback>
+        </mc:AlternateContent>
+        <mc:AlternateContent xmlns:mc="http://schemas.openxmlformats.org/markup-compatibility/2006">
+          <mc:Choice xmlns:p14="http://schemas.microsoft.com/office/powerpoint/2010/main" Requires="p14">
+            <p:contentPart p14:bwMode="auto" r:id="rId5">
+              <p14:nvContentPartPr>
+                <p14:cNvPr id="24" name="Ink 23">
+                  <a:extLst>
+                    <a:ext uri="{FF2B5EF4-FFF2-40B4-BE49-F238E27FC236}">
+                      <a16:creationId xmlns:a16="http://schemas.microsoft.com/office/drawing/2014/main" id="{274E557B-D938-447C-93D1-D1834811CF94}"/>
+                    </a:ext>
+                  </a:extLst>
+                </p14:cNvPr>
+                <p14:cNvContentPartPr/>
+                <p14:nvPr/>
+              </p14:nvContentPartPr>
+              <p14:xfrm>
+                <a:off x="4742446" y="1994788"/>
+                <a:ext cx="24120" cy="257400"/>
+              </p14:xfrm>
+            </p:contentPart>
+          </mc:Choice>
+          <mc:Fallback>
+            <p:pic>
+              <p:nvPicPr>
+                <p:cNvPr id="24" name="Ink 23">
+                  <a:extLst>
+                    <a:ext uri="{FF2B5EF4-FFF2-40B4-BE49-F238E27FC236}">
+                      <a16:creationId xmlns:a16="http://schemas.microsoft.com/office/drawing/2014/main" id="{274E557B-D938-447C-93D1-D1834811CF94}"/>
+                    </a:ext>
+                  </a:extLst>
+                </p:cNvPr>
+                <p:cNvPicPr/>
+                <p:nvPr/>
+              </p:nvPicPr>
+              <p:blipFill>
+                <a:blip r:embed="rId6"/>
+                <a:stretch>
+                  <a:fillRect/>
+                </a:stretch>
+              </p:blipFill>
+              <p:spPr>
+                <a:xfrm>
+                  <a:off x="4733446" y="1986148"/>
+                  <a:ext cx="41760" cy="275040"/>
+                </a:xfrm>
+                <a:prstGeom prst="rect">
+                  <a:avLst/>
+                </a:prstGeom>
+              </p:spPr>
+            </p:pic>
+          </mc:Fallback>
+        </mc:AlternateContent>
+        <mc:AlternateContent xmlns:mc="http://schemas.openxmlformats.org/markup-compatibility/2006">
+          <mc:Choice xmlns:p14="http://schemas.microsoft.com/office/powerpoint/2010/main" Requires="p14">
+            <p:contentPart p14:bwMode="auto" r:id="rId7">
+              <p14:nvContentPartPr>
+                <p14:cNvPr id="25" name="Ink 24">
+                  <a:extLst>
+                    <a:ext uri="{FF2B5EF4-FFF2-40B4-BE49-F238E27FC236}">
+                      <a16:creationId xmlns:a16="http://schemas.microsoft.com/office/drawing/2014/main" id="{78271EBD-12CA-44FA-A877-78A3F28ED3F0}"/>
+                    </a:ext>
+                  </a:extLst>
+                </p14:cNvPr>
+                <p14:cNvContentPartPr/>
+                <p14:nvPr/>
+              </p14:nvContentPartPr>
+              <p14:xfrm>
+                <a:off x="4731286" y="1941148"/>
+                <a:ext cx="140040" cy="170640"/>
+              </p14:xfrm>
+            </p:contentPart>
+          </mc:Choice>
+          <mc:Fallback>
+            <p:pic>
+              <p:nvPicPr>
+                <p:cNvPr id="25" name="Ink 24">
+                  <a:extLst>
+                    <a:ext uri="{FF2B5EF4-FFF2-40B4-BE49-F238E27FC236}">
+                      <a16:creationId xmlns:a16="http://schemas.microsoft.com/office/drawing/2014/main" id="{78271EBD-12CA-44FA-A877-78A3F28ED3F0}"/>
+                    </a:ext>
+                  </a:extLst>
+                </p:cNvPr>
+                <p:cNvPicPr/>
+                <p:nvPr/>
+              </p:nvPicPr>
+              <p:blipFill>
+                <a:blip r:embed="rId8"/>
+                <a:stretch>
+                  <a:fillRect/>
+                </a:stretch>
+              </p:blipFill>
+              <p:spPr>
+                <a:xfrm>
+                  <a:off x="4722646" y="1932148"/>
+                  <a:ext cx="157680" cy="188280"/>
+                </a:xfrm>
+                <a:prstGeom prst="rect">
+                  <a:avLst/>
+                </a:prstGeom>
+              </p:spPr>
+            </p:pic>
+          </mc:Fallback>
+        </mc:AlternateContent>
+        <mc:AlternateContent xmlns:mc="http://schemas.openxmlformats.org/markup-compatibility/2006">
+          <mc:Choice xmlns:p14="http://schemas.microsoft.com/office/powerpoint/2010/main" Requires="p14">
+            <p:contentPart p14:bwMode="auto" r:id="rId9">
+              <p14:nvContentPartPr>
+                <p14:cNvPr id="26" name="Ink 25">
+                  <a:extLst>
+                    <a:ext uri="{FF2B5EF4-FFF2-40B4-BE49-F238E27FC236}">
+                      <a16:creationId xmlns:a16="http://schemas.microsoft.com/office/drawing/2014/main" id="{48A00C34-A9A6-4EA2-98A9-9505401EB731}"/>
+                    </a:ext>
+                  </a:extLst>
+                </p14:cNvPr>
+                <p14:cNvContentPartPr/>
+                <p14:nvPr/>
+              </p14:nvContentPartPr>
+              <p14:xfrm>
+                <a:off x="4921726" y="1965268"/>
+                <a:ext cx="145800" cy="159120"/>
+              </p14:xfrm>
+            </p:contentPart>
+          </mc:Choice>
+          <mc:Fallback>
+            <p:pic>
+              <p:nvPicPr>
+                <p:cNvPr id="26" name="Ink 25">
+                  <a:extLst>
+                    <a:ext uri="{FF2B5EF4-FFF2-40B4-BE49-F238E27FC236}">
+                      <a16:creationId xmlns:a16="http://schemas.microsoft.com/office/drawing/2014/main" id="{48A00C34-A9A6-4EA2-98A9-9505401EB731}"/>
+                    </a:ext>
+                  </a:extLst>
+                </p:cNvPr>
+                <p:cNvPicPr/>
+                <p:nvPr/>
+              </p:nvPicPr>
+              <p:blipFill>
+                <a:blip r:embed="rId10"/>
+                <a:stretch>
+                  <a:fillRect/>
+                </a:stretch>
+              </p:blipFill>
+              <p:spPr>
+                <a:xfrm>
+                  <a:off x="4912726" y="1956268"/>
+                  <a:ext cx="163440" cy="176760"/>
+                </a:xfrm>
+                <a:prstGeom prst="rect">
+                  <a:avLst/>
+                </a:prstGeom>
+              </p:spPr>
+            </p:pic>
+          </mc:Fallback>
+        </mc:AlternateContent>
+        <mc:AlternateContent xmlns:mc="http://schemas.openxmlformats.org/markup-compatibility/2006">
+          <mc:Choice xmlns:p14="http://schemas.microsoft.com/office/powerpoint/2010/main" Requires="p14">
+            <p:contentPart p14:bwMode="auto" r:id="rId11">
+              <p14:nvContentPartPr>
+                <p14:cNvPr id="27" name="Ink 26">
+                  <a:extLst>
+                    <a:ext uri="{FF2B5EF4-FFF2-40B4-BE49-F238E27FC236}">
+                      <a16:creationId xmlns:a16="http://schemas.microsoft.com/office/drawing/2014/main" id="{C112932F-F9B4-4D2B-9712-37C74CB0B612}"/>
+                    </a:ext>
+                  </a:extLst>
+                </p14:cNvPr>
+                <p14:cNvContentPartPr/>
+                <p14:nvPr/>
+              </p14:nvContentPartPr>
+              <p14:xfrm>
+                <a:off x="5090206" y="1977148"/>
+                <a:ext cx="155880" cy="159480"/>
+              </p14:xfrm>
+            </p:contentPart>
+          </mc:Choice>
+          <mc:Fallback>
+            <p:pic>
+              <p:nvPicPr>
+                <p:cNvPr id="27" name="Ink 26">
+                  <a:extLst>
+                    <a:ext uri="{FF2B5EF4-FFF2-40B4-BE49-F238E27FC236}">
+                      <a16:creationId xmlns:a16="http://schemas.microsoft.com/office/drawing/2014/main" id="{C112932F-F9B4-4D2B-9712-37C74CB0B612}"/>
+                    </a:ext>
+                  </a:extLst>
+                </p:cNvPr>
+                <p:cNvPicPr/>
+                <p:nvPr/>
+              </p:nvPicPr>
+              <p:blipFill>
+                <a:blip r:embed="rId12"/>
+                <a:stretch>
+                  <a:fillRect/>
+                </a:stretch>
+              </p:blipFill>
+              <p:spPr>
+                <a:xfrm>
+                  <a:off x="5081566" y="1968508"/>
+                  <a:ext cx="173520" cy="177120"/>
+                </a:xfrm>
+                <a:prstGeom prst="rect">
+                  <a:avLst/>
+                </a:prstGeom>
+              </p:spPr>
+            </p:pic>
+          </mc:Fallback>
+        </mc:AlternateContent>
+        <mc:AlternateContent xmlns:mc="http://schemas.openxmlformats.org/markup-compatibility/2006">
+          <mc:Choice xmlns:p14="http://schemas.microsoft.com/office/powerpoint/2010/main" Requires="p14">
+            <p:contentPart p14:bwMode="auto" r:id="rId13">
+              <p14:nvContentPartPr>
+                <p14:cNvPr id="28" name="Ink 27">
+                  <a:extLst>
+                    <a:ext uri="{FF2B5EF4-FFF2-40B4-BE49-F238E27FC236}">
+                      <a16:creationId xmlns:a16="http://schemas.microsoft.com/office/drawing/2014/main" id="{6DED884F-B60D-4F12-8329-062BE809B887}"/>
+                    </a:ext>
+                  </a:extLst>
+                </p14:cNvPr>
+                <p14:cNvContentPartPr/>
+                <p14:nvPr/>
+              </p14:nvContentPartPr>
+              <p14:xfrm>
+                <a:off x="5273806" y="1787068"/>
+                <a:ext cx="244440" cy="340200"/>
+              </p14:xfrm>
+            </p:contentPart>
+          </mc:Choice>
+          <mc:Fallback>
+            <p:pic>
+              <p:nvPicPr>
+                <p:cNvPr id="28" name="Ink 27">
+                  <a:extLst>
+                    <a:ext uri="{FF2B5EF4-FFF2-40B4-BE49-F238E27FC236}">
+                      <a16:creationId xmlns:a16="http://schemas.microsoft.com/office/drawing/2014/main" id="{6DED884F-B60D-4F12-8329-062BE809B887}"/>
+                    </a:ext>
+                  </a:extLst>
+                </p:cNvPr>
+                <p:cNvPicPr/>
+                <p:nvPr/>
+              </p:nvPicPr>
+              <p:blipFill>
+                <a:blip r:embed="rId14"/>
+                <a:stretch>
+                  <a:fillRect/>
+                </a:stretch>
+              </p:blipFill>
+              <p:spPr>
+                <a:xfrm>
+                  <a:off x="5265166" y="1778428"/>
+                  <a:ext cx="262080" cy="357840"/>
+                </a:xfrm>
+                <a:prstGeom prst="rect">
+                  <a:avLst/>
+                </a:prstGeom>
+              </p:spPr>
+            </p:pic>
+          </mc:Fallback>
+        </mc:AlternateContent>
+        <mc:AlternateContent xmlns:mc="http://schemas.openxmlformats.org/markup-compatibility/2006">
+          <mc:Choice xmlns:p14="http://schemas.microsoft.com/office/powerpoint/2010/main" Requires="p14">
+            <p:contentPart p14:bwMode="auto" r:id="rId15">
+              <p14:nvContentPartPr>
+                <p14:cNvPr id="29" name="Ink 28">
+                  <a:extLst>
+                    <a:ext uri="{FF2B5EF4-FFF2-40B4-BE49-F238E27FC236}">
+                      <a16:creationId xmlns:a16="http://schemas.microsoft.com/office/drawing/2014/main" id="{54DF2864-C39D-4CD8-B74D-DD8CF8B06ED2}"/>
+                    </a:ext>
+                  </a:extLst>
+                </p14:cNvPr>
+                <p14:cNvContentPartPr/>
+                <p14:nvPr/>
+              </p14:nvContentPartPr>
+              <p14:xfrm>
+                <a:off x="5516446" y="1810468"/>
+                <a:ext cx="211320" cy="304200"/>
+              </p14:xfrm>
+            </p:contentPart>
+          </mc:Choice>
+          <mc:Fallback>
+            <p:pic>
+              <p:nvPicPr>
+                <p:cNvPr id="29" name="Ink 28">
+                  <a:extLst>
+                    <a:ext uri="{FF2B5EF4-FFF2-40B4-BE49-F238E27FC236}">
+                      <a16:creationId xmlns:a16="http://schemas.microsoft.com/office/drawing/2014/main" id="{54DF2864-C39D-4CD8-B74D-DD8CF8B06ED2}"/>
+                    </a:ext>
+                  </a:extLst>
+                </p:cNvPr>
+                <p:cNvPicPr/>
+                <p:nvPr/>
+              </p:nvPicPr>
+              <p:blipFill>
+                <a:blip r:embed="rId16"/>
+                <a:stretch>
+                  <a:fillRect/>
+                </a:stretch>
+              </p:blipFill>
+              <p:spPr>
+                <a:xfrm>
+                  <a:off x="5507446" y="1801468"/>
+                  <a:ext cx="228960" cy="321840"/>
+                </a:xfrm>
+                <a:prstGeom prst="rect">
+                  <a:avLst/>
+                </a:prstGeom>
+              </p:spPr>
+            </p:pic>
+          </mc:Fallback>
+        </mc:AlternateContent>
+        <mc:AlternateContent xmlns:mc="http://schemas.openxmlformats.org/markup-compatibility/2006">
+          <mc:Choice xmlns:p14="http://schemas.microsoft.com/office/powerpoint/2010/main" Requires="p14">
+            <p:contentPart p14:bwMode="auto" r:id="rId17">
+              <p14:nvContentPartPr>
+                <p14:cNvPr id="30" name="Ink 29">
+                  <a:extLst>
+                    <a:ext uri="{FF2B5EF4-FFF2-40B4-BE49-F238E27FC236}">
+                      <a16:creationId xmlns:a16="http://schemas.microsoft.com/office/drawing/2014/main" id="{D1375EF9-035C-4C52-B565-8BC807D6A20E}"/>
+                    </a:ext>
+                  </a:extLst>
+                </p14:cNvPr>
+                <p14:cNvContentPartPr/>
+                <p14:nvPr/>
+              </p14:nvContentPartPr>
+              <p14:xfrm>
+                <a:off x="5755846" y="1959148"/>
+                <a:ext cx="154800" cy="147600"/>
+              </p14:xfrm>
+            </p:contentPart>
+          </mc:Choice>
+          <mc:Fallback>
+            <p:pic>
+              <p:nvPicPr>
+                <p:cNvPr id="30" name="Ink 29">
+                  <a:extLst>
+                    <a:ext uri="{FF2B5EF4-FFF2-40B4-BE49-F238E27FC236}">
+                      <a16:creationId xmlns:a16="http://schemas.microsoft.com/office/drawing/2014/main" id="{D1375EF9-035C-4C52-B565-8BC807D6A20E}"/>
+                    </a:ext>
+                  </a:extLst>
+                </p:cNvPr>
+                <p:cNvPicPr/>
+                <p:nvPr/>
+              </p:nvPicPr>
+              <p:blipFill>
+                <a:blip r:embed="rId18"/>
+                <a:stretch>
+                  <a:fillRect/>
+                </a:stretch>
+              </p:blipFill>
+              <p:spPr>
+                <a:xfrm>
+                  <a:off x="5746846" y="1950148"/>
+                  <a:ext cx="172440" cy="165240"/>
+                </a:xfrm>
+                <a:prstGeom prst="rect">
+                  <a:avLst/>
+                </a:prstGeom>
+              </p:spPr>
+            </p:pic>
+          </mc:Fallback>
+        </mc:AlternateContent>
+        <mc:AlternateContent xmlns:mc="http://schemas.openxmlformats.org/markup-compatibility/2006">
+          <mc:Choice xmlns:p14="http://schemas.microsoft.com/office/powerpoint/2010/main" Requires="p14">
+            <p:contentPart p14:bwMode="auto" r:id="rId19">
+              <p14:nvContentPartPr>
+                <p14:cNvPr id="31" name="Ink 30">
+                  <a:extLst>
+                    <a:ext uri="{FF2B5EF4-FFF2-40B4-BE49-F238E27FC236}">
+                      <a16:creationId xmlns:a16="http://schemas.microsoft.com/office/drawing/2014/main" id="{9BC2D050-B4FA-477F-96DE-E35C4BC426D4}"/>
+                    </a:ext>
+                  </a:extLst>
+                </p14:cNvPr>
+                <p14:cNvContentPartPr/>
+                <p14:nvPr/>
+              </p14:nvContentPartPr>
+              <p14:xfrm>
+                <a:off x="5911006" y="1837108"/>
+                <a:ext cx="68400" cy="292680"/>
+              </p14:xfrm>
+            </p:contentPart>
+          </mc:Choice>
+          <mc:Fallback>
+            <p:pic>
+              <p:nvPicPr>
+                <p:cNvPr id="31" name="Ink 30">
+                  <a:extLst>
+                    <a:ext uri="{FF2B5EF4-FFF2-40B4-BE49-F238E27FC236}">
+                      <a16:creationId xmlns:a16="http://schemas.microsoft.com/office/drawing/2014/main" id="{9BC2D050-B4FA-477F-96DE-E35C4BC426D4}"/>
+                    </a:ext>
+                  </a:extLst>
+                </p:cNvPr>
+                <p:cNvPicPr/>
+                <p:nvPr/>
+              </p:nvPicPr>
+              <p:blipFill>
+                <a:blip r:embed="rId20"/>
+                <a:stretch>
+                  <a:fillRect/>
+                </a:stretch>
+              </p:blipFill>
+              <p:spPr>
+                <a:xfrm>
+                  <a:off x="5902366" y="1828468"/>
+                  <a:ext cx="86040" cy="310320"/>
+                </a:xfrm>
+                <a:prstGeom prst="rect">
+                  <a:avLst/>
+                </a:prstGeom>
+              </p:spPr>
+            </p:pic>
+          </mc:Fallback>
+        </mc:AlternateContent>
+        <mc:AlternateContent xmlns:mc="http://schemas.openxmlformats.org/markup-compatibility/2006">
+          <mc:Choice xmlns:p14="http://schemas.microsoft.com/office/powerpoint/2010/main" Requires="p14">
+            <p:contentPart p14:bwMode="auto" r:id="rId21">
+              <p14:nvContentPartPr>
+                <p14:cNvPr id="32" name="Ink 31">
+                  <a:extLst>
+                    <a:ext uri="{FF2B5EF4-FFF2-40B4-BE49-F238E27FC236}">
+                      <a16:creationId xmlns:a16="http://schemas.microsoft.com/office/drawing/2014/main" id="{860B924E-01CC-4141-99D8-8451DE18C278}"/>
+                    </a:ext>
+                  </a:extLst>
+                </p14:cNvPr>
+                <p14:cNvContentPartPr/>
+                <p14:nvPr/>
+              </p14:nvContentPartPr>
+              <p14:xfrm>
+                <a:off x="6087046" y="1747468"/>
+                <a:ext cx="173160" cy="372240"/>
+              </p14:xfrm>
+            </p:contentPart>
+          </mc:Choice>
+          <mc:Fallback>
+            <p:pic>
+              <p:nvPicPr>
+                <p:cNvPr id="32" name="Ink 31">
+                  <a:extLst>
+                    <a:ext uri="{FF2B5EF4-FFF2-40B4-BE49-F238E27FC236}">
+                      <a16:creationId xmlns:a16="http://schemas.microsoft.com/office/drawing/2014/main" id="{860B924E-01CC-4141-99D8-8451DE18C278}"/>
+                    </a:ext>
+                  </a:extLst>
+                </p:cNvPr>
+                <p:cNvPicPr/>
+                <p:nvPr/>
+              </p:nvPicPr>
+              <p:blipFill>
+                <a:blip r:embed="rId22"/>
+                <a:stretch>
+                  <a:fillRect/>
+                </a:stretch>
+              </p:blipFill>
+              <p:spPr>
+                <a:xfrm>
+                  <a:off x="6078406" y="1738468"/>
+                  <a:ext cx="190800" cy="389880"/>
+                </a:xfrm>
+                <a:prstGeom prst="rect">
+                  <a:avLst/>
+                </a:prstGeom>
+              </p:spPr>
+            </p:pic>
+          </mc:Fallback>
+        </mc:AlternateContent>
+        <mc:AlternateContent xmlns:mc="http://schemas.openxmlformats.org/markup-compatibility/2006">
+          <mc:Choice xmlns:p14="http://schemas.microsoft.com/office/powerpoint/2010/main" Requires="p14">
+            <p:contentPart p14:bwMode="auto" r:id="rId23">
+              <p14:nvContentPartPr>
+                <p14:cNvPr id="33" name="Ink 32">
+                  <a:extLst>
+                    <a:ext uri="{FF2B5EF4-FFF2-40B4-BE49-F238E27FC236}">
+                      <a16:creationId xmlns:a16="http://schemas.microsoft.com/office/drawing/2014/main" id="{CC316AC3-C410-4EB7-8539-BB652561CCAC}"/>
+                    </a:ext>
+                  </a:extLst>
+                </p14:cNvPr>
+                <p14:cNvContentPartPr/>
+                <p14:nvPr/>
+              </p14:nvContentPartPr>
+              <p14:xfrm>
+                <a:off x="6047446" y="1973908"/>
+                <a:ext cx="94320" cy="16920"/>
+              </p14:xfrm>
+            </p:contentPart>
+          </mc:Choice>
+          <mc:Fallback>
+            <p:pic>
+              <p:nvPicPr>
+                <p:cNvPr id="33" name="Ink 32">
+                  <a:extLst>
+                    <a:ext uri="{FF2B5EF4-FFF2-40B4-BE49-F238E27FC236}">
+                      <a16:creationId xmlns:a16="http://schemas.microsoft.com/office/drawing/2014/main" id="{CC316AC3-C410-4EB7-8539-BB652561CCAC}"/>
+                    </a:ext>
+                  </a:extLst>
+                </p:cNvPr>
+                <p:cNvPicPr/>
+                <p:nvPr/>
+              </p:nvPicPr>
+              <p:blipFill>
+                <a:blip r:embed="rId24"/>
+                <a:stretch>
+                  <a:fillRect/>
+                </a:stretch>
+              </p:blipFill>
+              <p:spPr>
+                <a:xfrm>
+                  <a:off x="6038446" y="1965268"/>
+                  <a:ext cx="111960" cy="34560"/>
+                </a:xfrm>
+                <a:prstGeom prst="rect">
+                  <a:avLst/>
+                </a:prstGeom>
+              </p:spPr>
+            </p:pic>
+          </mc:Fallback>
+        </mc:AlternateContent>
+        <mc:AlternateContent xmlns:mc="http://schemas.openxmlformats.org/markup-compatibility/2006">
+          <mc:Choice xmlns:p14="http://schemas.microsoft.com/office/powerpoint/2010/main" Requires="p14">
+            <p:contentPart p14:bwMode="auto" r:id="rId25">
+              <p14:nvContentPartPr>
+                <p14:cNvPr id="34" name="Ink 33">
+                  <a:extLst>
+                    <a:ext uri="{FF2B5EF4-FFF2-40B4-BE49-F238E27FC236}">
+                      <a16:creationId xmlns:a16="http://schemas.microsoft.com/office/drawing/2014/main" id="{9D97ADFE-78F8-48F9-ABED-5747EE9C3C5C}"/>
+                    </a:ext>
+                  </a:extLst>
+                </p14:cNvPr>
+                <p14:cNvContentPartPr/>
+                <p14:nvPr/>
+              </p14:nvContentPartPr>
+              <p14:xfrm>
+                <a:off x="6251926" y="1913788"/>
+                <a:ext cx="159480" cy="196200"/>
+              </p14:xfrm>
+            </p:contentPart>
+          </mc:Choice>
+          <mc:Fallback>
+            <p:pic>
+              <p:nvPicPr>
+                <p:cNvPr id="34" name="Ink 33">
+                  <a:extLst>
+                    <a:ext uri="{FF2B5EF4-FFF2-40B4-BE49-F238E27FC236}">
+                      <a16:creationId xmlns:a16="http://schemas.microsoft.com/office/drawing/2014/main" id="{9D97ADFE-78F8-48F9-ABED-5747EE9C3C5C}"/>
+                    </a:ext>
+                  </a:extLst>
+                </p:cNvPr>
+                <p:cNvPicPr/>
+                <p:nvPr/>
+              </p:nvPicPr>
+              <p:blipFill>
+                <a:blip r:embed="rId26"/>
+                <a:stretch>
+                  <a:fillRect/>
+                </a:stretch>
+              </p:blipFill>
+              <p:spPr>
+                <a:xfrm>
+                  <a:off x="6243286" y="1904788"/>
+                  <a:ext cx="177120" cy="213840"/>
+                </a:xfrm>
+                <a:prstGeom prst="rect">
+                  <a:avLst/>
+                </a:prstGeom>
+              </p:spPr>
+            </p:pic>
+          </mc:Fallback>
+        </mc:AlternateContent>
+        <mc:AlternateContent xmlns:mc="http://schemas.openxmlformats.org/markup-compatibility/2006">
+          <mc:Choice xmlns:p14="http://schemas.microsoft.com/office/powerpoint/2010/main" Requires="p14">
+            <p:contentPart p14:bwMode="auto" r:id="rId27">
+              <p14:nvContentPartPr>
+                <p14:cNvPr id="35" name="Ink 34">
+                  <a:extLst>
+                    <a:ext uri="{FF2B5EF4-FFF2-40B4-BE49-F238E27FC236}">
+                      <a16:creationId xmlns:a16="http://schemas.microsoft.com/office/drawing/2014/main" id="{0C79BC50-4A28-4098-BF0C-2C3C0262BC42}"/>
+                    </a:ext>
+                  </a:extLst>
+                </p14:cNvPr>
+                <p14:cNvContentPartPr/>
+                <p14:nvPr/>
+              </p14:nvContentPartPr>
+              <p14:xfrm>
+                <a:off x="6349846" y="1755388"/>
+                <a:ext cx="191520" cy="345960"/>
+              </p14:xfrm>
+            </p:contentPart>
+          </mc:Choice>
+          <mc:Fallback>
+            <p:pic>
+              <p:nvPicPr>
+                <p:cNvPr id="35" name="Ink 34">
+                  <a:extLst>
+                    <a:ext uri="{FF2B5EF4-FFF2-40B4-BE49-F238E27FC236}">
+                      <a16:creationId xmlns:a16="http://schemas.microsoft.com/office/drawing/2014/main" id="{0C79BC50-4A28-4098-BF0C-2C3C0262BC42}"/>
+                    </a:ext>
+                  </a:extLst>
+                </p:cNvPr>
+                <p:cNvPicPr/>
+                <p:nvPr/>
+              </p:nvPicPr>
+              <p:blipFill>
+                <a:blip r:embed="rId28"/>
+                <a:stretch>
+                  <a:fillRect/>
+                </a:stretch>
+              </p:blipFill>
+              <p:spPr>
+                <a:xfrm>
+                  <a:off x="6341206" y="1746748"/>
+                  <a:ext cx="209160" cy="363600"/>
+                </a:xfrm>
+                <a:prstGeom prst="rect">
+                  <a:avLst/>
+                </a:prstGeom>
+              </p:spPr>
+            </p:pic>
+          </mc:Fallback>
+        </mc:AlternateContent>
+        <mc:AlternateContent xmlns:mc="http://schemas.openxmlformats.org/markup-compatibility/2006">
+          <mc:Choice xmlns:p14="http://schemas.microsoft.com/office/powerpoint/2010/main" Requires="p14">
+            <p:contentPart p14:bwMode="auto" r:id="rId29">
+              <p14:nvContentPartPr>
+                <p14:cNvPr id="36" name="Ink 35">
+                  <a:extLst>
+                    <a:ext uri="{FF2B5EF4-FFF2-40B4-BE49-F238E27FC236}">
+                      <a16:creationId xmlns:a16="http://schemas.microsoft.com/office/drawing/2014/main" id="{3CCBBB71-2CD9-47B3-867C-4D48DD8BDBA0}"/>
+                    </a:ext>
+                  </a:extLst>
+                </p14:cNvPr>
+                <p14:cNvContentPartPr/>
+                <p14:nvPr/>
+              </p14:nvContentPartPr>
+              <p14:xfrm>
+                <a:off x="6614446" y="1945468"/>
+                <a:ext cx="160920" cy="171360"/>
+              </p14:xfrm>
+            </p:contentPart>
+          </mc:Choice>
+          <mc:Fallback>
+            <p:pic>
+              <p:nvPicPr>
+                <p:cNvPr id="36" name="Ink 35">
+                  <a:extLst>
+                    <a:ext uri="{FF2B5EF4-FFF2-40B4-BE49-F238E27FC236}">
+                      <a16:creationId xmlns:a16="http://schemas.microsoft.com/office/drawing/2014/main" id="{3CCBBB71-2CD9-47B3-867C-4D48DD8BDBA0}"/>
+                    </a:ext>
+                  </a:extLst>
+                </p:cNvPr>
+                <p:cNvPicPr/>
+                <p:nvPr/>
+              </p:nvPicPr>
+              <p:blipFill>
+                <a:blip r:embed="rId30"/>
+                <a:stretch>
+                  <a:fillRect/>
+                </a:stretch>
+              </p:blipFill>
+              <p:spPr>
+                <a:xfrm>
+                  <a:off x="6605806" y="1936468"/>
+                  <a:ext cx="178560" cy="189000"/>
+                </a:xfrm>
+                <a:prstGeom prst="rect">
+                  <a:avLst/>
+                </a:prstGeom>
+              </p:spPr>
+            </p:pic>
+          </mc:Fallback>
+        </mc:AlternateContent>
+        <mc:AlternateContent xmlns:mc="http://schemas.openxmlformats.org/markup-compatibility/2006">
+          <mc:Choice xmlns:p14="http://schemas.microsoft.com/office/powerpoint/2010/main" Requires="p14">
+            <p:contentPart p14:bwMode="auto" r:id="rId31">
+              <p14:nvContentPartPr>
+                <p14:cNvPr id="37" name="Ink 36">
+                  <a:extLst>
+                    <a:ext uri="{FF2B5EF4-FFF2-40B4-BE49-F238E27FC236}">
+                      <a16:creationId xmlns:a16="http://schemas.microsoft.com/office/drawing/2014/main" id="{63B10C19-1C49-4AA8-8382-909988965051}"/>
+                    </a:ext>
+                  </a:extLst>
+                </p14:cNvPr>
+                <p14:cNvContentPartPr/>
+                <p14:nvPr/>
+              </p14:nvContentPartPr>
+              <p14:xfrm>
+                <a:off x="6769246" y="1879588"/>
+                <a:ext cx="209880" cy="248400"/>
+              </p14:xfrm>
+            </p:contentPart>
+          </mc:Choice>
+          <mc:Fallback>
+            <p:pic>
+              <p:nvPicPr>
+                <p:cNvPr id="37" name="Ink 36">
+                  <a:extLst>
+                    <a:ext uri="{FF2B5EF4-FFF2-40B4-BE49-F238E27FC236}">
+                      <a16:creationId xmlns:a16="http://schemas.microsoft.com/office/drawing/2014/main" id="{63B10C19-1C49-4AA8-8382-909988965051}"/>
+                    </a:ext>
+                  </a:extLst>
+                </p:cNvPr>
+                <p:cNvPicPr/>
+                <p:nvPr/>
+              </p:nvPicPr>
+              <p:blipFill>
+                <a:blip r:embed="rId32"/>
+                <a:stretch>
+                  <a:fillRect/>
+                </a:stretch>
+              </p:blipFill>
+              <p:spPr>
+                <a:xfrm>
+                  <a:off x="6760606" y="1870948"/>
+                  <a:ext cx="227520" cy="266040"/>
+                </a:xfrm>
+                <a:prstGeom prst="rect">
+                  <a:avLst/>
+                </a:prstGeom>
+              </p:spPr>
+            </p:pic>
+          </mc:Fallback>
+        </mc:AlternateContent>
+      </p:grpSp>
+    </p:spTree>
+    <p:extLst>
+      <p:ext uri="{BB962C8B-B14F-4D97-AF65-F5344CB8AC3E}">
+        <p14:creationId xmlns:p14="http://schemas.microsoft.com/office/powerpoint/2010/main" val="3592901211"/>
+      </p:ext>
+    </p:extLst>
+  </p:cSld>
+  <p:clrMapOvr>
+    <a:masterClrMapping/>
+  </p:clrMapOvr>
+</p:sld>
+</file>
+
+<file path=ppt/slides/slide12.xml><?xml version="1.0" encoding="utf-8"?>
+<p:sld xmlns:a="http://schemas.openxmlformats.org/drawingml/2006/main" xmlns:r="http://schemas.openxmlformats.org/officeDocument/2006/relationships" xmlns:p="http://schemas.openxmlformats.org/presentationml/2006/main">
+  <p:cSld>
+    <p:spTree>
+      <p:nvGrpSpPr>
+        <p:cNvPr id="1" name=""/>
+        <p:cNvGrpSpPr/>
+        <p:nvPr/>
+      </p:nvGrpSpPr>
+      <p:grpSpPr>
+        <a:xfrm>
+          <a:off x="0" y="0"/>
+          <a:ext cx="0" cy="0"/>
+          <a:chOff x="0" y="0"/>
+          <a:chExt cx="0" cy="0"/>
+        </a:xfrm>
+      </p:grpSpPr>
+      <p:sp>
+        <p:nvSpPr>
+          <p:cNvPr id="2" name="Title 1">
+            <a:extLst>
+              <a:ext uri="{FF2B5EF4-FFF2-40B4-BE49-F238E27FC236}">
+                <a16:creationId xmlns:a16="http://schemas.microsoft.com/office/drawing/2014/main" id="{D7B3E103-9FD0-4BAF-8128-912492ACDEFD}"/>
+              </a:ext>
+            </a:extLst>
+          </p:cNvPr>
+          <p:cNvSpPr>
+            <a:spLocks noGrp="1"/>
+          </p:cNvSpPr>
+          <p:nvPr>
+            <p:ph type="title"/>
+          </p:nvPr>
+        </p:nvSpPr>
+        <p:spPr/>
+        <p:txBody>
+          <a:bodyPr/>
+          <a:lstStyle/>
+          <a:p>
+            <a:r>
+              <a:rPr lang="en-US" dirty="0"/>
+              <a:t>Topologies Tested</a:t>
+            </a:r>
+          </a:p>
+        </p:txBody>
+      </p:sp>
+      <p:pic>
+        <p:nvPicPr>
+          <p:cNvPr id="5" name="Content Placeholder 4" descr="Diagram, shape&#10;&#10;Description automatically generated">
+            <a:extLst>
+              <a:ext uri="{FF2B5EF4-FFF2-40B4-BE49-F238E27FC236}">
+                <a16:creationId xmlns:a16="http://schemas.microsoft.com/office/drawing/2014/main" id="{A1502A6D-5420-4E13-9E97-CD8FB5C215D2}"/>
+              </a:ext>
+            </a:extLst>
+          </p:cNvPr>
+          <p:cNvPicPr>
+            <a:picLocks noGrp="1" noChangeAspect="1"/>
+          </p:cNvPicPr>
+          <p:nvPr>
+            <p:ph idx="1"/>
+          </p:nvPr>
+        </p:nvPicPr>
+        <p:blipFill>
+          <a:blip r:embed="rId2">
+            <a:extLst>
+              <a:ext uri="{28A0092B-C50C-407E-A947-70E740481C1C}">
+                <a14:useLocalDpi xmlns:a14="http://schemas.microsoft.com/office/drawing/2010/main" val="0"/>
+              </a:ext>
+            </a:extLst>
+          </a:blip>
+          <a:stretch>
+            <a:fillRect/>
+          </a:stretch>
+        </p:blipFill>
+        <p:spPr>
+          <a:xfrm>
+            <a:off x="3455441" y="2603197"/>
+            <a:ext cx="5281118" cy="2743438"/>
+          </a:xfrm>
+        </p:spPr>
+      </p:pic>
+      <mc:AlternateContent xmlns:mc="http://schemas.openxmlformats.org/markup-compatibility/2006">
+        <mc:Choice xmlns:p14="http://schemas.microsoft.com/office/powerpoint/2010/main" Requires="p14">
+          <p:contentPart p14:bwMode="auto" r:id="rId3">
+            <p14:nvContentPartPr>
+              <p14:cNvPr id="8" name="Ink 7">
+                <a:extLst>
+                  <a:ext uri="{FF2B5EF4-FFF2-40B4-BE49-F238E27FC236}">
+                    <a16:creationId xmlns:a16="http://schemas.microsoft.com/office/drawing/2014/main" id="{E9D16E11-0ED1-4739-89DF-C2720CDB358C}"/>
+                  </a:ext>
+                </a:extLst>
+              </p14:cNvPr>
+              <p14:cNvContentPartPr/>
+              <p14:nvPr/>
+            </p14:nvContentPartPr>
+            <p14:xfrm>
+              <a:off x="5360926" y="1869148"/>
+              <a:ext cx="164880" cy="236880"/>
+            </p14:xfrm>
+          </p:contentPart>
+        </mc:Choice>
+        <mc:Fallback>
+          <p:pic>
+            <p:nvPicPr>
+              <p:cNvPr id="8" name="Ink 7">
+                <a:extLst>
+                  <a:ext uri="{FF2B5EF4-FFF2-40B4-BE49-F238E27FC236}">
+                    <a16:creationId xmlns:a16="http://schemas.microsoft.com/office/drawing/2014/main" id="{E9D16E11-0ED1-4739-89DF-C2720CDB358C}"/>
+                  </a:ext>
+                </a:extLst>
+              </p:cNvPr>
+              <p:cNvPicPr/>
+              <p:nvPr/>
+            </p:nvPicPr>
+            <p:blipFill>
+              <a:blip r:embed="rId4"/>
+              <a:stretch>
+                <a:fillRect/>
+              </a:stretch>
+            </p:blipFill>
+            <p:spPr>
+              <a:xfrm>
+                <a:off x="5352286" y="1860148"/>
+                <a:ext cx="182520" cy="254520"/>
+              </a:xfrm>
+              <a:prstGeom prst="rect">
+                <a:avLst/>
+              </a:prstGeom>
+            </p:spPr>
+          </p:pic>
+        </mc:Fallback>
+      </mc:AlternateContent>
+      <mc:AlternateContent xmlns:mc="http://schemas.openxmlformats.org/markup-compatibility/2006">
+        <mc:Choice xmlns:p14="http://schemas.microsoft.com/office/powerpoint/2010/main" Requires="p14">
+          <p:contentPart p14:bwMode="auto" r:id="rId5">
+            <p14:nvContentPartPr>
+              <p14:cNvPr id="9" name="Ink 8">
+                <a:extLst>
+                  <a:ext uri="{FF2B5EF4-FFF2-40B4-BE49-F238E27FC236}">
+                    <a16:creationId xmlns:a16="http://schemas.microsoft.com/office/drawing/2014/main" id="{58AD0BC1-852D-405C-A03A-83A09D7728B3}"/>
+                  </a:ext>
+                </a:extLst>
+              </p14:cNvPr>
+              <p14:cNvContentPartPr/>
+              <p14:nvPr/>
+            </p14:nvContentPartPr>
+            <p14:xfrm>
+              <a:off x="5560366" y="1987588"/>
+              <a:ext cx="43560" cy="239760"/>
+            </p14:xfrm>
+          </p:contentPart>
+        </mc:Choice>
+        <mc:Fallback>
+          <p:pic>
+            <p:nvPicPr>
+              <p:cNvPr id="9" name="Ink 8">
+                <a:extLst>
+                  <a:ext uri="{FF2B5EF4-FFF2-40B4-BE49-F238E27FC236}">
+                    <a16:creationId xmlns:a16="http://schemas.microsoft.com/office/drawing/2014/main" id="{58AD0BC1-852D-405C-A03A-83A09D7728B3}"/>
+                  </a:ext>
+                </a:extLst>
+              </p:cNvPr>
+              <p:cNvPicPr/>
+              <p:nvPr/>
+            </p:nvPicPr>
+            <p:blipFill>
+              <a:blip r:embed="rId6"/>
+              <a:stretch>
+                <a:fillRect/>
+              </a:stretch>
+            </p:blipFill>
+            <p:spPr>
+              <a:xfrm>
+                <a:off x="5551726" y="1978588"/>
+                <a:ext cx="61200" cy="257400"/>
+              </a:xfrm>
+              <a:prstGeom prst="rect">
+                <a:avLst/>
+              </a:prstGeom>
+            </p:spPr>
+          </p:pic>
+        </mc:Fallback>
+      </mc:AlternateContent>
+      <mc:AlternateContent xmlns:mc="http://schemas.openxmlformats.org/markup-compatibility/2006">
+        <mc:Choice xmlns:p14="http://schemas.microsoft.com/office/powerpoint/2010/main" Requires="p14">
+          <p:contentPart p14:bwMode="auto" r:id="rId7">
+            <p14:nvContentPartPr>
+              <p14:cNvPr id="10" name="Ink 9">
+                <a:extLst>
+                  <a:ext uri="{FF2B5EF4-FFF2-40B4-BE49-F238E27FC236}">
+                    <a16:creationId xmlns:a16="http://schemas.microsoft.com/office/drawing/2014/main" id="{19B3BC6E-F76A-44F1-B929-092F388F79CC}"/>
+                  </a:ext>
+                </a:extLst>
+              </p14:cNvPr>
+              <p14:cNvContentPartPr/>
+              <p14:nvPr/>
+            </p14:nvContentPartPr>
+            <p14:xfrm>
+              <a:off x="5548126" y="1950868"/>
+              <a:ext cx="139320" cy="112320"/>
+            </p14:xfrm>
+          </p:contentPart>
+        </mc:Choice>
+        <mc:Fallback>
+          <p:pic>
+            <p:nvPicPr>
+              <p:cNvPr id="10" name="Ink 9">
+                <a:extLst>
+                  <a:ext uri="{FF2B5EF4-FFF2-40B4-BE49-F238E27FC236}">
+                    <a16:creationId xmlns:a16="http://schemas.microsoft.com/office/drawing/2014/main" id="{19B3BC6E-F76A-44F1-B929-092F388F79CC}"/>
+                  </a:ext>
+                </a:extLst>
+              </p:cNvPr>
+              <p:cNvPicPr/>
+              <p:nvPr/>
+            </p:nvPicPr>
+            <p:blipFill>
+              <a:blip r:embed="rId8"/>
+              <a:stretch>
+                <a:fillRect/>
+              </a:stretch>
+            </p:blipFill>
+            <p:spPr>
+              <a:xfrm>
+                <a:off x="5539126" y="1942228"/>
+                <a:ext cx="156960" cy="129960"/>
+              </a:xfrm>
+              <a:prstGeom prst="rect">
+                <a:avLst/>
+              </a:prstGeom>
+            </p:spPr>
+          </p:pic>
+        </mc:Fallback>
+      </mc:AlternateContent>
+      <mc:AlternateContent xmlns:mc="http://schemas.openxmlformats.org/markup-compatibility/2006">
+        <mc:Choice xmlns:p14="http://schemas.microsoft.com/office/powerpoint/2010/main" Requires="p14">
+          <p:contentPart p14:bwMode="auto" r:id="rId9">
+            <p14:nvContentPartPr>
+              <p14:cNvPr id="11" name="Ink 10">
+                <a:extLst>
+                  <a:ext uri="{FF2B5EF4-FFF2-40B4-BE49-F238E27FC236}">
+                    <a16:creationId xmlns:a16="http://schemas.microsoft.com/office/drawing/2014/main" id="{5E1DE0A0-CE8E-47C5-9F18-EF6B6D1D3251}"/>
+                  </a:ext>
+                </a:extLst>
+              </p14:cNvPr>
+              <p14:cNvContentPartPr/>
+              <p14:nvPr/>
+            </p14:nvContentPartPr>
+            <p14:xfrm>
+              <a:off x="5723446" y="1964548"/>
+              <a:ext cx="97560" cy="141120"/>
+            </p14:xfrm>
+          </p:contentPart>
+        </mc:Choice>
+        <mc:Fallback>
+          <p:pic>
+            <p:nvPicPr>
+              <p:cNvPr id="11" name="Ink 10">
+                <a:extLst>
+                  <a:ext uri="{FF2B5EF4-FFF2-40B4-BE49-F238E27FC236}">
+                    <a16:creationId xmlns:a16="http://schemas.microsoft.com/office/drawing/2014/main" id="{5E1DE0A0-CE8E-47C5-9F18-EF6B6D1D3251}"/>
+                  </a:ext>
+                </a:extLst>
+              </p:cNvPr>
+              <p:cNvPicPr/>
+              <p:nvPr/>
+            </p:nvPicPr>
+            <p:blipFill>
+              <a:blip r:embed="rId10"/>
+              <a:stretch>
+                <a:fillRect/>
+              </a:stretch>
+            </p:blipFill>
+            <p:spPr>
+              <a:xfrm>
+                <a:off x="5714806" y="1955908"/>
+                <a:ext cx="115200" cy="158760"/>
+              </a:xfrm>
+              <a:prstGeom prst="rect">
+                <a:avLst/>
+              </a:prstGeom>
+            </p:spPr>
+          </p:pic>
+        </mc:Fallback>
+      </mc:AlternateContent>
+      <mc:AlternateContent xmlns:mc="http://schemas.openxmlformats.org/markup-compatibility/2006">
+        <mc:Choice xmlns:p14="http://schemas.microsoft.com/office/powerpoint/2010/main" Requires="p14">
+          <p:contentPart p14:bwMode="auto" r:id="rId11">
+            <p14:nvContentPartPr>
+              <p14:cNvPr id="12" name="Ink 11">
+                <a:extLst>
+                  <a:ext uri="{FF2B5EF4-FFF2-40B4-BE49-F238E27FC236}">
+                    <a16:creationId xmlns:a16="http://schemas.microsoft.com/office/drawing/2014/main" id="{679D285C-2971-4BA7-985D-7C3708C5B48E}"/>
+                  </a:ext>
+                </a:extLst>
+              </p14:cNvPr>
+              <p14:cNvContentPartPr/>
+              <p14:nvPr/>
+            </p14:nvContentPartPr>
+            <p14:xfrm>
+              <a:off x="5851966" y="1960228"/>
+              <a:ext cx="124920" cy="141840"/>
+            </p14:xfrm>
+          </p:contentPart>
+        </mc:Choice>
+        <mc:Fallback>
+          <p:pic>
+            <p:nvPicPr>
+              <p:cNvPr id="12" name="Ink 11">
+                <a:extLst>
+                  <a:ext uri="{FF2B5EF4-FFF2-40B4-BE49-F238E27FC236}">
+                    <a16:creationId xmlns:a16="http://schemas.microsoft.com/office/drawing/2014/main" id="{679D285C-2971-4BA7-985D-7C3708C5B48E}"/>
+                  </a:ext>
+                </a:extLst>
+              </p:cNvPr>
+              <p:cNvPicPr/>
+              <p:nvPr/>
+            </p:nvPicPr>
+            <p:blipFill>
+              <a:blip r:embed="rId12"/>
+              <a:stretch>
+                <a:fillRect/>
+              </a:stretch>
+            </p:blipFill>
+            <p:spPr>
+              <a:xfrm>
+                <a:off x="5842966" y="1951588"/>
+                <a:ext cx="142560" cy="159480"/>
+              </a:xfrm>
+              <a:prstGeom prst="rect">
+                <a:avLst/>
+              </a:prstGeom>
+            </p:spPr>
+          </p:pic>
+        </mc:Fallback>
+      </mc:AlternateContent>
+      <mc:AlternateContent xmlns:mc="http://schemas.openxmlformats.org/markup-compatibility/2006">
+        <mc:Choice xmlns:p14="http://schemas.microsoft.com/office/powerpoint/2010/main" Requires="p14">
+          <p:contentPart p14:bwMode="auto" r:id="rId13">
+            <p14:nvContentPartPr>
+              <p14:cNvPr id="13" name="Ink 12">
+                <a:extLst>
+                  <a:ext uri="{FF2B5EF4-FFF2-40B4-BE49-F238E27FC236}">
+                    <a16:creationId xmlns:a16="http://schemas.microsoft.com/office/drawing/2014/main" id="{E7C14776-6C5D-4D97-980C-560B3E123EF5}"/>
+                  </a:ext>
+                </a:extLst>
+              </p14:cNvPr>
+              <p14:cNvContentPartPr/>
+              <p14:nvPr/>
+            </p14:nvContentPartPr>
+            <p14:xfrm>
+              <a:off x="6064726" y="1827388"/>
+              <a:ext cx="165600" cy="293400"/>
+            </p14:xfrm>
+          </p:contentPart>
+        </mc:Choice>
+        <mc:Fallback>
+          <p:pic>
+            <p:nvPicPr>
+              <p:cNvPr id="13" name="Ink 12">
+                <a:extLst>
+                  <a:ext uri="{FF2B5EF4-FFF2-40B4-BE49-F238E27FC236}">
+                    <a16:creationId xmlns:a16="http://schemas.microsoft.com/office/drawing/2014/main" id="{E7C14776-6C5D-4D97-980C-560B3E123EF5}"/>
+                  </a:ext>
+                </a:extLst>
+              </p:cNvPr>
+              <p:cNvPicPr/>
+              <p:nvPr/>
+            </p:nvPicPr>
+            <p:blipFill>
+              <a:blip r:embed="rId14"/>
+              <a:stretch>
+                <a:fillRect/>
+              </a:stretch>
+            </p:blipFill>
+            <p:spPr>
+              <a:xfrm>
+                <a:off x="6055726" y="1818748"/>
+                <a:ext cx="183240" cy="311040"/>
+              </a:xfrm>
+              <a:prstGeom prst="rect">
+                <a:avLst/>
+              </a:prstGeom>
+            </p:spPr>
+          </p:pic>
+        </mc:Fallback>
+      </mc:AlternateContent>
+      <mc:AlternateContent xmlns:mc="http://schemas.openxmlformats.org/markup-compatibility/2006">
+        <mc:Choice xmlns:p14="http://schemas.microsoft.com/office/powerpoint/2010/main" Requires="p14">
+          <p:contentPart p14:bwMode="auto" r:id="rId15">
+            <p14:nvContentPartPr>
+              <p14:cNvPr id="14" name="Ink 13">
+                <a:extLst>
+                  <a:ext uri="{FF2B5EF4-FFF2-40B4-BE49-F238E27FC236}">
+                    <a16:creationId xmlns:a16="http://schemas.microsoft.com/office/drawing/2014/main" id="{1C3F78B5-7397-4794-AA44-85F12EF0DC8F}"/>
+                  </a:ext>
+                </a:extLst>
+              </p14:cNvPr>
+              <p14:cNvContentPartPr/>
+              <p14:nvPr/>
+            </p14:nvContentPartPr>
+            <p14:xfrm>
+              <a:off x="6252646" y="1862308"/>
+              <a:ext cx="166320" cy="246600"/>
+            </p14:xfrm>
+          </p:contentPart>
+        </mc:Choice>
+        <mc:Fallback>
+          <p:pic>
+            <p:nvPicPr>
+              <p:cNvPr id="14" name="Ink 13">
+                <a:extLst>
+                  <a:ext uri="{FF2B5EF4-FFF2-40B4-BE49-F238E27FC236}">
+                    <a16:creationId xmlns:a16="http://schemas.microsoft.com/office/drawing/2014/main" id="{1C3F78B5-7397-4794-AA44-85F12EF0DC8F}"/>
+                  </a:ext>
+                </a:extLst>
+              </p:cNvPr>
+              <p:cNvPicPr/>
+              <p:nvPr/>
+            </p:nvPicPr>
+            <p:blipFill>
+              <a:blip r:embed="rId16"/>
+              <a:stretch>
+                <a:fillRect/>
+              </a:stretch>
+            </p:blipFill>
+            <p:spPr>
+              <a:xfrm>
+                <a:off x="6243646" y="1853668"/>
+                <a:ext cx="183960" cy="264240"/>
+              </a:xfrm>
+              <a:prstGeom prst="rect">
+                <a:avLst/>
+              </a:prstGeom>
+            </p:spPr>
+          </p:pic>
+        </mc:Fallback>
+      </mc:AlternateContent>
+      <mc:AlternateContent xmlns:mc="http://schemas.openxmlformats.org/markup-compatibility/2006">
+        <mc:Choice xmlns:p14="http://schemas.microsoft.com/office/powerpoint/2010/main" Requires="p14">
+          <p:contentPart p14:bwMode="auto" r:id="rId17">
+            <p14:nvContentPartPr>
+              <p14:cNvPr id="15" name="Ink 14">
+                <a:extLst>
+                  <a:ext uri="{FF2B5EF4-FFF2-40B4-BE49-F238E27FC236}">
+                    <a16:creationId xmlns:a16="http://schemas.microsoft.com/office/drawing/2014/main" id="{26505492-2B80-43F8-B924-F0F4FD79DF68}"/>
+                  </a:ext>
+                </a:extLst>
+              </p14:cNvPr>
+              <p14:cNvContentPartPr/>
+              <p14:nvPr/>
+            </p14:nvContentPartPr>
+            <p14:xfrm>
+              <a:off x="6423646" y="1966708"/>
+              <a:ext cx="159840" cy="151200"/>
+            </p14:xfrm>
+          </p:contentPart>
+        </mc:Choice>
+        <mc:Fallback>
+          <p:pic>
+            <p:nvPicPr>
+              <p:cNvPr id="15" name="Ink 14">
+                <a:extLst>
+                  <a:ext uri="{FF2B5EF4-FFF2-40B4-BE49-F238E27FC236}">
+                    <a16:creationId xmlns:a16="http://schemas.microsoft.com/office/drawing/2014/main" id="{26505492-2B80-43F8-B924-F0F4FD79DF68}"/>
+                  </a:ext>
+                </a:extLst>
+              </p:cNvPr>
+              <p:cNvPicPr/>
+              <p:nvPr/>
+            </p:nvPicPr>
+            <p:blipFill>
+              <a:blip r:embed="rId18"/>
+              <a:stretch>
+                <a:fillRect/>
+              </a:stretch>
+            </p:blipFill>
+            <p:spPr>
+              <a:xfrm>
+                <a:off x="6414646" y="1958068"/>
+                <a:ext cx="177480" cy="168840"/>
+              </a:xfrm>
+              <a:prstGeom prst="rect">
+                <a:avLst/>
+              </a:prstGeom>
+            </p:spPr>
+          </p:pic>
+        </mc:Fallback>
+      </mc:AlternateContent>
+      <mc:AlternateContent xmlns:mc="http://schemas.openxmlformats.org/markup-compatibility/2006">
+        <mc:Choice xmlns:p14="http://schemas.microsoft.com/office/powerpoint/2010/main" Requires="p14">
+          <p:contentPart p14:bwMode="auto" r:id="rId19">
+            <p14:nvContentPartPr>
+              <p14:cNvPr id="16" name="Ink 15">
+                <a:extLst>
+                  <a:ext uri="{FF2B5EF4-FFF2-40B4-BE49-F238E27FC236}">
+                    <a16:creationId xmlns:a16="http://schemas.microsoft.com/office/drawing/2014/main" id="{F9F3E37B-B24B-4715-840F-26DF0F316043}"/>
+                  </a:ext>
+                </a:extLst>
+              </p14:cNvPr>
+              <p14:cNvContentPartPr/>
+              <p14:nvPr/>
+            </p14:nvContentPartPr>
+            <p14:xfrm>
+              <a:off x="6653686" y="1972468"/>
+              <a:ext cx="21600" cy="156960"/>
+            </p14:xfrm>
+          </p:contentPart>
+        </mc:Choice>
+        <mc:Fallback>
+          <p:pic>
+            <p:nvPicPr>
+              <p:cNvPr id="16" name="Ink 15">
+                <a:extLst>
+                  <a:ext uri="{FF2B5EF4-FFF2-40B4-BE49-F238E27FC236}">
+                    <a16:creationId xmlns:a16="http://schemas.microsoft.com/office/drawing/2014/main" id="{F9F3E37B-B24B-4715-840F-26DF0F316043}"/>
+                  </a:ext>
+                </a:extLst>
+              </p:cNvPr>
+              <p:cNvPicPr/>
+              <p:nvPr/>
+            </p:nvPicPr>
+            <p:blipFill>
+              <a:blip r:embed="rId20"/>
+              <a:stretch>
+                <a:fillRect/>
+              </a:stretch>
+            </p:blipFill>
+            <p:spPr>
+              <a:xfrm>
+                <a:off x="6645046" y="1963468"/>
+                <a:ext cx="39240" cy="174600"/>
+              </a:xfrm>
+              <a:prstGeom prst="rect">
+                <a:avLst/>
+              </a:prstGeom>
+            </p:spPr>
+          </p:pic>
+        </mc:Fallback>
+      </mc:AlternateContent>
+      <mc:AlternateContent xmlns:mc="http://schemas.openxmlformats.org/markup-compatibility/2006">
+        <mc:Choice xmlns:p14="http://schemas.microsoft.com/office/powerpoint/2010/main" Requires="p14">
+          <p:contentPart p14:bwMode="auto" r:id="rId21">
+            <p14:nvContentPartPr>
+              <p14:cNvPr id="17" name="Ink 16">
+                <a:extLst>
+                  <a:ext uri="{FF2B5EF4-FFF2-40B4-BE49-F238E27FC236}">
+                    <a16:creationId xmlns:a16="http://schemas.microsoft.com/office/drawing/2014/main" id="{266E070F-1953-42F8-A573-B3ECF56458F8}"/>
+                  </a:ext>
+                </a:extLst>
+              </p14:cNvPr>
+              <p14:cNvContentPartPr/>
+              <p14:nvPr/>
+            </p14:nvContentPartPr>
+            <p14:xfrm>
+              <a:off x="6608686" y="1856548"/>
+              <a:ext cx="1080" cy="18360"/>
+            </p14:xfrm>
+          </p:contentPart>
+        </mc:Choice>
+        <mc:Fallback>
+          <p:pic>
+            <p:nvPicPr>
+              <p:cNvPr id="17" name="Ink 16">
+                <a:extLst>
+                  <a:ext uri="{FF2B5EF4-FFF2-40B4-BE49-F238E27FC236}">
+                    <a16:creationId xmlns:a16="http://schemas.microsoft.com/office/drawing/2014/main" id="{266E070F-1953-42F8-A573-B3ECF56458F8}"/>
+                  </a:ext>
+                </a:extLst>
+              </p:cNvPr>
+              <p:cNvPicPr/>
+              <p:nvPr/>
+            </p:nvPicPr>
+            <p:blipFill>
+              <a:blip r:embed="rId22"/>
+              <a:stretch>
+                <a:fillRect/>
+              </a:stretch>
+            </p:blipFill>
+            <p:spPr>
+              <a:xfrm>
+                <a:off x="6600046" y="1847908"/>
+                <a:ext cx="18720" cy="36000"/>
+              </a:xfrm>
+              <a:prstGeom prst="rect">
+                <a:avLst/>
+              </a:prstGeom>
+            </p:spPr>
+          </p:pic>
+        </mc:Fallback>
+      </mc:AlternateContent>
+      <mc:AlternateContent xmlns:mc="http://schemas.openxmlformats.org/markup-compatibility/2006">
+        <mc:Choice xmlns:p14="http://schemas.microsoft.com/office/powerpoint/2010/main" Requires="p14">
+          <p:contentPart p14:bwMode="auto" r:id="rId23">
+            <p14:nvContentPartPr>
+              <p14:cNvPr id="18" name="Ink 17">
+                <a:extLst>
+                  <a:ext uri="{FF2B5EF4-FFF2-40B4-BE49-F238E27FC236}">
+                    <a16:creationId xmlns:a16="http://schemas.microsoft.com/office/drawing/2014/main" id="{E46C793F-F6C1-4CC9-8B54-C843E7EE5CF2}"/>
+                  </a:ext>
+                </a:extLst>
+              </p14:cNvPr>
+              <p14:cNvContentPartPr/>
+              <p14:nvPr/>
+            </p14:nvContentPartPr>
+            <p14:xfrm>
+              <a:off x="6677806" y="1797868"/>
+              <a:ext cx="222840" cy="361800"/>
+            </p14:xfrm>
+          </p:contentPart>
+        </mc:Choice>
+        <mc:Fallback>
+          <p:pic>
+            <p:nvPicPr>
+              <p:cNvPr id="18" name="Ink 17">
+                <a:extLst>
+                  <a:ext uri="{FF2B5EF4-FFF2-40B4-BE49-F238E27FC236}">
+                    <a16:creationId xmlns:a16="http://schemas.microsoft.com/office/drawing/2014/main" id="{E46C793F-F6C1-4CC9-8B54-C843E7EE5CF2}"/>
+                  </a:ext>
+                </a:extLst>
+              </p:cNvPr>
+              <p:cNvPicPr/>
+              <p:nvPr/>
+            </p:nvPicPr>
+            <p:blipFill>
+              <a:blip r:embed="rId24"/>
+              <a:stretch>
+                <a:fillRect/>
+              </a:stretch>
+            </p:blipFill>
+            <p:spPr>
+              <a:xfrm>
+                <a:off x="6668806" y="1789228"/>
+                <a:ext cx="240480" cy="379440"/>
+              </a:xfrm>
+              <a:prstGeom prst="rect">
+                <a:avLst/>
+              </a:prstGeom>
+            </p:spPr>
+          </p:pic>
+        </mc:Fallback>
+      </mc:AlternateContent>
+      <mc:AlternateContent xmlns:mc="http://schemas.openxmlformats.org/markup-compatibility/2006">
+        <mc:Choice xmlns:p14="http://schemas.microsoft.com/office/powerpoint/2010/main" Requires="p14">
+          <p:contentPart p14:bwMode="auto" r:id="rId25">
+            <p14:nvContentPartPr>
+              <p14:cNvPr id="19" name="Ink 18">
+                <a:extLst>
+                  <a:ext uri="{FF2B5EF4-FFF2-40B4-BE49-F238E27FC236}">
+                    <a16:creationId xmlns:a16="http://schemas.microsoft.com/office/drawing/2014/main" id="{1514C1EE-5831-4E1A-8763-E131E4E1D566}"/>
+                  </a:ext>
+                </a:extLst>
+              </p14:cNvPr>
+              <p14:cNvContentPartPr/>
+              <p14:nvPr/>
+            </p14:nvContentPartPr>
+            <p14:xfrm>
+              <a:off x="6912166" y="1952668"/>
+              <a:ext cx="156600" cy="160920"/>
+            </p14:xfrm>
+          </p:contentPart>
+        </mc:Choice>
+        <mc:Fallback>
+          <p:pic>
+            <p:nvPicPr>
+              <p:cNvPr id="19" name="Ink 18">
+                <a:extLst>
+                  <a:ext uri="{FF2B5EF4-FFF2-40B4-BE49-F238E27FC236}">
+                    <a16:creationId xmlns:a16="http://schemas.microsoft.com/office/drawing/2014/main" id="{1514C1EE-5831-4E1A-8763-E131E4E1D566}"/>
+                  </a:ext>
+                </a:extLst>
+              </p:cNvPr>
+              <p:cNvPicPr/>
+              <p:nvPr/>
+            </p:nvPicPr>
+            <p:blipFill>
+              <a:blip r:embed="rId26"/>
+              <a:stretch>
+                <a:fillRect/>
+              </a:stretch>
+            </p:blipFill>
+            <p:spPr>
+              <a:xfrm>
+                <a:off x="6903166" y="1944028"/>
+                <a:ext cx="174240" cy="178560"/>
+              </a:xfrm>
+              <a:prstGeom prst="rect">
+                <a:avLst/>
+              </a:prstGeom>
+            </p:spPr>
+          </p:pic>
+        </mc:Fallback>
+      </mc:AlternateContent>
+      <mc:AlternateContent xmlns:mc="http://schemas.openxmlformats.org/markup-compatibility/2006">
+        <mc:Choice xmlns:p14="http://schemas.microsoft.com/office/powerpoint/2010/main" Requires="p14">
+          <p:contentPart p14:bwMode="auto" r:id="rId27">
+            <p14:nvContentPartPr>
+              <p14:cNvPr id="20" name="Ink 19">
+                <a:extLst>
+                  <a:ext uri="{FF2B5EF4-FFF2-40B4-BE49-F238E27FC236}">
+                    <a16:creationId xmlns:a16="http://schemas.microsoft.com/office/drawing/2014/main" id="{4D94736B-D5C1-459B-903F-76747F22D7A6}"/>
+                  </a:ext>
+                </a:extLst>
+              </p14:cNvPr>
+              <p14:cNvContentPartPr/>
+              <p14:nvPr/>
+            </p14:nvContentPartPr>
+            <p14:xfrm>
+              <a:off x="7034926" y="1763308"/>
+              <a:ext cx="213480" cy="406080"/>
+            </p14:xfrm>
+          </p:contentPart>
+        </mc:Choice>
+        <mc:Fallback>
+          <p:pic>
+            <p:nvPicPr>
+              <p:cNvPr id="20" name="Ink 19">
+                <a:extLst>
+                  <a:ext uri="{FF2B5EF4-FFF2-40B4-BE49-F238E27FC236}">
+                    <a16:creationId xmlns:a16="http://schemas.microsoft.com/office/drawing/2014/main" id="{4D94736B-D5C1-459B-903F-76747F22D7A6}"/>
+                  </a:ext>
+                </a:extLst>
+              </p:cNvPr>
+              <p:cNvPicPr/>
+              <p:nvPr/>
+            </p:nvPicPr>
+            <p:blipFill>
+              <a:blip r:embed="rId28"/>
+              <a:stretch>
+                <a:fillRect/>
+              </a:stretch>
+            </p:blipFill>
+            <p:spPr>
+              <a:xfrm>
+                <a:off x="7026286" y="1754308"/>
+                <a:ext cx="231120" cy="423720"/>
+              </a:xfrm>
+              <a:prstGeom prst="rect">
+                <a:avLst/>
+              </a:prstGeom>
+            </p:spPr>
+          </p:pic>
+        </mc:Fallback>
+      </mc:AlternateContent>
+    </p:spTree>
+    <p:extLst>
+      <p:ext uri="{BB962C8B-B14F-4D97-AF65-F5344CB8AC3E}">
+        <p14:creationId xmlns:p14="http://schemas.microsoft.com/office/powerpoint/2010/main" val="4008126925"/>
+      </p:ext>
+    </p:extLst>
+  </p:cSld>
+  <p:clrMapOvr>
+    <a:masterClrMapping/>
+  </p:clrMapOvr>
+</p:sld>
+</file>
+
+<file path=ppt/slides/slide13.xml><?xml version="1.0" encoding="utf-8"?>
+<p:sld xmlns:a="http://schemas.openxmlformats.org/drawingml/2006/main" xmlns:r="http://schemas.openxmlformats.org/officeDocument/2006/relationships" xmlns:p="http://schemas.openxmlformats.org/presentationml/2006/main">
+  <p:cSld>
+    <p:spTree>
+      <p:nvGrpSpPr>
+        <p:cNvPr id="1" name=""/>
+        <p:cNvGrpSpPr/>
+        <p:nvPr/>
+      </p:nvGrpSpPr>
+      <p:grpSpPr>
+        <a:xfrm>
+          <a:off x="0" y="0"/>
+          <a:ext cx="0" cy="0"/>
+          <a:chOff x="0" y="0"/>
+          <a:chExt cx="0" cy="0"/>
+        </a:xfrm>
+      </p:grpSpPr>
+      <p:sp>
+        <p:nvSpPr>
+          <p:cNvPr id="2" name="Title 1">
+            <a:extLst>
+              <a:ext uri="{FF2B5EF4-FFF2-40B4-BE49-F238E27FC236}">
+                <a16:creationId xmlns:a16="http://schemas.microsoft.com/office/drawing/2014/main" id="{A1F1EF32-0206-4DBB-A385-F93D9CA33812}"/>
+              </a:ext>
+            </a:extLst>
+          </p:cNvPr>
+          <p:cNvSpPr>
+            <a:spLocks noGrp="1"/>
+          </p:cNvSpPr>
+          <p:nvPr>
+            <p:ph type="title"/>
+          </p:nvPr>
+        </p:nvSpPr>
+        <p:spPr/>
+        <p:txBody>
+          <a:bodyPr/>
+          <a:lstStyle/>
+          <a:p>
+            <a:r>
+              <a:rPr lang="en-US" dirty="0"/>
+              <a:t>Topologies Tested</a:t>
+            </a:r>
+          </a:p>
+        </p:txBody>
+      </p:sp>
+      <p:pic>
+        <p:nvPicPr>
+          <p:cNvPr id="4" name="Content Placeholder 3" descr="Diagram, shape&#10;&#10;Description automatically generated">
+            <a:extLst>
+              <a:ext uri="{FF2B5EF4-FFF2-40B4-BE49-F238E27FC236}">
+                <a16:creationId xmlns:a16="http://schemas.microsoft.com/office/drawing/2014/main" id="{D2CECE45-59FC-46CD-877A-71BF908F7DD7}"/>
+              </a:ext>
+            </a:extLst>
+          </p:cNvPr>
+          <p:cNvPicPr>
+            <a:picLocks noGrp="1" noChangeAspect="1"/>
+          </p:cNvPicPr>
+          <p:nvPr>
+            <p:ph idx="1"/>
+          </p:nvPr>
+        </p:nvPicPr>
+        <p:blipFill>
+          <a:blip r:embed="rId2">
+            <a:extLst>
+              <a:ext uri="{28A0092B-C50C-407E-A947-70E740481C1C}">
+                <a14:useLocalDpi xmlns:a14="http://schemas.microsoft.com/office/drawing/2010/main" val="0"/>
+              </a:ext>
+            </a:extLst>
+          </a:blip>
+          <a:stretch>
+            <a:fillRect/>
+          </a:stretch>
+        </p:blipFill>
+        <p:spPr>
+          <a:xfrm>
+            <a:off x="3436389" y="2530506"/>
+            <a:ext cx="5319221" cy="2941575"/>
+          </a:xfrm>
+          <a:prstGeom prst="rect">
+            <a:avLst/>
+          </a:prstGeom>
+        </p:spPr>
+      </p:pic>
+      <p:grpSp>
+        <p:nvGrpSpPr>
+          <p:cNvPr id="18" name="Group 17">
+            <a:extLst>
+              <a:ext uri="{FF2B5EF4-FFF2-40B4-BE49-F238E27FC236}">
+                <a16:creationId xmlns:a16="http://schemas.microsoft.com/office/drawing/2014/main" id="{3E45E421-E2A0-4EFF-848E-A2982A65EC05}"/>
+              </a:ext>
+            </a:extLst>
+          </p:cNvPr>
+          <p:cNvGrpSpPr/>
+          <p:nvPr/>
+        </p:nvGrpSpPr>
+        <p:grpSpPr>
+          <a:xfrm>
+            <a:off x="5167966" y="1683028"/>
+            <a:ext cx="2473920" cy="713520"/>
+            <a:chOff x="5167966" y="1683028"/>
+            <a:chExt cx="2473920" cy="713520"/>
+          </a:xfrm>
+        </p:grpSpPr>
+        <mc:AlternateContent xmlns:mc="http://schemas.openxmlformats.org/markup-compatibility/2006">
+          <mc:Choice xmlns:p14="http://schemas.microsoft.com/office/powerpoint/2010/main" Requires="p14">
+            <p:contentPart p14:bwMode="auto" r:id="rId3">
+              <p14:nvContentPartPr>
+                <p14:cNvPr id="5" name="Ink 4">
+                  <a:extLst>
+                    <a:ext uri="{FF2B5EF4-FFF2-40B4-BE49-F238E27FC236}">
+                      <a16:creationId xmlns:a16="http://schemas.microsoft.com/office/drawing/2014/main" id="{A22FFA9F-F9C4-4F4C-8777-8FB000972A7F}"/>
+                    </a:ext>
+                  </a:extLst>
+                </p14:cNvPr>
+                <p14:cNvContentPartPr/>
+                <p14:nvPr/>
+              </p14:nvContentPartPr>
+              <p14:xfrm>
+                <a:off x="5167966" y="1840708"/>
+                <a:ext cx="194760" cy="294480"/>
+              </p14:xfrm>
+            </p:contentPart>
+          </mc:Choice>
+          <mc:Fallback>
+            <p:pic>
+              <p:nvPicPr>
+                <p:cNvPr id="5" name="Ink 4">
+                  <a:extLst>
+                    <a:ext uri="{FF2B5EF4-FFF2-40B4-BE49-F238E27FC236}">
+                      <a16:creationId xmlns:a16="http://schemas.microsoft.com/office/drawing/2014/main" id="{A22FFA9F-F9C4-4F4C-8777-8FB000972A7F}"/>
+                    </a:ext>
+                  </a:extLst>
+                </p:cNvPr>
+                <p:cNvPicPr/>
+                <p:nvPr/>
+              </p:nvPicPr>
+              <p:blipFill>
+                <a:blip r:embed="rId4"/>
+                <a:stretch>
+                  <a:fillRect/>
+                </a:stretch>
+              </p:blipFill>
+              <p:spPr>
+                <a:xfrm>
+                  <a:off x="5159326" y="1831708"/>
+                  <a:ext cx="212400" cy="312120"/>
+                </a:xfrm>
+                <a:prstGeom prst="rect">
+                  <a:avLst/>
+                </a:prstGeom>
+              </p:spPr>
+            </p:pic>
+          </mc:Fallback>
+        </mc:AlternateContent>
+        <mc:AlternateContent xmlns:mc="http://schemas.openxmlformats.org/markup-compatibility/2006">
+          <mc:Choice xmlns:p14="http://schemas.microsoft.com/office/powerpoint/2010/main" Requires="p14">
+            <p:contentPart p14:bwMode="auto" r:id="rId5">
+              <p14:nvContentPartPr>
+                <p14:cNvPr id="6" name="Ink 5">
+                  <a:extLst>
+                    <a:ext uri="{FF2B5EF4-FFF2-40B4-BE49-F238E27FC236}">
+                      <a16:creationId xmlns:a16="http://schemas.microsoft.com/office/drawing/2014/main" id="{AD66834B-58A5-46FB-A203-88EC5208F52F}"/>
+                    </a:ext>
+                  </a:extLst>
+                </p14:cNvPr>
+                <p14:cNvContentPartPr/>
+                <p14:nvPr/>
+              </p14:nvContentPartPr>
+              <p14:xfrm>
+                <a:off x="5422486" y="1930708"/>
+                <a:ext cx="17640" cy="465840"/>
+              </p14:xfrm>
+            </p:contentPart>
+          </mc:Choice>
+          <mc:Fallback>
+            <p:pic>
+              <p:nvPicPr>
+                <p:cNvPr id="6" name="Ink 5">
+                  <a:extLst>
+                    <a:ext uri="{FF2B5EF4-FFF2-40B4-BE49-F238E27FC236}">
+                      <a16:creationId xmlns:a16="http://schemas.microsoft.com/office/drawing/2014/main" id="{AD66834B-58A5-46FB-A203-88EC5208F52F}"/>
+                    </a:ext>
+                  </a:extLst>
+                </p:cNvPr>
+                <p:cNvPicPr/>
+                <p:nvPr/>
+              </p:nvPicPr>
+              <p:blipFill>
+                <a:blip r:embed="rId6"/>
+                <a:stretch>
+                  <a:fillRect/>
+                </a:stretch>
+              </p:blipFill>
+              <p:spPr>
+                <a:xfrm>
+                  <a:off x="5413846" y="1921708"/>
+                  <a:ext cx="35280" cy="483480"/>
+                </a:xfrm>
+                <a:prstGeom prst="rect">
+                  <a:avLst/>
+                </a:prstGeom>
+              </p:spPr>
+            </p:pic>
+          </mc:Fallback>
+        </mc:AlternateContent>
+        <mc:AlternateContent xmlns:mc="http://schemas.openxmlformats.org/markup-compatibility/2006">
+          <mc:Choice xmlns:p14="http://schemas.microsoft.com/office/powerpoint/2010/main" Requires="p14">
+            <p:contentPart p14:bwMode="auto" r:id="rId7">
+              <p14:nvContentPartPr>
+                <p14:cNvPr id="7" name="Ink 6">
+                  <a:extLst>
+                    <a:ext uri="{FF2B5EF4-FFF2-40B4-BE49-F238E27FC236}">
+                      <a16:creationId xmlns:a16="http://schemas.microsoft.com/office/drawing/2014/main" id="{50C2284B-C428-4252-91E0-5D065119116C}"/>
+                    </a:ext>
+                  </a:extLst>
+                </p14:cNvPr>
+                <p14:cNvContentPartPr/>
+                <p14:nvPr/>
+              </p14:nvContentPartPr>
+              <p14:xfrm>
+                <a:off x="5378566" y="1961308"/>
+                <a:ext cx="236520" cy="162720"/>
+              </p14:xfrm>
+            </p:contentPart>
+          </mc:Choice>
+          <mc:Fallback>
+            <p:pic>
+              <p:nvPicPr>
+                <p:cNvPr id="7" name="Ink 6">
+                  <a:extLst>
+                    <a:ext uri="{FF2B5EF4-FFF2-40B4-BE49-F238E27FC236}">
+                      <a16:creationId xmlns:a16="http://schemas.microsoft.com/office/drawing/2014/main" id="{50C2284B-C428-4252-91E0-5D065119116C}"/>
+                    </a:ext>
+                  </a:extLst>
+                </p:cNvPr>
+                <p:cNvPicPr/>
+                <p:nvPr/>
+              </p:nvPicPr>
+              <p:blipFill>
+                <a:blip r:embed="rId8"/>
+                <a:stretch>
+                  <a:fillRect/>
+                </a:stretch>
+              </p:blipFill>
+              <p:spPr>
+                <a:xfrm>
+                  <a:off x="5369926" y="1952308"/>
+                  <a:ext cx="254160" cy="180360"/>
+                </a:xfrm>
+                <a:prstGeom prst="rect">
+                  <a:avLst/>
+                </a:prstGeom>
+              </p:spPr>
+            </p:pic>
+          </mc:Fallback>
+        </mc:AlternateContent>
+        <mc:AlternateContent xmlns:mc="http://schemas.openxmlformats.org/markup-compatibility/2006">
+          <mc:Choice xmlns:p14="http://schemas.microsoft.com/office/powerpoint/2010/main" Requires="p14">
+            <p:contentPart p14:bwMode="auto" r:id="rId9">
+              <p14:nvContentPartPr>
+                <p14:cNvPr id="8" name="Ink 7">
+                  <a:extLst>
+                    <a:ext uri="{FF2B5EF4-FFF2-40B4-BE49-F238E27FC236}">
+                      <a16:creationId xmlns:a16="http://schemas.microsoft.com/office/drawing/2014/main" id="{50E153DB-4889-48FC-8D02-2096AE5431AA}"/>
+                    </a:ext>
+                  </a:extLst>
+                </p14:cNvPr>
+                <p14:cNvContentPartPr/>
+                <p14:nvPr/>
+              </p14:nvContentPartPr>
+              <p14:xfrm>
+                <a:off x="5635966" y="1947628"/>
+                <a:ext cx="181440" cy="160920"/>
+              </p14:xfrm>
+            </p:contentPart>
+          </mc:Choice>
+          <mc:Fallback>
+            <p:pic>
+              <p:nvPicPr>
+                <p:cNvPr id="8" name="Ink 7">
+                  <a:extLst>
+                    <a:ext uri="{FF2B5EF4-FFF2-40B4-BE49-F238E27FC236}">
+                      <a16:creationId xmlns:a16="http://schemas.microsoft.com/office/drawing/2014/main" id="{50E153DB-4889-48FC-8D02-2096AE5431AA}"/>
+                    </a:ext>
+                  </a:extLst>
+                </p:cNvPr>
+                <p:cNvPicPr/>
+                <p:nvPr/>
+              </p:nvPicPr>
+              <p:blipFill>
+                <a:blip r:embed="rId10"/>
+                <a:stretch>
+                  <a:fillRect/>
+                </a:stretch>
+              </p:blipFill>
+              <p:spPr>
+                <a:xfrm>
+                  <a:off x="5627326" y="1938628"/>
+                  <a:ext cx="199080" cy="178560"/>
+                </a:xfrm>
+                <a:prstGeom prst="rect">
+                  <a:avLst/>
+                </a:prstGeom>
+              </p:spPr>
+            </p:pic>
+          </mc:Fallback>
+        </mc:AlternateContent>
+        <mc:AlternateContent xmlns:mc="http://schemas.openxmlformats.org/markup-compatibility/2006">
+          <mc:Choice xmlns:p14="http://schemas.microsoft.com/office/powerpoint/2010/main" Requires="p14">
+            <p:contentPart p14:bwMode="auto" r:id="rId11">
+              <p14:nvContentPartPr>
+                <p14:cNvPr id="9" name="Ink 8">
+                  <a:extLst>
+                    <a:ext uri="{FF2B5EF4-FFF2-40B4-BE49-F238E27FC236}">
+                      <a16:creationId xmlns:a16="http://schemas.microsoft.com/office/drawing/2014/main" id="{076BD9BB-131C-4666-A82F-BC17E524A195}"/>
+                    </a:ext>
+                  </a:extLst>
+                </p14:cNvPr>
+                <p14:cNvContentPartPr/>
+                <p14:nvPr/>
+              </p14:nvContentPartPr>
+              <p14:xfrm>
+                <a:off x="5851966" y="1958428"/>
+                <a:ext cx="150840" cy="179640"/>
+              </p14:xfrm>
+            </p:contentPart>
+          </mc:Choice>
+          <mc:Fallback>
+            <p:pic>
+              <p:nvPicPr>
+                <p:cNvPr id="9" name="Ink 8">
+                  <a:extLst>
+                    <a:ext uri="{FF2B5EF4-FFF2-40B4-BE49-F238E27FC236}">
+                      <a16:creationId xmlns:a16="http://schemas.microsoft.com/office/drawing/2014/main" id="{076BD9BB-131C-4666-A82F-BC17E524A195}"/>
+                    </a:ext>
+                  </a:extLst>
+                </p:cNvPr>
+                <p:cNvPicPr/>
+                <p:nvPr/>
+              </p:nvPicPr>
+              <p:blipFill>
+                <a:blip r:embed="rId12"/>
+                <a:stretch>
+                  <a:fillRect/>
+                </a:stretch>
+              </p:blipFill>
+              <p:spPr>
+                <a:xfrm>
+                  <a:off x="5843326" y="1949788"/>
+                  <a:ext cx="168480" cy="197280"/>
+                </a:xfrm>
+                <a:prstGeom prst="rect">
+                  <a:avLst/>
+                </a:prstGeom>
+              </p:spPr>
+            </p:pic>
+          </mc:Fallback>
+        </mc:AlternateContent>
+        <mc:AlternateContent xmlns:mc="http://schemas.openxmlformats.org/markup-compatibility/2006">
+          <mc:Choice xmlns:p14="http://schemas.microsoft.com/office/powerpoint/2010/main" Requires="p14">
+            <p:contentPart p14:bwMode="auto" r:id="rId13">
+              <p14:nvContentPartPr>
+                <p14:cNvPr id="10" name="Ink 9">
+                  <a:extLst>
+                    <a:ext uri="{FF2B5EF4-FFF2-40B4-BE49-F238E27FC236}">
+                      <a16:creationId xmlns:a16="http://schemas.microsoft.com/office/drawing/2014/main" id="{0A146CCC-CFE9-49A4-9A76-91040F6B92D1}"/>
+                    </a:ext>
+                  </a:extLst>
+                </p14:cNvPr>
+                <p14:cNvContentPartPr/>
+                <p14:nvPr/>
+              </p14:nvContentPartPr>
+              <p14:xfrm>
+                <a:off x="6123046" y="1814788"/>
+                <a:ext cx="185760" cy="353520"/>
+              </p14:xfrm>
+            </p:contentPart>
+          </mc:Choice>
+          <mc:Fallback>
+            <p:pic>
+              <p:nvPicPr>
+                <p:cNvPr id="10" name="Ink 9">
+                  <a:extLst>
+                    <a:ext uri="{FF2B5EF4-FFF2-40B4-BE49-F238E27FC236}">
+                      <a16:creationId xmlns:a16="http://schemas.microsoft.com/office/drawing/2014/main" id="{0A146CCC-CFE9-49A4-9A76-91040F6B92D1}"/>
+                    </a:ext>
+                  </a:extLst>
+                </p:cNvPr>
+                <p:cNvPicPr/>
+                <p:nvPr/>
+              </p:nvPicPr>
+              <p:blipFill>
+                <a:blip r:embed="rId14"/>
+                <a:stretch>
+                  <a:fillRect/>
+                </a:stretch>
+              </p:blipFill>
+              <p:spPr>
+                <a:xfrm>
+                  <a:off x="6114406" y="1806148"/>
+                  <a:ext cx="203400" cy="371160"/>
+                </a:xfrm>
+                <a:prstGeom prst="rect">
+                  <a:avLst/>
+                </a:prstGeom>
+              </p:spPr>
+            </p:pic>
+          </mc:Fallback>
+        </mc:AlternateContent>
+        <mc:AlternateContent xmlns:mc="http://schemas.openxmlformats.org/markup-compatibility/2006">
+          <mc:Choice xmlns:p14="http://schemas.microsoft.com/office/powerpoint/2010/main" Requires="p14">
+            <p:contentPart p14:bwMode="auto" r:id="rId15">
+              <p14:nvContentPartPr>
+                <p14:cNvPr id="12" name="Ink 11">
+                  <a:extLst>
+                    <a:ext uri="{FF2B5EF4-FFF2-40B4-BE49-F238E27FC236}">
+                      <a16:creationId xmlns:a16="http://schemas.microsoft.com/office/drawing/2014/main" id="{E41B4A5D-8C42-4CC9-9673-BB68C32934C0}"/>
+                    </a:ext>
+                  </a:extLst>
+                </p14:cNvPr>
+                <p14:cNvContentPartPr/>
+                <p14:nvPr/>
+              </p14:nvContentPartPr>
+              <p14:xfrm>
+                <a:off x="6363886" y="1859788"/>
+                <a:ext cx="146520" cy="231480"/>
+              </p14:xfrm>
+            </p:contentPart>
+          </mc:Choice>
+          <mc:Fallback>
+            <p:pic>
+              <p:nvPicPr>
+                <p:cNvPr id="12" name="Ink 11">
+                  <a:extLst>
+                    <a:ext uri="{FF2B5EF4-FFF2-40B4-BE49-F238E27FC236}">
+                      <a16:creationId xmlns:a16="http://schemas.microsoft.com/office/drawing/2014/main" id="{E41B4A5D-8C42-4CC9-9673-BB68C32934C0}"/>
+                    </a:ext>
+                  </a:extLst>
+                </p:cNvPr>
+                <p:cNvPicPr/>
+                <p:nvPr/>
+              </p:nvPicPr>
+              <p:blipFill>
+                <a:blip r:embed="rId16"/>
+                <a:stretch>
+                  <a:fillRect/>
+                </a:stretch>
+              </p:blipFill>
+              <p:spPr>
+                <a:xfrm>
+                  <a:off x="6354886" y="1850788"/>
+                  <a:ext cx="164160" cy="249120"/>
+                </a:xfrm>
+                <a:prstGeom prst="rect">
+                  <a:avLst/>
+                </a:prstGeom>
+              </p:spPr>
+            </p:pic>
+          </mc:Fallback>
+        </mc:AlternateContent>
+        <mc:AlternateContent xmlns:mc="http://schemas.openxmlformats.org/markup-compatibility/2006">
+          <mc:Choice xmlns:p14="http://schemas.microsoft.com/office/powerpoint/2010/main" Requires="p14">
+            <p:contentPart p14:bwMode="auto" r:id="rId17">
+              <p14:nvContentPartPr>
+                <p14:cNvPr id="13" name="Ink 12">
+                  <a:extLst>
+                    <a:ext uri="{FF2B5EF4-FFF2-40B4-BE49-F238E27FC236}">
+                      <a16:creationId xmlns:a16="http://schemas.microsoft.com/office/drawing/2014/main" id="{ABDD1C7E-10FB-4E88-A717-51EBF7EFE97D}"/>
+                    </a:ext>
+                  </a:extLst>
+                </p14:cNvPr>
+                <p14:cNvContentPartPr/>
+                <p14:nvPr/>
+              </p14:nvContentPartPr>
+              <p14:xfrm>
+                <a:off x="6600046" y="1892548"/>
+                <a:ext cx="232560" cy="194400"/>
+              </p14:xfrm>
+            </p:contentPart>
+          </mc:Choice>
+          <mc:Fallback>
+            <p:pic>
+              <p:nvPicPr>
+                <p:cNvPr id="13" name="Ink 12">
+                  <a:extLst>
+                    <a:ext uri="{FF2B5EF4-FFF2-40B4-BE49-F238E27FC236}">
+                      <a16:creationId xmlns:a16="http://schemas.microsoft.com/office/drawing/2014/main" id="{ABDD1C7E-10FB-4E88-A717-51EBF7EFE97D}"/>
+                    </a:ext>
+                  </a:extLst>
+                </p:cNvPr>
+                <p:cNvPicPr/>
+                <p:nvPr/>
+              </p:nvPicPr>
+              <p:blipFill>
+                <a:blip r:embed="rId18"/>
+                <a:stretch>
+                  <a:fillRect/>
+                </a:stretch>
+              </p:blipFill>
+              <p:spPr>
+                <a:xfrm>
+                  <a:off x="6591406" y="1883548"/>
+                  <a:ext cx="250200" cy="212040"/>
+                </a:xfrm>
+                <a:prstGeom prst="rect">
+                  <a:avLst/>
+                </a:prstGeom>
+              </p:spPr>
+            </p:pic>
+          </mc:Fallback>
+        </mc:AlternateContent>
+        <mc:AlternateContent xmlns:mc="http://schemas.openxmlformats.org/markup-compatibility/2006">
+          <mc:Choice xmlns:p14="http://schemas.microsoft.com/office/powerpoint/2010/main" Requires="p14">
+            <p:contentPart p14:bwMode="auto" r:id="rId19">
+              <p14:nvContentPartPr>
+                <p14:cNvPr id="14" name="Ink 13">
+                  <a:extLst>
+                    <a:ext uri="{FF2B5EF4-FFF2-40B4-BE49-F238E27FC236}">
+                      <a16:creationId xmlns:a16="http://schemas.microsoft.com/office/drawing/2014/main" id="{8185942F-BC55-4B5C-B515-FD04DAAFE648}"/>
+                    </a:ext>
+                  </a:extLst>
+                </p14:cNvPr>
+                <p14:cNvContentPartPr/>
+                <p14:nvPr/>
+              </p14:nvContentPartPr>
+              <p14:xfrm>
+                <a:off x="6889486" y="1749628"/>
+                <a:ext cx="59760" cy="335520"/>
+              </p14:xfrm>
+            </p:contentPart>
+          </mc:Choice>
+          <mc:Fallback>
+            <p:pic>
+              <p:nvPicPr>
+                <p:cNvPr id="14" name="Ink 13">
+                  <a:extLst>
+                    <a:ext uri="{FF2B5EF4-FFF2-40B4-BE49-F238E27FC236}">
+                      <a16:creationId xmlns:a16="http://schemas.microsoft.com/office/drawing/2014/main" id="{8185942F-BC55-4B5C-B515-FD04DAAFE648}"/>
+                    </a:ext>
+                  </a:extLst>
+                </p:cNvPr>
+                <p:cNvPicPr/>
+                <p:nvPr/>
+              </p:nvPicPr>
+              <p:blipFill>
+                <a:blip r:embed="rId20"/>
+                <a:stretch>
+                  <a:fillRect/>
+                </a:stretch>
+              </p:blipFill>
+              <p:spPr>
+                <a:xfrm>
+                  <a:off x="6880846" y="1740988"/>
+                  <a:ext cx="77400" cy="353160"/>
+                </a:xfrm>
+                <a:prstGeom prst="rect">
+                  <a:avLst/>
+                </a:prstGeom>
+              </p:spPr>
+            </p:pic>
+          </mc:Fallback>
+        </mc:AlternateContent>
+        <mc:AlternateContent xmlns:mc="http://schemas.openxmlformats.org/markup-compatibility/2006">
+          <mc:Choice xmlns:p14="http://schemas.microsoft.com/office/powerpoint/2010/main" Requires="p14">
+            <p:contentPart p14:bwMode="auto" r:id="rId21">
+              <p14:nvContentPartPr>
+                <p14:cNvPr id="15" name="Ink 14">
+                  <a:extLst>
+                    <a:ext uri="{FF2B5EF4-FFF2-40B4-BE49-F238E27FC236}">
+                      <a16:creationId xmlns:a16="http://schemas.microsoft.com/office/drawing/2014/main" id="{06916EA3-7D09-423D-885F-B159EDB3BD09}"/>
+                    </a:ext>
+                  </a:extLst>
+                </p14:cNvPr>
+                <p14:cNvContentPartPr/>
+                <p14:nvPr/>
+              </p14:nvContentPartPr>
+              <p14:xfrm>
+                <a:off x="7065886" y="1703548"/>
+                <a:ext cx="130680" cy="418320"/>
+              </p14:xfrm>
+            </p:contentPart>
+          </mc:Choice>
+          <mc:Fallback>
+            <p:pic>
+              <p:nvPicPr>
+                <p:cNvPr id="15" name="Ink 14">
+                  <a:extLst>
+                    <a:ext uri="{FF2B5EF4-FFF2-40B4-BE49-F238E27FC236}">
+                      <a16:creationId xmlns:a16="http://schemas.microsoft.com/office/drawing/2014/main" id="{06916EA3-7D09-423D-885F-B159EDB3BD09}"/>
+                    </a:ext>
+                  </a:extLst>
+                </p:cNvPr>
+                <p:cNvPicPr/>
+                <p:nvPr/>
+              </p:nvPicPr>
+              <p:blipFill>
+                <a:blip r:embed="rId22"/>
+                <a:stretch>
+                  <a:fillRect/>
+                </a:stretch>
+              </p:blipFill>
+              <p:spPr>
+                <a:xfrm>
+                  <a:off x="7056886" y="1694908"/>
+                  <a:ext cx="148320" cy="435960"/>
+                </a:xfrm>
+                <a:prstGeom prst="rect">
+                  <a:avLst/>
+                </a:prstGeom>
+              </p:spPr>
+            </p:pic>
+          </mc:Fallback>
+        </mc:AlternateContent>
+        <mc:AlternateContent xmlns:mc="http://schemas.openxmlformats.org/markup-compatibility/2006">
+          <mc:Choice xmlns:p14="http://schemas.microsoft.com/office/powerpoint/2010/main" Requires="p14">
+            <p:contentPart p14:bwMode="auto" r:id="rId23">
+              <p14:nvContentPartPr>
+                <p14:cNvPr id="16" name="Ink 15">
+                  <a:extLst>
+                    <a:ext uri="{FF2B5EF4-FFF2-40B4-BE49-F238E27FC236}">
+                      <a16:creationId xmlns:a16="http://schemas.microsoft.com/office/drawing/2014/main" id="{4EE98503-E846-4A00-8C10-E21540ED5FBB}"/>
+                    </a:ext>
+                  </a:extLst>
+                </p14:cNvPr>
+                <p14:cNvContentPartPr/>
+                <p14:nvPr/>
+              </p14:nvContentPartPr>
+              <p14:xfrm>
+                <a:off x="6990286" y="1919188"/>
+                <a:ext cx="388440" cy="180720"/>
+              </p14:xfrm>
+            </p:contentPart>
+          </mc:Choice>
+          <mc:Fallback>
+            <p:pic>
+              <p:nvPicPr>
+                <p:cNvPr id="16" name="Ink 15">
+                  <a:extLst>
+                    <a:ext uri="{FF2B5EF4-FFF2-40B4-BE49-F238E27FC236}">
+                      <a16:creationId xmlns:a16="http://schemas.microsoft.com/office/drawing/2014/main" id="{4EE98503-E846-4A00-8C10-E21540ED5FBB}"/>
+                    </a:ext>
+                  </a:extLst>
+                </p:cNvPr>
+                <p:cNvPicPr/>
+                <p:nvPr/>
+              </p:nvPicPr>
+              <p:blipFill>
+                <a:blip r:embed="rId24"/>
+                <a:stretch>
+                  <a:fillRect/>
+                </a:stretch>
+              </p:blipFill>
+              <p:spPr>
+                <a:xfrm>
+                  <a:off x="6981286" y="1910188"/>
+                  <a:ext cx="406080" cy="198360"/>
+                </a:xfrm>
+                <a:prstGeom prst="rect">
+                  <a:avLst/>
+                </a:prstGeom>
+              </p:spPr>
+            </p:pic>
+          </mc:Fallback>
+        </mc:AlternateContent>
+        <mc:AlternateContent xmlns:mc="http://schemas.openxmlformats.org/markup-compatibility/2006">
+          <mc:Choice xmlns:p14="http://schemas.microsoft.com/office/powerpoint/2010/main" Requires="p14">
+            <p:contentPart p14:bwMode="auto" r:id="rId25">
+              <p14:nvContentPartPr>
+                <p14:cNvPr id="17" name="Ink 16">
+                  <a:extLst>
+                    <a:ext uri="{FF2B5EF4-FFF2-40B4-BE49-F238E27FC236}">
+                      <a16:creationId xmlns:a16="http://schemas.microsoft.com/office/drawing/2014/main" id="{226F51E0-D974-47C4-8E20-C978DBF018E5}"/>
+                    </a:ext>
+                  </a:extLst>
+                </p14:cNvPr>
+                <p14:cNvContentPartPr/>
+                <p14:nvPr/>
+              </p14:nvContentPartPr>
+              <p14:xfrm>
+                <a:off x="7322566" y="1683028"/>
+                <a:ext cx="319320" cy="486360"/>
+              </p14:xfrm>
+            </p:contentPart>
+          </mc:Choice>
+          <mc:Fallback>
+            <p:pic>
+              <p:nvPicPr>
+                <p:cNvPr id="17" name="Ink 16">
+                  <a:extLst>
+                    <a:ext uri="{FF2B5EF4-FFF2-40B4-BE49-F238E27FC236}">
+                      <a16:creationId xmlns:a16="http://schemas.microsoft.com/office/drawing/2014/main" id="{226F51E0-D974-47C4-8E20-C978DBF018E5}"/>
+                    </a:ext>
+                  </a:extLst>
+                </p:cNvPr>
+                <p:cNvPicPr/>
+                <p:nvPr/>
+              </p:nvPicPr>
+              <p:blipFill>
+                <a:blip r:embed="rId26"/>
+                <a:stretch>
+                  <a:fillRect/>
+                </a:stretch>
+              </p:blipFill>
+              <p:spPr>
+                <a:xfrm>
+                  <a:off x="7313926" y="1674388"/>
+                  <a:ext cx="336960" cy="504000"/>
+                </a:xfrm>
+                <a:prstGeom prst="rect">
+                  <a:avLst/>
+                </a:prstGeom>
+              </p:spPr>
+            </p:pic>
+          </mc:Fallback>
+        </mc:AlternateContent>
+      </p:grpSp>
+    </p:spTree>
+    <p:extLst>
+      <p:ext uri="{BB962C8B-B14F-4D97-AF65-F5344CB8AC3E}">
+        <p14:creationId xmlns:p14="http://schemas.microsoft.com/office/powerpoint/2010/main" val="2773832954"/>
+      </p:ext>
+    </p:extLst>
+  </p:cSld>
+  <p:clrMapOvr>
+    <a:masterClrMapping/>
+  </p:clrMapOvr>
+</p:sld>
+</file>
+
+<file path=ppt/slides/slide14.xml><?xml version="1.0" encoding="utf-8"?>
+<p:sld xmlns:a="http://schemas.openxmlformats.org/drawingml/2006/main" xmlns:r="http://schemas.openxmlformats.org/officeDocument/2006/relationships" xmlns:p="http://schemas.openxmlformats.org/presentationml/2006/main">
+  <p:cSld>
+    <p:spTree>
+      <p:nvGrpSpPr>
+        <p:cNvPr id="1" name=""/>
+        <p:cNvGrpSpPr/>
+        <p:nvPr/>
+      </p:nvGrpSpPr>
+      <p:grpSpPr>
+        <a:xfrm>
+          <a:off x="0" y="0"/>
+          <a:ext cx="0" cy="0"/>
+          <a:chOff x="0" y="0"/>
+          <a:chExt cx="0" cy="0"/>
+        </a:xfrm>
+      </p:grpSpPr>
+      <p:sp>
+        <p:nvSpPr>
+          <p:cNvPr id="2" name="Title 1">
+            <a:extLst>
+              <a:ext uri="{FF2B5EF4-FFF2-40B4-BE49-F238E27FC236}">
+                <a16:creationId xmlns:a16="http://schemas.microsoft.com/office/drawing/2014/main" id="{E3CFACD9-80E3-4F1A-9F8B-F71AF2501820}"/>
+              </a:ext>
+            </a:extLst>
+          </p:cNvPr>
+          <p:cNvSpPr>
+            <a:spLocks noGrp="1"/>
+          </p:cNvSpPr>
+          <p:nvPr>
+            <p:ph type="title"/>
+          </p:nvPr>
+        </p:nvSpPr>
+        <p:spPr/>
+        <p:txBody>
+          <a:bodyPr/>
+          <a:lstStyle/>
+          <a:p>
+            <a:r>
+              <a:rPr lang="en-US" dirty="0"/>
+              <a:t>Topologies Tested</a:t>
+            </a:r>
+          </a:p>
+        </p:txBody>
+      </p:sp>
+      <p:pic>
+        <p:nvPicPr>
+          <p:cNvPr id="5" name="Content Placeholder 4" descr="Diagram&#10;&#10;Description automatically generated">
+            <a:extLst>
+              <a:ext uri="{FF2B5EF4-FFF2-40B4-BE49-F238E27FC236}">
+                <a16:creationId xmlns:a16="http://schemas.microsoft.com/office/drawing/2014/main" id="{3E44AA2E-9353-4FCE-B296-51CAC0CE3995}"/>
+              </a:ext>
+            </a:extLst>
+          </p:cNvPr>
+          <p:cNvPicPr>
+            <a:picLocks noGrp="1" noChangeAspect="1"/>
+          </p:cNvPicPr>
+          <p:nvPr>
+            <p:ph idx="1"/>
+          </p:nvPr>
+        </p:nvPicPr>
+        <p:blipFill>
+          <a:blip r:embed="rId2">
+            <a:extLst>
+              <a:ext uri="{28A0092B-C50C-407E-A947-70E740481C1C}">
+                <a14:useLocalDpi xmlns:a14="http://schemas.microsoft.com/office/drawing/2010/main" val="0"/>
+              </a:ext>
+            </a:extLst>
+          </a:blip>
+          <a:stretch>
+            <a:fillRect/>
+          </a:stretch>
+        </p:blipFill>
+        <p:spPr>
+          <a:xfrm>
+            <a:off x="1055123" y="1825625"/>
+            <a:ext cx="10081754" cy="4351338"/>
+          </a:xfrm>
+        </p:spPr>
+      </p:pic>
+    </p:spTree>
+    <p:extLst>
+      <p:ext uri="{BB962C8B-B14F-4D97-AF65-F5344CB8AC3E}">
+        <p14:creationId xmlns:p14="http://schemas.microsoft.com/office/powerpoint/2010/main" val="3692271621"/>
+      </p:ext>
+    </p:extLst>
+  </p:cSld>
+  <p:clrMapOvr>
+    <a:masterClrMapping/>
+  </p:clrMapOvr>
+</p:sld>
+</file>
+
 <file path=ppt/slides/slide2.xml><?xml version="1.0" encoding="utf-8"?>
 <p:sld xmlns:a="http://schemas.openxmlformats.org/drawingml/2006/main" xmlns:r="http://schemas.openxmlformats.org/officeDocument/2006/relationships" xmlns:p="http://schemas.openxmlformats.org/presentationml/2006/main">
   <p:cSld>

--- a/TRex.pptx
+++ b/TRex.pptx
@@ -19,6 +19,7 @@
     <p:sldId id="271" r:id="rId13"/>
     <p:sldId id="272" r:id="rId14"/>
     <p:sldId id="270" r:id="rId15"/>
+    <p:sldId id="273" r:id="rId16"/>
   </p:sldIdLst>
   <p:sldSz cx="12192000" cy="6858000"/>
   <p:notesSz cx="6858000" cy="9144000"/>
@@ -1162,6 +1163,250 @@
 </inkml:ink>
 </file>
 
+<file path=ppt/ink/ink41.xml><?xml version="1.0" encoding="utf-8"?>
+<inkml:ink xmlns:inkml="http://www.w3.org/2003/InkML">
+  <inkml:definitions>
+    <inkml:context xml:id="ctx0">
+      <inkml:inkSource xml:id="inkSrc0">
+        <inkml:traceFormat>
+          <inkml:channel name="X" type="integer" min="-2.14748E9" max="2.14748E9" units="cm"/>
+          <inkml:channel name="Y" type="integer" min="-2.14748E9" max="2.14748E9" units="cm"/>
+          <inkml:channel name="F" type="integer" max="32767" units="dev"/>
+        </inkml:traceFormat>
+        <inkml:channelProperties>
+          <inkml:channelProperty channel="X" name="resolution" value="1000" units="1/cm"/>
+          <inkml:channelProperty channel="Y" name="resolution" value="1000" units="1/cm"/>
+          <inkml:channelProperty channel="F" name="resolution" value="0" units="1/dev"/>
+        </inkml:channelProperties>
+      </inkml:inkSource>
+      <inkml:timestamp xml:id="ts0" timeString="2021-04-30T06:12:05.554"/>
+    </inkml:context>
+    <inkml:brush xml:id="br0">
+      <inkml:brushProperty name="width" value="0.05" units="cm"/>
+      <inkml:brushProperty name="height" value="0.05" units="cm"/>
+    </inkml:brush>
+  </inkml:definitions>
+  <inkml:trace contextRef="#ctx0" brushRef="#br0">194 37 580,'1'0'7259,"-2"0"-7044,-1 1-55,0 0-1,0-1 1,0 1 0,-1 0-1,1 0 1,0 0 0,0 0-1,0 0 1,0 1-1,0-1 1,1 1 0,-1-1-1,0 1 1,1 0 0,-3 2-1,-22 32-452,25-34 364,-7 12-62,0 1-1,1 0 0,1 0 0,1 0 0,0 1 1,1 0-1,1 0 0,-3 21 0,3-2 52,2 0 0,4 64 0,0-70-31,2 1 1,0-1-1,2-1 0,1 1 1,16 36-1,-18-53-27,0 0 0,1-1 0,0 0 0,0 0-1,1 0 1,11 11 0,-13-17-14,0 1 1,0-1-1,1 0 0,0-1 0,-1 0 1,2 0-1,-1 0 0,0-1 0,1 0 1,-1 0-1,9 1 0,-9-2-17,0-1-1,0 0 0,0 0 0,1-1 0,-1 0 1,0 0-1,0-1 0,0 0 0,0 0 1,0-1-1,0 1 0,0-2 0,0 1 1,12-7-1,-10 3-7,0 0 0,0 0 0,-1-1 0,0 0 0,0 0 0,-1-1 0,0 0 0,0-1 0,7-11 0,-3 1 11,-1 0 0,0-2 0,-1 1 0,-2-1 0,0 0 0,-1 0 0,-1-1 0,-1 0 0,2-26 0,-6 22 61,0 0 0,-2-1 0,-1 1-1,-1 0 1,-13-49 0,12 58 2,-1 0 1,-1 1-1,0-1 1,-2 1-1,1 1 1,-2-1-1,0 2 1,-1-1-1,-19-19 1,23 27-135,-1 1 0,0 0 0,-1 1 0,1 0 0,-1 0 0,0 1 0,0 0 0,-1 0 0,1 1 0,-1 0 1,1 1-1,-1 0 0,0 1 0,0 0 0,0 0 0,0 1 0,0 1 0,0-1 0,0 2 0,-16 3 0,9-1-512,0 1-1,0 1 1,1 0-1,0 1 1,0 1-1,1 0 1,0 1 0,0 1-1,1 0 1,-25 25-1,13-10-510</inkml:trace>
+</inkml:ink>
+</file>
+
+<file path=ppt/ink/ink42.xml><?xml version="1.0" encoding="utf-8"?>
+<inkml:ink xmlns:inkml="http://www.w3.org/2003/InkML">
+  <inkml:definitions>
+    <inkml:context xml:id="ctx0">
+      <inkml:inkSource xml:id="inkSrc0">
+        <inkml:traceFormat>
+          <inkml:channel name="X" type="integer" min="-2.14748E9" max="2.14748E9" units="cm"/>
+          <inkml:channel name="Y" type="integer" min="-2.14748E9" max="2.14748E9" units="cm"/>
+          <inkml:channel name="F" type="integer" max="32767" units="dev"/>
+        </inkml:traceFormat>
+        <inkml:channelProperties>
+          <inkml:channelProperty channel="X" name="resolution" value="1000" units="1/cm"/>
+          <inkml:channelProperty channel="Y" name="resolution" value="1000" units="1/cm"/>
+          <inkml:channelProperty channel="F" name="resolution" value="0" units="1/dev"/>
+        </inkml:channelProperties>
+      </inkml:inkSource>
+      <inkml:timestamp xml:id="ts0" timeString="2021-04-30T06:12:06.223"/>
+    </inkml:context>
+    <inkml:brush xml:id="br0">
+      <inkml:brushProperty name="width" value="0.05" units="cm"/>
+      <inkml:brushProperty name="height" value="0.05" units="cm"/>
+    </inkml:brush>
+  </inkml:definitions>
+  <inkml:trace contextRef="#ctx0" brushRef="#br0">4 1 784,'0'2'2157,"-4"39"-349,36 233 732,-17-185-2536,4 141 0,-19-229-21,-3 41-1004,3-40 857,0 0 0,0 1-1,-1-1 1,0 0 0,1 0-1,-1 0 1,0 0 0,0 0-1,0 0 1,0-1 0,0 1-1,0 0 1,-1 0 0,1-1-1,-1 1 1,-1 1 0,-6-2-1147,0-9 60</inkml:trace>
+</inkml:ink>
+</file>
+
+<file path=ppt/ink/ink43.xml><?xml version="1.0" encoding="utf-8"?>
+<inkml:ink xmlns:inkml="http://www.w3.org/2003/InkML">
+  <inkml:definitions>
+    <inkml:context xml:id="ctx0">
+      <inkml:inkSource xml:id="inkSrc0">
+        <inkml:traceFormat>
+          <inkml:channel name="X" type="integer" min="-2.14748E9" max="2.14748E9" units="cm"/>
+          <inkml:channel name="Y" type="integer" min="-2.14748E9" max="2.14748E9" units="cm"/>
+          <inkml:channel name="F" type="integer" max="32767" units="dev"/>
+        </inkml:traceFormat>
+        <inkml:channelProperties>
+          <inkml:channelProperty channel="X" name="resolution" value="1000" units="1/cm"/>
+          <inkml:channelProperty channel="Y" name="resolution" value="1000" units="1/cm"/>
+          <inkml:channelProperty channel="F" name="resolution" value="0" units="1/dev"/>
+        </inkml:channelProperties>
+      </inkml:inkSource>
+      <inkml:timestamp xml:id="ts0" timeString="2021-04-30T06:12:06.724"/>
+    </inkml:context>
+    <inkml:brush xml:id="br0">
+      <inkml:brushProperty name="width" value="0.05" units="cm"/>
+      <inkml:brushProperty name="height" value="0.05" units="cm"/>
+    </inkml:brush>
+  </inkml:definitions>
+  <inkml:trace contextRef="#ctx0" brushRef="#br0">35 187 364,'5'-43'3462,"-5"37"-3429,1 0 0,-1 1 0,1-1 0,0 0 0,1 1 0,-1-1 0,1 1-1,0 0 1,1-1 0,-1 1 0,1 0 0,0 1 0,0-1 0,0 0 0,1 1 0,0 0-1,0-1 1,0 2 0,0-1 0,1 0 0,-1 1 0,1 0 0,0 0 0,7-3 0,-2 1-65,0 1-1,0 1 1,0-1 0,1 2 0,-1 0 0,1 0 0,-1 0 0,1 2 0,0-1 0,0 1 0,0 1 0,14 2 0,-19-2 43,0 0 1,0 1-1,-1 0 0,1 0 1,0 0-1,0 1 1,-1-1-1,0 2 1,1-1-1,-1 0 0,0 1 1,-1 0-1,1 0 1,-1 1-1,1-1 1,-1 1-1,-1 0 1,1 0-1,-1 0 0,0 0 1,0 1-1,0-1 1,-1 1-1,0 0 1,0 0-1,0 0 0,-1 0 1,0 0-1,0 0 1,0 0-1,-1 0 1,0 0-1,0 1 0,-1-1 1,0 0-1,0 0 1,0 0-1,0 0 1,-6 11-1,1-2 163,-1-1 0,-1 1 1,0-2-1,-1 1 0,0-1 0,-1-1 0,0 1 0,-1-2 0,-1 1 1,-20 14-1,9-8-49,-2-1-1,1-2 1,-2-1 0,-53 22 0,72-33-226,4-1-33,-1 0-1,1-1 1,-1 0 0,1 1-1,-1-1 1,0 0-1,0-1 1,1 1 0,-1-1-1,0 1 1,0-1-1,0 0 1,0-1 0,1 1-1,-6-2 1,8 2 51,0-1 1,1 0-1,-1 1 1,1-1 0,-1 0-1,1 0 1,0 0-1,-1 1 1,1-1-1,0 0 1,-1 0-1,1 0 1,0 0-1,0 0 1,0 0 0,0 0-1,0 1 1,0-1-1,0 0 1,0 0-1,0 0 1,0 0-1,1 0 1,-1 0-1,0 0 1,1 1 0,-1-1-1,0 0 1,1 0-1,-1 0 1,1 1-1,1-2 1,10-22-1275</inkml:trace>
+</inkml:ink>
+</file>
+
+<file path=ppt/ink/ink44.xml><?xml version="1.0" encoding="utf-8"?>
+<inkml:ink xmlns:inkml="http://www.w3.org/2003/InkML">
+  <inkml:definitions>
+    <inkml:context xml:id="ctx0">
+      <inkml:inkSource xml:id="inkSrc0">
+        <inkml:traceFormat>
+          <inkml:channel name="X" type="integer" min="-2.14748E9" max="2.14748E9" units="cm"/>
+          <inkml:channel name="Y" type="integer" min="-2.14748E9" max="2.14748E9" units="cm"/>
+          <inkml:channel name="F" type="integer" max="32767" units="dev"/>
+        </inkml:traceFormat>
+        <inkml:channelProperties>
+          <inkml:channelProperty channel="X" name="resolution" value="1000" units="1/cm"/>
+          <inkml:channelProperty channel="Y" name="resolution" value="1000" units="1/cm"/>
+          <inkml:channelProperty channel="F" name="resolution" value="0" units="1/dev"/>
+        </inkml:channelProperties>
+      </inkml:inkSource>
+      <inkml:timestamp xml:id="ts0" timeString="2021-04-30T06:12:07.174"/>
+    </inkml:context>
+    <inkml:brush xml:id="br0">
+      <inkml:brushProperty name="width" value="0.05" units="cm"/>
+      <inkml:brushProperty name="height" value="0.05" units="cm"/>
+    </inkml:brush>
+  </inkml:definitions>
+  <inkml:trace contextRef="#ctx0" brushRef="#br0">0 224 184,'0'1'53,"1"-1"-1,-1 0 1,0 1-1,0-1 1,0 1-1,1-1 1,-1 1 0,0-1-1,0 0 1,1 1-1,-1-1 1,0 0 0,1 1-1,-1-1 1,1 0-1,-1 1 1,0-1-1,1 0 1,-1 0 0,1 0-1,-1 1 1,0-1-1,1 0 1,-1 0-1,1 0 1,-1 0 0,1 0-1,-1 0 1,1 0-1,-1 0 1,1 0-1,20 1 457,-16-2-342,13 1 14,0-2-1,-1 0 1,1-1-1,-1-1 1,29-10-1,-34 10-174,0-1-1,-1 0 1,0-1 0,0 0-1,-1 0 1,0-1 0,0-1-1,0 0 1,9-10 0,-17 16-12,0-1-1,1 0 1,-1 0 0,0 0 0,0 0 0,-1 0 0,1-1-1,-1 1 1,1-1 0,-1 1 0,0-1 0,0 1 0,-1-1-1,1 1 1,-1-1 0,0 0 0,0 1 0,0-1 0,0 0-1,0 1 1,-1-1 0,0 0 0,0 1 0,-2-7 0,1 7 29,0 0 1,0 0-1,0 0 1,0 0 0,0 1-1,0-1 1,-1 1 0,1 0-1,-1 0 1,0-1-1,0 2 1,0-1 0,0 0-1,0 1 1,0-1 0,0 1-1,0 0 1,0 0-1,-1 0 1,1 0 0,-1 1-1,1 0 1,0-1 0,-1 1-1,1 0 1,-1 0-1,-3 2 1,-3 0 80,0 0 0,0 1 0,1 0 0,0 1 0,-1 0 0,1 1 0,1-1 0,-1 2 0,1-1 0,0 1 0,0 1 0,0-1-1,1 1 1,0 1 0,1-1 0,0 1 0,0 0 0,0 1 0,-4 9 0,4-9-25,1 1 0,0-1 0,1 1 0,0 0 0,1 0 0,0 1 0,0-1 0,1 1 0,1-1 0,0 1 0,0 0 0,1 0 0,0-1 0,1 1 0,0 0 0,1-1 0,5 20 0,-4-23-119,1 0-1,0 0 1,0 0 0,0-1 0,1 0-1,0 1 1,1-2 0,-1 1-1,1-1 1,0 0 0,0 0 0,1 0-1,-1-1 1,1 0 0,0 0-1,0-1 1,1 0 0,-1 0 0,0-1-1,1 0 1,13 2 0,-8-1-325,1-2 0,-1 0 0,1 0-1,-1-2 1,1 1 0,-1-2 0,1 0 0,-1 0 0,0-1 0,0-1 0,25-10 0,8-12-986</inkml:trace>
+</inkml:ink>
+</file>
+
+<file path=ppt/ink/ink45.xml><?xml version="1.0" encoding="utf-8"?>
+<inkml:ink xmlns:inkml="http://www.w3.org/2003/InkML">
+  <inkml:definitions>
+    <inkml:context xml:id="ctx0">
+      <inkml:inkSource xml:id="inkSrc0">
+        <inkml:traceFormat>
+          <inkml:channel name="X" type="integer" min="-2.14748E9" max="2.14748E9" units="cm"/>
+          <inkml:channel name="Y" type="integer" min="-2.14748E9" max="2.14748E9" units="cm"/>
+          <inkml:channel name="F" type="integer" max="32767" units="dev"/>
+        </inkml:traceFormat>
+        <inkml:channelProperties>
+          <inkml:channelProperty channel="X" name="resolution" value="1000" units="1/cm"/>
+          <inkml:channelProperty channel="Y" name="resolution" value="1000" units="1/cm"/>
+          <inkml:channelProperty channel="F" name="resolution" value="0" units="1/dev"/>
+        </inkml:channelProperties>
+      </inkml:inkSource>
+      <inkml:timestamp xml:id="ts0" timeString="2021-04-30T06:12:07.636"/>
+    </inkml:context>
+    <inkml:brush xml:id="br0">
+      <inkml:brushProperty name="width" value="0.05" units="cm"/>
+      <inkml:brushProperty name="height" value="0.05" units="cm"/>
+    </inkml:brush>
+  </inkml:definitions>
+  <inkml:trace contextRef="#ctx0" brushRef="#br0">1 66 312,'8'45'516,"1"-1"1,31 80-1,-12-40 58,-23-48 569,-5-35-1103,0-1 0,0 0 0,0 1 0,0-1 0,0 0 0,0 1 0,0-1 0,0 0 0,0 1 0,0-1 0,0 0 0,0 1 0,0-1 0,0 0 0,0 0 0,0 1 0,-1-1 0,1 0 0,0 1-1,0-1 1,0 0 0,0 0 0,-1 1 0,1-1 0,0 0 0,0 0 0,-1 0 0,1 1 0,0-1 0,-1 0 0,1 0 0,-15-13 1126,12 7-1118,-1 0 0,1 0 1,1 0-1,-1-1 0,1 1 0,0-1 0,1 0 0,-1 0 0,1 1 1,1-1-1,-1 0 0,1 0 0,1 0 0,-1 0 0,1 0 0,0 0 0,0 1 1,5-14-1,0 3-128,0-1 0,2 1 0,-1 0 1,2 1-1,21-30 0,-20 33-34,1 0-1,0 1 1,1 0-1,1 1 1,0 1-1,26-17 1,-34 23 81,0 1 0,1 0 0,-1 0 0,1 1 0,0 0 1,0-1-1,0 2 0,0-1 0,0 1 0,0 0 0,0 0 1,0 1-1,0 0 0,0 0 0,1 0 0,-1 1 0,0 0 0,0 0 1,0 0-1,0 1 0,8 3 0,-9-2 54,0 0 1,-1 1-1,0 0 0,0-1 0,0 1 1,0 1-1,-1-1 0,1 0 1,-1 1-1,0 0 0,-1-1 0,1 1 1,-1 1-1,0-1 0,0 0 0,0 0 1,-1 1-1,0-1 0,0 1 1,0 9-1,1 11 198,-2 0-1,-1 0 1,-4 27 0,3-41-139,-1 19-43,-9 64 205,10-84-1023,-1 0 0,0 0 0,-5 12 0</inkml:trace>
+</inkml:ink>
+</file>
+
+<file path=ppt/ink/ink46.xml><?xml version="1.0" encoding="utf-8"?>
+<inkml:ink xmlns:inkml="http://www.w3.org/2003/InkML">
+  <inkml:definitions>
+    <inkml:context xml:id="ctx0">
+      <inkml:inkSource xml:id="inkSrc0">
+        <inkml:traceFormat>
+          <inkml:channel name="X" type="integer" min="-2.14748E9" max="2.14748E9" units="cm"/>
+          <inkml:channel name="Y" type="integer" min="-2.14748E9" max="2.14748E9" units="cm"/>
+          <inkml:channel name="F" type="integer" max="32767" units="dev"/>
+        </inkml:traceFormat>
+        <inkml:channelProperties>
+          <inkml:channelProperty channel="X" name="resolution" value="1000" units="1/cm"/>
+          <inkml:channelProperty channel="Y" name="resolution" value="1000" units="1/cm"/>
+          <inkml:channelProperty channel="F" name="resolution" value="0" units="1/dev"/>
+        </inkml:channelProperties>
+      </inkml:inkSource>
+      <inkml:timestamp xml:id="ts0" timeString="2021-04-30T06:12:08.420"/>
+    </inkml:context>
+    <inkml:brush xml:id="br0">
+      <inkml:brushProperty name="width" value="0.05" units="cm"/>
+      <inkml:brushProperty name="height" value="0.05" units="cm"/>
+    </inkml:brush>
+  </inkml:definitions>
+  <inkml:trace contextRef="#ctx0" brushRef="#br0">3 13 808,'-2'-12'2158,"8"14"-625,12 21-530,188 393 2729,-136-264-3085,84 174 326,-153-324-1013,10 18 946,-5-18-148,-3-13-153,2-91-53,6-67-1008,1 81-43,28-100 0,-29 151-748,27-59 0,-27 73-447,0 1 0,2 0-1,24-30 1,-23 35 44</inkml:trace>
+</inkml:ink>
+</file>
+
+<file path=ppt/ink/ink47.xml><?xml version="1.0" encoding="utf-8"?>
+<inkml:ink xmlns:inkml="http://www.w3.org/2003/InkML">
+  <inkml:definitions>
+    <inkml:context xml:id="ctx0">
+      <inkml:inkSource xml:id="inkSrc0">
+        <inkml:traceFormat>
+          <inkml:channel name="X" type="integer" min="-2.14748E9" max="2.14748E9" units="cm"/>
+          <inkml:channel name="Y" type="integer" min="-2.14748E9" max="2.14748E9" units="cm"/>
+          <inkml:channel name="F" type="integer" max="32767" units="dev"/>
+        </inkml:traceFormat>
+        <inkml:channelProperties>
+          <inkml:channelProperty channel="X" name="resolution" value="1000" units="1/cm"/>
+          <inkml:channelProperty channel="Y" name="resolution" value="1000" units="1/cm"/>
+          <inkml:channelProperty channel="F" name="resolution" value="0" units="1/dev"/>
+        </inkml:channelProperties>
+      </inkml:inkSource>
+      <inkml:timestamp xml:id="ts0" timeString="2021-04-30T06:12:09.370"/>
+    </inkml:context>
+    <inkml:brush xml:id="br0">
+      <inkml:brushProperty name="width" value="0.05" units="cm"/>
+      <inkml:brushProperty name="height" value="0.05" units="cm"/>
+    </inkml:brush>
+  </inkml:definitions>
+  <inkml:trace contextRef="#ctx0" brushRef="#br0">570 131 324,'1'0'137,"-1"0"-1,1 1 1,-1-1-1,0 0 1,1 0-1,-1 1 1,1-1-1,-1 0 1,1 0-1,-1 0 1,1 1-1,-1-1 1,1 0-1,-1 0 1,1 0-1,-1 0 1,1 0-1,-1 0 1,1 0 0,-1 0-1,1 0 1,-1-1-1,1 1 1,-1 0-1,1 0 1,-1 0-1,1 0 1,-1-1-1,0 1 1,1 0-1,0-1 1,-1-21 1337,-1 17-1443,0 0 0,0-1 0,-1 1 0,0 0 0,0 0 0,0 0 0,0 0 0,-1 0 1,0 0-1,0 1 0,0-1 0,0 1 0,-1 0 0,0 0 0,0 0 0,-7-5 0,5 6-36,0 0 0,0 0 1,0 0-1,-1 0 1,1 1-1,-1 0 0,1 1 1,-1 0-1,0 0 0,0 0 1,-12 0-1,2 3-23,-1-1 1,0 2-1,1 0 0,-1 2 0,1 0 1,0 0-1,1 2 0,-1 0 1,-19 12-1,15-6 25,2 0 0,-1 2 0,2 0 1,0 1-1,-16 19 0,25-25 9,1-1 0,0 2-1,1-1 1,0 1 0,1 0 0,0 1 0,1-1-1,0 1 1,0 0 0,2 0 0,-4 16 0,7-24-10,-1 0 0,1-1 0,0 1 0,0 0 0,0 0 0,0 0 0,1 0 0,0 0 0,0-1 0,0 1 0,0 0 0,0-1 0,1 1 0,0-1 0,-1 1 0,1-1 0,1 0 0,-1 1 0,0-1 1,1 0-1,0-1 0,-1 1 0,1 0 0,0-1 0,0 0 0,1 1 0,-1-1 0,0 0 0,1-1 0,-1 1 0,1-1 0,7 3 0,11 1-64,0 0 0,0-1 0,0-1 0,36 0 0,-31-1-42,-18-2 78,13 1-96,-1 1 1,1 0-1,-1 2 0,36 10 0,-53-12 141,1 0-1,0-1 0,-1 2 1,0-1-1,1 1 0,-1-1 1,0 1-1,0 0 1,0 0-1,-1 1 0,1-1 1,-1 1-1,0 0 0,0 0 1,0 0-1,0 0 0,-1 1 1,0-1-1,0 1 1,0-1-1,0 1 0,-1 0 1,0-1-1,0 1 0,0 0 1,0 6-1,0-2 97,-1-1 0,-1 1 0,1-1 0,-1 0-1,-1 1 1,1-1 0,-2 0 0,1 0 0,-1 0 0,0 0 0,0 0 0,-1-1-1,-6 9 1,3-6 58,-1 0-1,0 0 0,-1 0 1,-1-1-1,1 0 1,-1-1-1,-1 0 0,-11 6 1,4-3-49,0-2 0,-1 0 0,-1-1 0,1-1 0,-1 0 0,-1-2 0,1 0 0,-1-2 0,0 0 1,-31 0-1,41-4-308,1 0 0,0 0 1,-1-1-1,1-1 0,0 1 1,0-2-1,0 1 0,-15-9 1,23 11 41,-1-1 1,1 1 0,-1 0 0,1-1 0,0 0-1,0 1 1,0-1 0,0 0 0,0 0 0,0 0 0,0 0-1,1-1 1,-1 1 0,1 0 0,-1-1 0,1 1-1,0-1 1,0 1 0,0-1 0,0 0 0,1 1 0,-1-1-1,1 0 1,-1 1 0,1-1 0,0 0 0,0 0-1,0 0 1,1 1 0,-1-1 0,1 0 0,-1 1-1,1-1 1,0 0 0,0 1 0,0-1 0,2-2 0,14-22-1283</inkml:trace>
+</inkml:ink>
+</file>
+
+<file path=ppt/ink/ink48.xml><?xml version="1.0" encoding="utf-8"?>
+<inkml:ink xmlns:inkml="http://www.w3.org/2003/InkML">
+  <inkml:definitions>
+    <inkml:context xml:id="ctx0">
+      <inkml:inkSource xml:id="inkSrc0">
+        <inkml:traceFormat>
+          <inkml:channel name="X" type="integer" min="-2.14748E9" max="2.14748E9" units="cm"/>
+          <inkml:channel name="Y" type="integer" min="-2.14748E9" max="2.14748E9" units="cm"/>
+          <inkml:channel name="F" type="integer" max="32767" units="dev"/>
+        </inkml:traceFormat>
+        <inkml:channelProperties>
+          <inkml:channelProperty channel="X" name="resolution" value="1000" units="1/cm"/>
+          <inkml:channelProperty channel="Y" name="resolution" value="1000" units="1/cm"/>
+          <inkml:channelProperty channel="F" name="resolution" value="0" units="1/dev"/>
+        </inkml:channelProperties>
+      </inkml:inkSource>
+      <inkml:timestamp xml:id="ts0" timeString="2021-04-30T06:12:09.938"/>
+    </inkml:context>
+    <inkml:brush xml:id="br0">
+      <inkml:brushProperty name="width" value="0.05" units="cm"/>
+      <inkml:brushProperty name="height" value="0.05" units="cm"/>
+    </inkml:brush>
+  </inkml:definitions>
+  <inkml:trace contextRef="#ctx0" brushRef="#br0">0 6 208,'3'72'5582,"8"60"-4295,-2-29-632,-8-82-565,0-9 19,-1 0-1,2 0 1,0-1 0,4 17-1,5-90-218,-11 59 83,2-16-118,0 0-1,1 0 1,1 0 0,1 0 0,1 1 0,14-33-1,-19 49 142,0 0-1,0 1 0,0-1 1,0 1-1,1-1 0,-1 1 1,0-1-1,1 1 0,-1 0 1,1 0-1,0 0 0,-1 0 1,1 0-1,0 0 0,-1 0 1,1 0-1,0 1 0,0-1 1,0 1-1,0-1 0,0 1 1,-1 0-1,1 0 0,0-1 1,0 1-1,0 1 0,0-1 1,0 0-1,0 0 0,0 1 1,0-1-1,0 1 0,-1 0 1,1-1-1,0 1 0,0 0 1,-1 0-1,1 0 0,2 2 1,6 4 3,-1 0 1,0 0 0,-1 1 0,1 0 0,8 12-1,56 81 172,-26-33 586,-47-67-734,1-1 0,-1 1 0,0-1-1,0 1 1,1-1 0,-1 1 0,0-1-1,1 1 1,-1-1 0,1 1 0,-1-1-1,0 0 1,1 1 0,-1-1 0,1 0-1,-1 1 1,1-1 0,-1 0 0,1 1-1,-1-1 1,1 0 0,-1 0 0,1 0-1,-1 0 1,1 0 0,0 1 0,-1-1-1,1 0 1,-1 0 0,1 0 0,-1-1-1,1 1 1,0 0 0,-1 0 0,1 0 0,-1 0-1,1 0 1,-1-1 0,1 1 0,-1 0-1,1 0 1,-1-1 0,1 1 0,-1 0-1,1-1 1,-1 1 0,0-1 0,1 1-1,-1-1 1,1 1 0,-1 0 0,0-1-1,0 1 1,1-1 0,-1 0 0,0 1-1,0-1 1,0 1 0,1-1 0,-1 1-1,0-1 1,0 0 0,11-43 80,-10 40-129,17-147-1542,-2 13-2292,-15 132 3422,0 0 1,0 1-1,1-1 0,-1 1 0,4-7 0,2 0-717</inkml:trace>
+</inkml:ink>
+</file>
+
+<file path=ppt/ink/ink49.xml><?xml version="1.0" encoding="utf-8"?>
+<inkml:ink xmlns:inkml="http://www.w3.org/2003/InkML">
+  <inkml:definitions>
+    <inkml:context xml:id="ctx0">
+      <inkml:inkSource xml:id="inkSrc0">
+        <inkml:traceFormat>
+          <inkml:channel name="X" type="integer" min="-2.14748E9" max="2.14748E9" units="cm"/>
+          <inkml:channel name="Y" type="integer" min="-2.14748E9" max="2.14748E9" units="cm"/>
+          <inkml:channel name="F" type="integer" max="32767" units="dev"/>
+        </inkml:traceFormat>
+        <inkml:channelProperties>
+          <inkml:channelProperty channel="X" name="resolution" value="1000" units="1/cm"/>
+          <inkml:channelProperty channel="Y" name="resolution" value="1000" units="1/cm"/>
+          <inkml:channelProperty channel="F" name="resolution" value="0" units="1/dev"/>
+        </inkml:channelProperties>
+      </inkml:inkSource>
+      <inkml:timestamp xml:id="ts0" timeString="2021-04-30T06:12:10.355"/>
+    </inkml:context>
+    <inkml:brush xml:id="br0">
+      <inkml:brushProperty name="width" value="0.05" units="cm"/>
+      <inkml:brushProperty name="height" value="0.05" units="cm"/>
+    </inkml:brush>
+  </inkml:definitions>
+  <inkml:trace contextRef="#ctx0" brushRef="#br0">190 329 564,'-1'1'162,"0"-1"0,0 1 1,1 0-1,-1 0 0,0 0 0,1 0 0,-1 0 0,0 0 0,1 0 1,-1 0-1,1 0 0,0 0 0,-1 0 0,1 1 0,0-1 0,0 0 1,0 0-1,-1 0 0,1 0 0,1 1 0,-1 1 0,0 1 124,-4 68 1513,9 123 0,2-29-2807,-11-146-1004,3-20 1947,1 0 0,0 1 0,-1-1 0,1 0-1,-1 0 1,1 0 0,0 0 0,-1 0 0,1 0 0,-1 0 0,1 0-1,-1 0 1,1 0 0,0 0 0,-1 0 0,1 0 0,-1 0 0,1 0-1,0 0 1,-1-1 0,1 1 0,-1 0 0,1 0 0,0 0 0,-1-1-1,1 1 1,0 0 0,-1 0 0,1-1 0,0 1 0,0 0-1,-1-1 1,1 1 0,0 0 0,0-1 0,0 1 0,-1-1 0,1 1-1,0 0 1,0-1 0,0 1 0,0-1 0,0 1 0,0-1 0,-11-16-1219</inkml:trace>
+  <inkml:trace contextRef="#ctx0" brushRef="#br0" timeOffset="1">5 51 220,'-2'-23'364,"0"6"-272,4 7-360</inkml:trace>
+</inkml:ink>
+</file>
+
 <file path=ppt/ink/ink5.xml><?xml version="1.0" encoding="utf-8"?>
 <inkml:ink xmlns:inkml="http://www.w3.org/2003/InkML">
   <inkml:definitions>
@@ -1186,6 +1431,168 @@
     </inkml:brush>
   </inkml:definitions>
   <inkml:trace contextRef="#ctx0" brushRef="#br0">1 66 312,'8'45'516,"1"-1"1,31 80-1,-12-40 58,-23-48 569,-5-35-1103,0-1 0,0 0 0,0 1 0,0-1 0,0 0 0,0 1 0,0-1 0,0 0 0,0 1 0,0-1 0,0 0 0,0 1 0,0-1 0,0 0 0,0 0 0,0 1 0,-1-1 0,1 0 0,0 1-1,0-1 1,0 0 0,0 0 0,-1 1 0,1-1 0,0 0 0,0 0 0,-1 0 0,1 1 0,0-1 0,-1 0 0,1 0 0,-15-13 1126,12 7-1118,-1 0 0,1 0 1,1 0-1,-1-1 0,1 1 0,0-1 0,1 0 0,-1 0 0,1 1 1,1-1-1,-1 0 0,1 0 0,1 0 0,-1 0 0,1 0 0,0 0 0,0 1 1,5-14-1,0 3-128,0-1 0,2 1 0,-1 0 1,2 1-1,21-30 0,-20 33-34,1 0-1,0 1 1,1 0-1,1 1 1,0 1-1,26-17 1,-34 23 81,0 1 0,1 0 0,-1 0 0,1 1 0,0 0 1,0-1-1,0 2 0,0-1 0,0 1 0,0 0 0,0 0 1,0 1-1,0 0 0,0 0 0,1 0 0,-1 1 0,0 0 0,0 0 1,0 0-1,0 1 0,8 3 0,-9-2 54,0 0 1,-1 1-1,0 0 0,0-1 0,0 1 1,0 1-1,-1-1 0,1 0 1,-1 1-1,0 0 0,-1-1 0,1 1 1,-1 1-1,0-1 0,0 0 0,0 0 1,-1 1-1,0-1 0,0 1 1,0 9-1,1 11 198,-2 0-1,-1 0 1,-4 27 0,3-41-139,-1 19-43,-9 64 205,10-84-1023,-1 0 0,0 0 0,-5 12 0</inkml:trace>
+</inkml:ink>
+</file>
+
+<file path=ppt/ink/ink50.xml><?xml version="1.0" encoding="utf-8"?>
+<inkml:ink xmlns:inkml="http://www.w3.org/2003/InkML">
+  <inkml:definitions>
+    <inkml:context xml:id="ctx0">
+      <inkml:inkSource xml:id="inkSrc0">
+        <inkml:traceFormat>
+          <inkml:channel name="X" type="integer" min="-2.14748E9" max="2.14748E9" units="cm"/>
+          <inkml:channel name="Y" type="integer" min="-2.14748E9" max="2.14748E9" units="cm"/>
+          <inkml:channel name="F" type="integer" max="32767" units="dev"/>
+        </inkml:traceFormat>
+        <inkml:channelProperties>
+          <inkml:channelProperty channel="X" name="resolution" value="1000" units="1/cm"/>
+          <inkml:channelProperty channel="Y" name="resolution" value="1000" units="1/cm"/>
+          <inkml:channelProperty channel="F" name="resolution" value="0" units="1/dev"/>
+        </inkml:channelProperties>
+      </inkml:inkSource>
+      <inkml:timestamp xml:id="ts0" timeString="2021-04-30T06:12:10.685"/>
+    </inkml:context>
+    <inkml:brush xml:id="br0">
+      <inkml:brushProperty name="width" value="0.05" units="cm"/>
+      <inkml:brushProperty name="height" value="0.05" units="cm"/>
+    </inkml:brush>
+  </inkml:definitions>
+  <inkml:trace contextRef="#ctx0" brushRef="#br0">1 5 1104,'0'-1'91,"0"1"-1,0 0 1,0 0 0,0 0-1,0 0 1,0 0-1,0-1 1,0 1 0,0 0-1,0 0 1,0 0 0,0 0-1,0 0 1,0-1-1,0 1 1,0 0 0,0 0-1,0 0 1,0 0 0,0 0-1,0 0 1,0-1-1,0 1 1,0 0 0,1 0 90,-1 0-90,0 0-1,0 0 1,0 0 0,0 0-1,0 0 1,0-1-1,1 1 1,-1 0 0,0 0-1,0 0 1,0 0 0,0 0-1,0 0 1,1 0-1,-1 0 1,0 0 0,0 0-1,0 0 1,0 0 0,0 0-1,1 0 1,-1 0-1,0 0 1,0 0 0,0 0-1,0 0 1,0 0 0,1 1-1,-1-1 1,0 0-1,0 0 1,0 0 0,0 0-1,0 0 92,0 0-92,1 1 1,4 14 1791,4 33-1812,-8-41 400,20 182 1124,-5 357 0,-17-522-1573,0 5 5,4 37 1,-3-59-61,1-1 0,0 0 0,0 1 0,1-1 0,0 0 0,0 0 0,0 0 0,1 0 0,0 0 0,0-1 0,7 10-1,-7-12-60,0-1 0,0 1 0,0-1 0,0 0 0,1 0 0,-1 0 0,0-1 0,1 1 0,0-1 0,-1 0 0,1 0 0,0 0 0,-1 0 0,1-1 0,0 1 0,0-1 0,0 0 0,0 0 0,5-1 0,7-1-609,0-1-1,0-1 1,19-6 0,2-3-783,-2-2 1,0-1 0,39-24-1,-23 7-92</inkml:trace>
+</inkml:ink>
+</file>
+
+<file path=ppt/ink/ink51.xml><?xml version="1.0" encoding="utf-8"?>
+<inkml:ink xmlns:inkml="http://www.w3.org/2003/InkML">
+  <inkml:definitions>
+    <inkml:context xml:id="ctx0">
+      <inkml:inkSource xml:id="inkSrc0">
+        <inkml:traceFormat>
+          <inkml:channel name="X" type="integer" min="-2.14748E9" max="2.14748E9" units="cm"/>
+          <inkml:channel name="Y" type="integer" min="-2.14748E9" max="2.14748E9" units="cm"/>
+          <inkml:channel name="F" type="integer" max="32767" units="dev"/>
+        </inkml:traceFormat>
+        <inkml:channelProperties>
+          <inkml:channelProperty channel="X" name="resolution" value="1000" units="1/cm"/>
+          <inkml:channelProperty channel="Y" name="resolution" value="1000" units="1/cm"/>
+          <inkml:channelProperty channel="F" name="resolution" value="0" units="1/dev"/>
+        </inkml:channelProperties>
+      </inkml:inkSource>
+      <inkml:timestamp xml:id="ts0" timeString="2021-04-30T06:12:11.016"/>
+    </inkml:context>
+    <inkml:brush xml:id="br0">
+      <inkml:brushProperty name="width" value="0.05" units="cm"/>
+      <inkml:brushProperty name="height" value="0.05" units="cm"/>
+    </inkml:brush>
+  </inkml:definitions>
+  <inkml:trace contextRef="#ctx0" brushRef="#br0">148 46 848,'-56'-6'988,"12"0"-64,12 4-296,16-2-400,16 2-320,21 0-336,18-3-268,19 3-80,11-6-12,5 0-20</inkml:trace>
+</inkml:ink>
+</file>
+
+<file path=ppt/ink/ink52.xml><?xml version="1.0" encoding="utf-8"?>
+<inkml:ink xmlns:inkml="http://www.w3.org/2003/InkML">
+  <inkml:definitions>
+    <inkml:context xml:id="ctx0">
+      <inkml:inkSource xml:id="inkSrc0">
+        <inkml:traceFormat>
+          <inkml:channel name="X" type="integer" min="-2.14748E9" max="2.14748E9" units="cm"/>
+          <inkml:channel name="Y" type="integer" min="-2.14748E9" max="2.14748E9" units="cm"/>
+          <inkml:channel name="F" type="integer" max="32767" units="dev"/>
+        </inkml:traceFormat>
+        <inkml:channelProperties>
+          <inkml:channelProperty channel="X" name="resolution" value="1000" units="1/cm"/>
+          <inkml:channelProperty channel="Y" name="resolution" value="1000" units="1/cm"/>
+          <inkml:channelProperty channel="F" name="resolution" value="0" units="1/dev"/>
+        </inkml:channelProperties>
+      </inkml:inkSource>
+      <inkml:timestamp xml:id="ts0" timeString="2021-04-30T06:12:11.349"/>
+    </inkml:context>
+    <inkml:brush xml:id="br0">
+      <inkml:brushProperty name="width" value="0.05" units="cm"/>
+      <inkml:brushProperty name="height" value="0.05" units="cm"/>
+    </inkml:brush>
+  </inkml:definitions>
+  <inkml:trace contextRef="#ctx0" brushRef="#br0">267 10 60,'6'-10'2660,"-16"10"-878,-22 11 33,18-2-1520,0 0-1,0 0 0,1 1 0,0 1 1,0 0-1,2 1 0,-1 0 1,2 1-1,-12 16 0,8-7-117,0-1 0,2 2 0,0 0 0,2 1 0,-10 31 0,17-45-142,0 0 0,1 0 0,0 0 0,1 0 0,0 0 0,1 1 0,0-1 0,0 0 0,1 0 0,1 0 0,4 20 0,-3-24-69,-1-1 0,1 1 0,0-1 1,0 1-1,0-1 0,1 0 0,-1 0 0,1-1 0,1 1 0,-1-1 0,0 0 0,1 0 0,0 0 1,0-1-1,0 0 0,1 1 0,-1-2 0,1 1 0,-1-1 0,1 0 0,7 2 0,2-1-383,1-1 0,-1 0-1,0-1 1,1-1-1,-1 0 1,1-1 0,-1-1-1,0 0 1,1-1 0,-1-1-1,0 0 1,-1-1-1,1-1 1,-1 0 0,0-1-1,-1-1 1,16-10 0,19-20-1195</inkml:trace>
+</inkml:ink>
+</file>
+
+<file path=ppt/ink/ink53.xml><?xml version="1.0" encoding="utf-8"?>
+<inkml:ink xmlns:inkml="http://www.w3.org/2003/InkML">
+  <inkml:definitions>
+    <inkml:context xml:id="ctx0">
+      <inkml:inkSource xml:id="inkSrc0">
+        <inkml:traceFormat>
+          <inkml:channel name="X" type="integer" min="-2.14748E9" max="2.14748E9" units="cm"/>
+          <inkml:channel name="Y" type="integer" min="-2.14748E9" max="2.14748E9" units="cm"/>
+          <inkml:channel name="F" type="integer" max="32767" units="dev"/>
+        </inkml:traceFormat>
+        <inkml:channelProperties>
+          <inkml:channelProperty channel="X" name="resolution" value="1000" units="1/cm"/>
+          <inkml:channelProperty channel="Y" name="resolution" value="1000" units="1/cm"/>
+          <inkml:channelProperty channel="F" name="resolution" value="0" units="1/dev"/>
+        </inkml:channelProperties>
+      </inkml:inkSource>
+      <inkml:timestamp xml:id="ts0" timeString="2021-04-30T06:12:11.690"/>
+    </inkml:context>
+    <inkml:brush xml:id="br0">
+      <inkml:brushProperty name="width" value="0.05" units="cm"/>
+      <inkml:brushProperty name="height" value="0.05" units="cm"/>
+    </inkml:brush>
+  </inkml:definitions>
+  <inkml:trace contextRef="#ctx0" brushRef="#br0">113 82 192,'-9'-12'393,"4"5"-122,1 0 0,-1 1 0,-1-1-1,1 1 1,-1 1 0,0-1-1,0 1 1,0 0 0,-14-8-1,19 13-228,1 0-1,-1-1 0,0 1 0,0 0 0,0-1 1,1 1-1,-1 0 0,0 0 0,0 0 1,0 0-1,1 0 0,-1 0 0,0 0 0,0 0 1,0 0-1,0 0 0,1 0 0,-1 0 1,0 1-1,0-1 0,0 0 0,1 1 1,-1-1-1,0 0 0,1 1 0,-1-1 0,0 1 1,-1 0-1,1 1 11,0 0 1,0 0-1,0 0 1,0 0-1,0 0 0,1 0 1,-1 0-1,0 0 1,1 0-1,-1 0 1,1 3-1,-1 7 115,1-1-1,0 1 1,3 15 0,46 258 1236,-24-164-912,14 213 0,-38-321-355,-2-1 0,1 1-1,-4 15 1,3-25-79,1-1 0,-1 1 0,0 0 0,0-1 0,0 1-1,0 0 1,-1-1 0,1 1 0,-3 3 0,3-6-24,0 1 0,1 0 0,-1-1 1,0 1-1,0-1 0,0 1 0,0-1 0,1 1 0,-1-1 0,0 1 0,0-1 0,0 0 0,0 1 0,0-1 0,0 0 0,0 0 0,0 0 0,0 0 0,0 0 0,0 0 0,0 0 0,0 0 0,0 0 0,0-1 1,0 1-1,-2-1 0,1 0-6,0 0 1,0 0-1,0-1 1,0 1-1,0-1 0,0 1 1,0-1-1,1 0 1,-1 0-1,1 0 1,-1 0-1,1 0 1,-1 0-1,1 0 1,0 0-1,0 0 1,0-1-1,1 1 1,-1 0-1,0-1 1,1 1-1,-1 0 1,1-1-1,0 1 1,0-1-1,0 1 0,0-1 1,1-3-1,0-5-25,0 0 0,1 0 0,1 0-1,0 0 1,4-11 0,1 3-67,1 0 1,1 0-1,1 1 1,1 0-1,0 1 1,1 0-1,1 1 1,1 0-1,27-22 1,-32 30 17,0 1 1,0 0-1,1 1 1,0 0 0,1 0-1,0 1 1,21-6-1,-25 9 23,0 1 0,0-1-1,0 2 1,0-1 0,0 1 0,0 0-1,1 1 1,-1 0 0,0 0 0,0 1-1,-1 0 1,16 6 0,-17-5 25,0-1 0,0 1 0,0 1 1,0-1-1,-1 1 0,0 0 0,1 0 0,-2 1 0,1-1 1,0 1-1,-1 0 0,0 0 0,0 1 0,0-1 0,-1 1 1,0 0-1,0 0 0,0 0 0,-1 0 0,0 1 0,0-1 1,-1 0-1,1 1 0,-2 0 0,1 11 0,-1-6 19,-1 0 0,0 0-1,-1-1 1,0 1 0,-1 0-1,-1-1 1,1 1 0,-2-1-1,0 0 1,0 0 0,-1-1 0,0 0-1,-11 14 1,-36 35-875,50-56 572,0 1 0,-1-1 0,0 0 0,1 0 0,-1-1-1,0 1 1,-1-1 0,1 0 0,0 0 0,-1 0 0,1-1 0,-1 1 0,1-1 0,-6 1 0,9-2 206,1 0 0,-1 0 0,0-1 0,1 1 0,-1 0 0,0 0 0,1 0 1,-1 0-1,1-1 0,-1 1 0,1 0 0,-1-1 0,1 1 0,-1 0 0,1-1 0,-1 1 0,1-1 1,-1 1-1,1-1 0,-1 1 0,1-1 0,0 1 0,-1-1 0,1 1 0,0-1 0,0 0 0,-1 1 1,1-1-1,0 1 0,0-1 0,0 0 0,0 1 0,0-1 0,0 0 0,0 1 0,0-1 0,0 0 1,0 1-1,0-1 0,0 1 0,0-1 0,0 0 0,1 0 0,6-24-1353</inkml:trace>
+</inkml:ink>
+</file>
+
+<file path=ppt/ink/ink54.xml><?xml version="1.0" encoding="utf-8"?>
+<inkml:ink xmlns:inkml="http://www.w3.org/2003/InkML">
+  <inkml:definitions>
+    <inkml:context xml:id="ctx0">
+      <inkml:inkSource xml:id="inkSrc0">
+        <inkml:traceFormat>
+          <inkml:channel name="X" type="integer" min="-2.14748E9" max="2.14748E9" units="cm"/>
+          <inkml:channel name="Y" type="integer" min="-2.14748E9" max="2.14748E9" units="cm"/>
+          <inkml:channel name="F" type="integer" max="32767" units="dev"/>
+        </inkml:traceFormat>
+        <inkml:channelProperties>
+          <inkml:channelProperty channel="X" name="resolution" value="1000" units="1/cm"/>
+          <inkml:channelProperty channel="Y" name="resolution" value="1000" units="1/cm"/>
+          <inkml:channelProperty channel="F" name="resolution" value="0" units="1/dev"/>
+        </inkml:channelProperties>
+      </inkml:inkSource>
+      <inkml:timestamp xml:id="ts0" timeString="2021-04-30T06:12:12.016"/>
+    </inkml:context>
+    <inkml:brush xml:id="br0">
+      <inkml:brushProperty name="width" value="0.05" units="cm"/>
+      <inkml:brushProperty name="height" value="0.05" units="cm"/>
+    </inkml:brush>
+  </inkml:definitions>
+  <inkml:trace contextRef="#ctx0" brushRef="#br0">93 219 40,'5'22'1488,"-5"-17"-886,1-1-1,0 0 0,0 1 1,0-1-1,1 0 1,3 8-1,-4-11-516,0 0 1,0 0-1,0 0 0,0 0 1,0 0-1,0 0 1,0 0-1,0 0 0,0-1 1,1 1-1,-1 0 1,0-1-1,0 1 0,1-1 1,-1 1-1,0-1 0,1 0 1,-1 0-1,1 1 1,-1-1-1,0 0 0,1 0 1,-1 0-1,1-1 1,-1 1-1,0 0 0,2-1 1,6-1-55,0-1 0,-1 0-1,1-1 1,-1 1 0,1-2 0,-1 1 0,-1-1 0,1 0 0,-1-1 0,0 0 0,0 0-1,0-1 1,-1 1 0,0-2 0,0 1 0,6-11 0,-9 13-6,0 0 1,0 0-1,0 0 1,0 0-1,-1-1 0,0 1 1,0-1-1,-1 1 1,0-1-1,1 0 1,-2 0-1,1 1 0,-1-1 1,0 0-1,0 0 1,0 0-1,-1 1 0,0-1 1,0 0-1,-1 0 1,0 1-1,0-1 1,0 1-1,0 0 0,-1 0 1,-6-10-1,7 12 11,0 0-1,0 1 1,-1-1-1,1 1 0,-1 0 1,1-1-1,-1 1 1,0 0-1,0 0 1,0 1-1,0-1 1,0 1-1,0-1 1,-1 1-1,1 0 0,0 0 1,-1 1-1,1-1 1,-7 0-1,5 2 4,0-1-1,0 1 1,0 0-1,0 1 1,1-1 0,-1 1-1,0 0 1,1 0-1,-1 0 1,1 1-1,0-1 1,-5 5 0,-4 4 49,0 0 1,1 1 0,1 1-1,0 0 1,1 0 0,0 1 0,-7 15-1,8-12-22,1 0-1,1 0 0,1 0 0,0 1 0,1 0 1,1 0-1,1 0 0,-1 20 0,4-31-74,0 1 0,0-1 0,1 0 0,0 1 0,0-1 0,1 0 0,0 0 0,0 0 0,1 0 0,3 7 0,-4-9-44,1-1-1,0 0 1,0 0 0,1 0 0,-1 0-1,1 0 1,0-1 0,0 1-1,0-1 1,0 0 0,1 0 0,-1-1-1,1 1 1,0-1 0,7 3 0,1-2-325,-1 0 0,1-1 0,0 0 0,0-1 1,0 0-1,0-1 0,0 0 0,-1-1 0,22-5 1,-10 1-472,0-1 1,0-2 0,-1 0 0,27-14-1,14-14-879</inkml:trace>
+</inkml:ink>
+</file>
+
+<file path=ppt/ink/ink55.xml><?xml version="1.0" encoding="utf-8"?>
+<inkml:ink xmlns:inkml="http://www.w3.org/2003/InkML">
+  <inkml:definitions>
+    <inkml:context xml:id="ctx0">
+      <inkml:inkSource xml:id="inkSrc0">
+        <inkml:traceFormat>
+          <inkml:channel name="X" type="integer" min="-2.14748E9" max="2.14748E9" units="cm"/>
+          <inkml:channel name="Y" type="integer" min="-2.14748E9" max="2.14748E9" units="cm"/>
+          <inkml:channel name="F" type="integer" max="32767" units="dev"/>
+        </inkml:traceFormat>
+        <inkml:channelProperties>
+          <inkml:channelProperty channel="X" name="resolution" value="1000" units="1/cm"/>
+          <inkml:channelProperty channel="Y" name="resolution" value="1000" units="1/cm"/>
+          <inkml:channelProperty channel="F" name="resolution" value="0" units="1/dev"/>
+        </inkml:channelProperties>
+      </inkml:inkSource>
+      <inkml:timestamp xml:id="ts0" timeString="2021-04-30T06:12:12.349"/>
+    </inkml:context>
+    <inkml:brush xml:id="br0">
+      <inkml:brushProperty name="width" value="0.05" units="cm"/>
+      <inkml:brushProperty name="height" value="0.05" units="cm"/>
+    </inkml:brush>
+  </inkml:definitions>
+  <inkml:trace contextRef="#ctx0" brushRef="#br0">406 82 552,'1'-3'199,"1"-4"268,0 0 1,-1-1-1,0 1 0,0 0 0,-1-9 1,0 15-383,0 0 1,0 0 0,0 0 0,0 0 0,-1 0 0,1 0-1,0 0 1,-1 0 0,1 0 0,0 0 0,-1 0 0,1 0-1,-1 0 1,0 0 0,1 0 0,-1 0 0,0 0 0,1 0-1,-1 1 1,0-1 0,0 0 0,0 0 0,0 1 0,0-1-1,0 1 1,0-1 0,0 1 0,0-1 0,0 1 0,0 0-1,0-1 1,0 1 0,0 0 0,0 0 0,0 0 0,0 0 0,0 0-1,-1 0 1,1 0 0,0 0 0,0 0 0,0 1 0,-1-1-1,-7 3 113,1-1 1,0 1-1,1 0 0,-1 1 0,0 0 0,1 0 0,0 1 0,0 0 0,0 0 0,1 0 0,0 1 0,-9 9 0,-3 7 130,1-1-1,-21 37 0,29-44-244,0 1 0,2-1 1,0 1-1,-10 30 1,16-43-83,1 0 1,-1 1-1,0-1 1,1 1 0,-1-1-1,1 1 1,0 0-1,0-1 1,0 1 0,0-1-1,0 1 1,1-1-1,-1 1 1,1-1-1,-1 1 1,1-1 0,0 1-1,0-1 1,0 0-1,0 1 1,1-1 0,-1 0-1,1 0 1,-1 0-1,1 0 1,0 0-1,0 0 1,0-1 0,0 1-1,0 0 1,0-1-1,0 0 1,0 1 0,0-1-1,1 0 1,-1 0-1,1 0 1,-1-1 0,1 1-1,3 0 1,19 3-141,0-1-1,0-2 1,1 0 0,25-3 0,-27 0-73,1 1-1,0 2 1,0 0 0,32 7-1,-53-7 212,0 0-1,0 0 1,-1 0-1,1 0 1,0 1-1,-1-1 1,1 1-1,-1 0 0,0 0 1,0 1-1,1-1 1,-1 0-1,-1 1 1,1 0-1,0 0 1,-1 0-1,1 0 1,-1 0-1,0 0 1,2 5-1,-2-4 63,-2 0 0,1 0 0,0 0 0,-1 0 0,1 0 0,-1-1 0,0 1 0,-1 0 0,1 0 0,-1 0 0,1 0 0,-1 0 0,0 0 0,-1-1 0,1 1 0,-1 0 0,1-1 0,-1 1 0,0-1 0,-3 4 0,-6 7 315,0 0 1,-1 0-1,-1-1 1,0-1-1,0 0 0,-1-1 1,-1 0-1,0-1 1,-1-1-1,1 0 0,-28 9 1,20-8-127,-1-2 0,0-1 0,0-1 1,0-1-1,-1-1 0,0-1 0,-47-1 1,63-3-672,0 0-1,0 0 1,0-1 0,0 0 0,0-1 0,0 1 0,1-2 0,-14-6 0,19 8 72,0 1 1,1-1-1,0 1 1,-1-1-1,1 0 0,0 0 1,0 0-1,0 0 1,0 0-1,0-1 0,0 1 1,1-1-1,-1 1 1,1-1-1,0 1 0,0-1 1,0 0-1,0 0 1,0 1-1,0-1 1,1 0-1,-1 0 0,1 0 1,0 0-1,0 0 1,0 0-1,0 0 0,1 1 1,-1-1-1,2-5 1,8-15-1784</inkml:trace>
 </inkml:ink>
 </file>
 
@@ -1445,7 +1852,7 @@
           <a:p>
             <a:fld id="{9B2AC154-6931-4EC5-8994-E2E67F67CEF3}" type="datetimeFigureOut">
               <a:rPr lang="en-US" smtClean="0"/>
-              <a:t>4/30/2021</a:t>
+              <a:t>6/25/2021</a:t>
             </a:fld>
             <a:endParaRPr lang="en-US"/>
           </a:p>
@@ -1643,7 +2050,7 @@
           <a:p>
             <a:fld id="{9B2AC154-6931-4EC5-8994-E2E67F67CEF3}" type="datetimeFigureOut">
               <a:rPr lang="en-US" smtClean="0"/>
-              <a:t>4/30/2021</a:t>
+              <a:t>6/25/2021</a:t>
             </a:fld>
             <a:endParaRPr lang="en-US"/>
           </a:p>
@@ -1851,7 +2258,7 @@
           <a:p>
             <a:fld id="{9B2AC154-6931-4EC5-8994-E2E67F67CEF3}" type="datetimeFigureOut">
               <a:rPr lang="en-US" smtClean="0"/>
-              <a:t>4/30/2021</a:t>
+              <a:t>6/25/2021</a:t>
             </a:fld>
             <a:endParaRPr lang="en-US"/>
           </a:p>
@@ -2049,7 +2456,7 @@
           <a:p>
             <a:fld id="{9B2AC154-6931-4EC5-8994-E2E67F67CEF3}" type="datetimeFigureOut">
               <a:rPr lang="en-US" smtClean="0"/>
-              <a:t>4/30/2021</a:t>
+              <a:t>6/25/2021</a:t>
             </a:fld>
             <a:endParaRPr lang="en-US"/>
           </a:p>
@@ -2324,7 +2731,7 @@
           <a:p>
             <a:fld id="{9B2AC154-6931-4EC5-8994-E2E67F67CEF3}" type="datetimeFigureOut">
               <a:rPr lang="en-US" smtClean="0"/>
-              <a:t>4/30/2021</a:t>
+              <a:t>6/25/2021</a:t>
             </a:fld>
             <a:endParaRPr lang="en-US"/>
           </a:p>
@@ -2589,7 +2996,7 @@
           <a:p>
             <a:fld id="{9B2AC154-6931-4EC5-8994-E2E67F67CEF3}" type="datetimeFigureOut">
               <a:rPr lang="en-US" smtClean="0"/>
-              <a:t>4/30/2021</a:t>
+              <a:t>6/25/2021</a:t>
             </a:fld>
             <a:endParaRPr lang="en-US"/>
           </a:p>
@@ -3001,7 +3408,7 @@
           <a:p>
             <a:fld id="{9B2AC154-6931-4EC5-8994-E2E67F67CEF3}" type="datetimeFigureOut">
               <a:rPr lang="en-US" smtClean="0"/>
-              <a:t>4/30/2021</a:t>
+              <a:t>6/25/2021</a:t>
             </a:fld>
             <a:endParaRPr lang="en-US"/>
           </a:p>
@@ -3142,7 +3549,7 @@
           <a:p>
             <a:fld id="{9B2AC154-6931-4EC5-8994-E2E67F67CEF3}" type="datetimeFigureOut">
               <a:rPr lang="en-US" smtClean="0"/>
-              <a:t>4/30/2021</a:t>
+              <a:t>6/25/2021</a:t>
             </a:fld>
             <a:endParaRPr lang="en-US"/>
           </a:p>
@@ -3255,7 +3662,7 @@
           <a:p>
             <a:fld id="{9B2AC154-6931-4EC5-8994-E2E67F67CEF3}" type="datetimeFigureOut">
               <a:rPr lang="en-US" smtClean="0"/>
-              <a:t>4/30/2021</a:t>
+              <a:t>6/25/2021</a:t>
             </a:fld>
             <a:endParaRPr lang="en-US"/>
           </a:p>
@@ -3566,7 +3973,7 @@
           <a:p>
             <a:fld id="{9B2AC154-6931-4EC5-8994-E2E67F67CEF3}" type="datetimeFigureOut">
               <a:rPr lang="en-US" smtClean="0"/>
-              <a:t>4/30/2021</a:t>
+              <a:t>6/25/2021</a:t>
             </a:fld>
             <a:endParaRPr lang="en-US"/>
           </a:p>
@@ -3854,7 +4261,7 @@
           <a:p>
             <a:fld id="{9B2AC154-6931-4EC5-8994-E2E67F67CEF3}" type="datetimeFigureOut">
               <a:rPr lang="en-US" smtClean="0"/>
-              <a:t>4/30/2021</a:t>
+              <a:t>6/25/2021</a:t>
             </a:fld>
             <a:endParaRPr lang="en-US"/>
           </a:p>
@@ -4095,7 +4502,7 @@
           <a:p>
             <a:fld id="{9B2AC154-6931-4EC5-8994-E2E67F67CEF3}" type="datetimeFigureOut">
               <a:rPr lang="en-US" smtClean="0"/>
-              <a:t>4/30/2021</a:t>
+              <a:t>6/25/2021</a:t>
             </a:fld>
             <a:endParaRPr lang="en-US"/>
           </a:p>
@@ -4843,8 +5250,8 @@
             <a:chExt cx="2519280" cy="504720"/>
           </a:xfrm>
         </p:grpSpPr>
-        <mc:AlternateContent xmlns:mc="http://schemas.openxmlformats.org/markup-compatibility/2006">
-          <mc:Choice xmlns:p14="http://schemas.microsoft.com/office/powerpoint/2010/main" Requires="p14">
+        <mc:AlternateContent xmlns:mc="http://schemas.openxmlformats.org/markup-compatibility/2006" xmlns:p14="http://schemas.microsoft.com/office/powerpoint/2010/main">
+          <mc:Choice Requires="p14">
             <p:contentPart p14:bwMode="auto" r:id="rId3">
               <p14:nvContentPartPr>
                 <p14:cNvPr id="23" name="Ink 22">
@@ -4863,7 +5270,7 @@
               </p14:xfrm>
             </p:contentPart>
           </mc:Choice>
-          <mc:Fallback>
+          <mc:Fallback xmlns="">
             <p:pic>
               <p:nvPicPr>
                 <p:cNvPr id="23" name="Ink 22">
@@ -4894,8 +5301,8 @@
             </p:pic>
           </mc:Fallback>
         </mc:AlternateContent>
-        <mc:AlternateContent xmlns:mc="http://schemas.openxmlformats.org/markup-compatibility/2006">
-          <mc:Choice xmlns:p14="http://schemas.microsoft.com/office/powerpoint/2010/main" Requires="p14">
+        <mc:AlternateContent xmlns:mc="http://schemas.openxmlformats.org/markup-compatibility/2006" xmlns:p14="http://schemas.microsoft.com/office/powerpoint/2010/main">
+          <mc:Choice Requires="p14">
             <p:contentPart p14:bwMode="auto" r:id="rId5">
               <p14:nvContentPartPr>
                 <p14:cNvPr id="24" name="Ink 23">
@@ -4914,7 +5321,7 @@
               </p14:xfrm>
             </p:contentPart>
           </mc:Choice>
-          <mc:Fallback>
+          <mc:Fallback xmlns="">
             <p:pic>
               <p:nvPicPr>
                 <p:cNvPr id="24" name="Ink 23">
@@ -4945,8 +5352,8 @@
             </p:pic>
           </mc:Fallback>
         </mc:AlternateContent>
-        <mc:AlternateContent xmlns:mc="http://schemas.openxmlformats.org/markup-compatibility/2006">
-          <mc:Choice xmlns:p14="http://schemas.microsoft.com/office/powerpoint/2010/main" Requires="p14">
+        <mc:AlternateContent xmlns:mc="http://schemas.openxmlformats.org/markup-compatibility/2006" xmlns:p14="http://schemas.microsoft.com/office/powerpoint/2010/main">
+          <mc:Choice Requires="p14">
             <p:contentPart p14:bwMode="auto" r:id="rId7">
               <p14:nvContentPartPr>
                 <p14:cNvPr id="25" name="Ink 24">
@@ -4965,7 +5372,7 @@
               </p14:xfrm>
             </p:contentPart>
           </mc:Choice>
-          <mc:Fallback>
+          <mc:Fallback xmlns="">
             <p:pic>
               <p:nvPicPr>
                 <p:cNvPr id="25" name="Ink 24">
@@ -4996,8 +5403,8 @@
             </p:pic>
           </mc:Fallback>
         </mc:AlternateContent>
-        <mc:AlternateContent xmlns:mc="http://schemas.openxmlformats.org/markup-compatibility/2006">
-          <mc:Choice xmlns:p14="http://schemas.microsoft.com/office/powerpoint/2010/main" Requires="p14">
+        <mc:AlternateContent xmlns:mc="http://schemas.openxmlformats.org/markup-compatibility/2006" xmlns:p14="http://schemas.microsoft.com/office/powerpoint/2010/main">
+          <mc:Choice Requires="p14">
             <p:contentPart p14:bwMode="auto" r:id="rId9">
               <p14:nvContentPartPr>
                 <p14:cNvPr id="26" name="Ink 25">
@@ -5016,7 +5423,7 @@
               </p14:xfrm>
             </p:contentPart>
           </mc:Choice>
-          <mc:Fallback>
+          <mc:Fallback xmlns="">
             <p:pic>
               <p:nvPicPr>
                 <p:cNvPr id="26" name="Ink 25">
@@ -5047,8 +5454,8 @@
             </p:pic>
           </mc:Fallback>
         </mc:AlternateContent>
-        <mc:AlternateContent xmlns:mc="http://schemas.openxmlformats.org/markup-compatibility/2006">
-          <mc:Choice xmlns:p14="http://schemas.microsoft.com/office/powerpoint/2010/main" Requires="p14">
+        <mc:AlternateContent xmlns:mc="http://schemas.openxmlformats.org/markup-compatibility/2006" xmlns:p14="http://schemas.microsoft.com/office/powerpoint/2010/main">
+          <mc:Choice Requires="p14">
             <p:contentPart p14:bwMode="auto" r:id="rId11">
               <p14:nvContentPartPr>
                 <p14:cNvPr id="27" name="Ink 26">
@@ -5067,7 +5474,7 @@
               </p14:xfrm>
             </p:contentPart>
           </mc:Choice>
-          <mc:Fallback>
+          <mc:Fallback xmlns="">
             <p:pic>
               <p:nvPicPr>
                 <p:cNvPr id="27" name="Ink 26">
@@ -5098,8 +5505,8 @@
             </p:pic>
           </mc:Fallback>
         </mc:AlternateContent>
-        <mc:AlternateContent xmlns:mc="http://schemas.openxmlformats.org/markup-compatibility/2006">
-          <mc:Choice xmlns:p14="http://schemas.microsoft.com/office/powerpoint/2010/main" Requires="p14">
+        <mc:AlternateContent xmlns:mc="http://schemas.openxmlformats.org/markup-compatibility/2006" xmlns:p14="http://schemas.microsoft.com/office/powerpoint/2010/main">
+          <mc:Choice Requires="p14">
             <p:contentPart p14:bwMode="auto" r:id="rId13">
               <p14:nvContentPartPr>
                 <p14:cNvPr id="28" name="Ink 27">
@@ -5118,7 +5525,7 @@
               </p14:xfrm>
             </p:contentPart>
           </mc:Choice>
-          <mc:Fallback>
+          <mc:Fallback xmlns="">
             <p:pic>
               <p:nvPicPr>
                 <p:cNvPr id="28" name="Ink 27">
@@ -5149,8 +5556,8 @@
             </p:pic>
           </mc:Fallback>
         </mc:AlternateContent>
-        <mc:AlternateContent xmlns:mc="http://schemas.openxmlformats.org/markup-compatibility/2006">
-          <mc:Choice xmlns:p14="http://schemas.microsoft.com/office/powerpoint/2010/main" Requires="p14">
+        <mc:AlternateContent xmlns:mc="http://schemas.openxmlformats.org/markup-compatibility/2006" xmlns:p14="http://schemas.microsoft.com/office/powerpoint/2010/main">
+          <mc:Choice Requires="p14">
             <p:contentPart p14:bwMode="auto" r:id="rId15">
               <p14:nvContentPartPr>
                 <p14:cNvPr id="29" name="Ink 28">
@@ -5169,7 +5576,7 @@
               </p14:xfrm>
             </p:contentPart>
           </mc:Choice>
-          <mc:Fallback>
+          <mc:Fallback xmlns="">
             <p:pic>
               <p:nvPicPr>
                 <p:cNvPr id="29" name="Ink 28">
@@ -5200,8 +5607,8 @@
             </p:pic>
           </mc:Fallback>
         </mc:AlternateContent>
-        <mc:AlternateContent xmlns:mc="http://schemas.openxmlformats.org/markup-compatibility/2006">
-          <mc:Choice xmlns:p14="http://schemas.microsoft.com/office/powerpoint/2010/main" Requires="p14">
+        <mc:AlternateContent xmlns:mc="http://schemas.openxmlformats.org/markup-compatibility/2006" xmlns:p14="http://schemas.microsoft.com/office/powerpoint/2010/main">
+          <mc:Choice Requires="p14">
             <p:contentPart p14:bwMode="auto" r:id="rId17">
               <p14:nvContentPartPr>
                 <p14:cNvPr id="30" name="Ink 29">
@@ -5220,7 +5627,7 @@
               </p14:xfrm>
             </p:contentPart>
           </mc:Choice>
-          <mc:Fallback>
+          <mc:Fallback xmlns="">
             <p:pic>
               <p:nvPicPr>
                 <p:cNvPr id="30" name="Ink 29">
@@ -5251,8 +5658,8 @@
             </p:pic>
           </mc:Fallback>
         </mc:AlternateContent>
-        <mc:AlternateContent xmlns:mc="http://schemas.openxmlformats.org/markup-compatibility/2006">
-          <mc:Choice xmlns:p14="http://schemas.microsoft.com/office/powerpoint/2010/main" Requires="p14">
+        <mc:AlternateContent xmlns:mc="http://schemas.openxmlformats.org/markup-compatibility/2006" xmlns:p14="http://schemas.microsoft.com/office/powerpoint/2010/main">
+          <mc:Choice Requires="p14">
             <p:contentPart p14:bwMode="auto" r:id="rId19">
               <p14:nvContentPartPr>
                 <p14:cNvPr id="31" name="Ink 30">
@@ -5271,7 +5678,7 @@
               </p14:xfrm>
             </p:contentPart>
           </mc:Choice>
-          <mc:Fallback>
+          <mc:Fallback xmlns="">
             <p:pic>
               <p:nvPicPr>
                 <p:cNvPr id="31" name="Ink 30">
@@ -5302,8 +5709,8 @@
             </p:pic>
           </mc:Fallback>
         </mc:AlternateContent>
-        <mc:AlternateContent xmlns:mc="http://schemas.openxmlformats.org/markup-compatibility/2006">
-          <mc:Choice xmlns:p14="http://schemas.microsoft.com/office/powerpoint/2010/main" Requires="p14">
+        <mc:AlternateContent xmlns:mc="http://schemas.openxmlformats.org/markup-compatibility/2006" xmlns:p14="http://schemas.microsoft.com/office/powerpoint/2010/main">
+          <mc:Choice Requires="p14">
             <p:contentPart p14:bwMode="auto" r:id="rId21">
               <p14:nvContentPartPr>
                 <p14:cNvPr id="32" name="Ink 31">
@@ -5322,7 +5729,7 @@
               </p14:xfrm>
             </p:contentPart>
           </mc:Choice>
-          <mc:Fallback>
+          <mc:Fallback xmlns="">
             <p:pic>
               <p:nvPicPr>
                 <p:cNvPr id="32" name="Ink 31">
@@ -5353,8 +5760,8 @@
             </p:pic>
           </mc:Fallback>
         </mc:AlternateContent>
-        <mc:AlternateContent xmlns:mc="http://schemas.openxmlformats.org/markup-compatibility/2006">
-          <mc:Choice xmlns:p14="http://schemas.microsoft.com/office/powerpoint/2010/main" Requires="p14">
+        <mc:AlternateContent xmlns:mc="http://schemas.openxmlformats.org/markup-compatibility/2006" xmlns:p14="http://schemas.microsoft.com/office/powerpoint/2010/main">
+          <mc:Choice Requires="p14">
             <p:contentPart p14:bwMode="auto" r:id="rId23">
               <p14:nvContentPartPr>
                 <p14:cNvPr id="33" name="Ink 32">
@@ -5373,7 +5780,7 @@
               </p14:xfrm>
             </p:contentPart>
           </mc:Choice>
-          <mc:Fallback>
+          <mc:Fallback xmlns="">
             <p:pic>
               <p:nvPicPr>
                 <p:cNvPr id="33" name="Ink 32">
@@ -5404,8 +5811,8 @@
             </p:pic>
           </mc:Fallback>
         </mc:AlternateContent>
-        <mc:AlternateContent xmlns:mc="http://schemas.openxmlformats.org/markup-compatibility/2006">
-          <mc:Choice xmlns:p14="http://schemas.microsoft.com/office/powerpoint/2010/main" Requires="p14">
+        <mc:AlternateContent xmlns:mc="http://schemas.openxmlformats.org/markup-compatibility/2006" xmlns:p14="http://schemas.microsoft.com/office/powerpoint/2010/main">
+          <mc:Choice Requires="p14">
             <p:contentPart p14:bwMode="auto" r:id="rId25">
               <p14:nvContentPartPr>
                 <p14:cNvPr id="34" name="Ink 33">
@@ -5424,7 +5831,7 @@
               </p14:xfrm>
             </p:contentPart>
           </mc:Choice>
-          <mc:Fallback>
+          <mc:Fallback xmlns="">
             <p:pic>
               <p:nvPicPr>
                 <p:cNvPr id="34" name="Ink 33">
@@ -5455,8 +5862,8 @@
             </p:pic>
           </mc:Fallback>
         </mc:AlternateContent>
-        <mc:AlternateContent xmlns:mc="http://schemas.openxmlformats.org/markup-compatibility/2006">
-          <mc:Choice xmlns:p14="http://schemas.microsoft.com/office/powerpoint/2010/main" Requires="p14">
+        <mc:AlternateContent xmlns:mc="http://schemas.openxmlformats.org/markup-compatibility/2006" xmlns:p14="http://schemas.microsoft.com/office/powerpoint/2010/main">
+          <mc:Choice Requires="p14">
             <p:contentPart p14:bwMode="auto" r:id="rId27">
               <p14:nvContentPartPr>
                 <p14:cNvPr id="35" name="Ink 34">
@@ -5475,7 +5882,7 @@
               </p14:xfrm>
             </p:contentPart>
           </mc:Choice>
-          <mc:Fallback>
+          <mc:Fallback xmlns="">
             <p:pic>
               <p:nvPicPr>
                 <p:cNvPr id="35" name="Ink 34">
@@ -5506,8 +5913,8 @@
             </p:pic>
           </mc:Fallback>
         </mc:AlternateContent>
-        <mc:AlternateContent xmlns:mc="http://schemas.openxmlformats.org/markup-compatibility/2006">
-          <mc:Choice xmlns:p14="http://schemas.microsoft.com/office/powerpoint/2010/main" Requires="p14">
+        <mc:AlternateContent xmlns:mc="http://schemas.openxmlformats.org/markup-compatibility/2006" xmlns:p14="http://schemas.microsoft.com/office/powerpoint/2010/main">
+          <mc:Choice Requires="p14">
             <p:contentPart p14:bwMode="auto" r:id="rId29">
               <p14:nvContentPartPr>
                 <p14:cNvPr id="36" name="Ink 35">
@@ -5526,7 +5933,7 @@
               </p14:xfrm>
             </p:contentPart>
           </mc:Choice>
-          <mc:Fallback>
+          <mc:Fallback xmlns="">
             <p:pic>
               <p:nvPicPr>
                 <p:cNvPr id="36" name="Ink 35">
@@ -5557,8 +5964,8 @@
             </p:pic>
           </mc:Fallback>
         </mc:AlternateContent>
-        <mc:AlternateContent xmlns:mc="http://schemas.openxmlformats.org/markup-compatibility/2006">
-          <mc:Choice xmlns:p14="http://schemas.microsoft.com/office/powerpoint/2010/main" Requires="p14">
+        <mc:AlternateContent xmlns:mc="http://schemas.openxmlformats.org/markup-compatibility/2006" xmlns:p14="http://schemas.microsoft.com/office/powerpoint/2010/main">
+          <mc:Choice Requires="p14">
             <p:contentPart p14:bwMode="auto" r:id="rId31">
               <p14:nvContentPartPr>
                 <p14:cNvPr id="37" name="Ink 36">
@@ -5577,7 +5984,7 @@
               </p14:xfrm>
             </p:contentPart>
           </mc:Choice>
-          <mc:Fallback>
+          <mc:Fallback xmlns="">
             <p:pic>
               <p:nvPicPr>
                 <p:cNvPr id="37" name="Ink 36">
@@ -5702,8 +6109,8 @@
           </a:xfrm>
         </p:spPr>
       </p:pic>
-      <mc:AlternateContent xmlns:mc="http://schemas.openxmlformats.org/markup-compatibility/2006">
-        <mc:Choice xmlns:p14="http://schemas.microsoft.com/office/powerpoint/2010/main" Requires="p14">
+      <mc:AlternateContent xmlns:mc="http://schemas.openxmlformats.org/markup-compatibility/2006" xmlns:p14="http://schemas.microsoft.com/office/powerpoint/2010/main">
+        <mc:Choice Requires="p14">
           <p:contentPart p14:bwMode="auto" r:id="rId3">
             <p14:nvContentPartPr>
               <p14:cNvPr id="8" name="Ink 7">
@@ -5722,7 +6129,7 @@
             </p14:xfrm>
           </p:contentPart>
         </mc:Choice>
-        <mc:Fallback>
+        <mc:Fallback xmlns="">
           <p:pic>
             <p:nvPicPr>
               <p:cNvPr id="8" name="Ink 7">
@@ -5753,8 +6160,8 @@
           </p:pic>
         </mc:Fallback>
       </mc:AlternateContent>
-      <mc:AlternateContent xmlns:mc="http://schemas.openxmlformats.org/markup-compatibility/2006">
-        <mc:Choice xmlns:p14="http://schemas.microsoft.com/office/powerpoint/2010/main" Requires="p14">
+      <mc:AlternateContent xmlns:mc="http://schemas.openxmlformats.org/markup-compatibility/2006" xmlns:p14="http://schemas.microsoft.com/office/powerpoint/2010/main">
+        <mc:Choice Requires="p14">
           <p:contentPart p14:bwMode="auto" r:id="rId5">
             <p14:nvContentPartPr>
               <p14:cNvPr id="9" name="Ink 8">
@@ -5773,7 +6180,7 @@
             </p14:xfrm>
           </p:contentPart>
         </mc:Choice>
-        <mc:Fallback>
+        <mc:Fallback xmlns="">
           <p:pic>
             <p:nvPicPr>
               <p:cNvPr id="9" name="Ink 8">
@@ -5804,8 +6211,8 @@
           </p:pic>
         </mc:Fallback>
       </mc:AlternateContent>
-      <mc:AlternateContent xmlns:mc="http://schemas.openxmlformats.org/markup-compatibility/2006">
-        <mc:Choice xmlns:p14="http://schemas.microsoft.com/office/powerpoint/2010/main" Requires="p14">
+      <mc:AlternateContent xmlns:mc="http://schemas.openxmlformats.org/markup-compatibility/2006" xmlns:p14="http://schemas.microsoft.com/office/powerpoint/2010/main">
+        <mc:Choice Requires="p14">
           <p:contentPart p14:bwMode="auto" r:id="rId7">
             <p14:nvContentPartPr>
               <p14:cNvPr id="10" name="Ink 9">
@@ -5824,7 +6231,7 @@
             </p14:xfrm>
           </p:contentPart>
         </mc:Choice>
-        <mc:Fallback>
+        <mc:Fallback xmlns="">
           <p:pic>
             <p:nvPicPr>
               <p:cNvPr id="10" name="Ink 9">
@@ -5855,8 +6262,8 @@
           </p:pic>
         </mc:Fallback>
       </mc:AlternateContent>
-      <mc:AlternateContent xmlns:mc="http://schemas.openxmlformats.org/markup-compatibility/2006">
-        <mc:Choice xmlns:p14="http://schemas.microsoft.com/office/powerpoint/2010/main" Requires="p14">
+      <mc:AlternateContent xmlns:mc="http://schemas.openxmlformats.org/markup-compatibility/2006" xmlns:p14="http://schemas.microsoft.com/office/powerpoint/2010/main">
+        <mc:Choice Requires="p14">
           <p:contentPart p14:bwMode="auto" r:id="rId9">
             <p14:nvContentPartPr>
               <p14:cNvPr id="11" name="Ink 10">
@@ -5875,7 +6282,7 @@
             </p14:xfrm>
           </p:contentPart>
         </mc:Choice>
-        <mc:Fallback>
+        <mc:Fallback xmlns="">
           <p:pic>
             <p:nvPicPr>
               <p:cNvPr id="11" name="Ink 10">
@@ -5906,8 +6313,8 @@
           </p:pic>
         </mc:Fallback>
       </mc:AlternateContent>
-      <mc:AlternateContent xmlns:mc="http://schemas.openxmlformats.org/markup-compatibility/2006">
-        <mc:Choice xmlns:p14="http://schemas.microsoft.com/office/powerpoint/2010/main" Requires="p14">
+      <mc:AlternateContent xmlns:mc="http://schemas.openxmlformats.org/markup-compatibility/2006" xmlns:p14="http://schemas.microsoft.com/office/powerpoint/2010/main">
+        <mc:Choice Requires="p14">
           <p:contentPart p14:bwMode="auto" r:id="rId11">
             <p14:nvContentPartPr>
               <p14:cNvPr id="12" name="Ink 11">
@@ -5926,7 +6333,7 @@
             </p14:xfrm>
           </p:contentPart>
         </mc:Choice>
-        <mc:Fallback>
+        <mc:Fallback xmlns="">
           <p:pic>
             <p:nvPicPr>
               <p:cNvPr id="12" name="Ink 11">
@@ -5957,8 +6364,8 @@
           </p:pic>
         </mc:Fallback>
       </mc:AlternateContent>
-      <mc:AlternateContent xmlns:mc="http://schemas.openxmlformats.org/markup-compatibility/2006">
-        <mc:Choice xmlns:p14="http://schemas.microsoft.com/office/powerpoint/2010/main" Requires="p14">
+      <mc:AlternateContent xmlns:mc="http://schemas.openxmlformats.org/markup-compatibility/2006" xmlns:p14="http://schemas.microsoft.com/office/powerpoint/2010/main">
+        <mc:Choice Requires="p14">
           <p:contentPart p14:bwMode="auto" r:id="rId13">
             <p14:nvContentPartPr>
               <p14:cNvPr id="13" name="Ink 12">
@@ -5977,7 +6384,7 @@
             </p14:xfrm>
           </p:contentPart>
         </mc:Choice>
-        <mc:Fallback>
+        <mc:Fallback xmlns="">
           <p:pic>
             <p:nvPicPr>
               <p:cNvPr id="13" name="Ink 12">
@@ -6008,8 +6415,8 @@
           </p:pic>
         </mc:Fallback>
       </mc:AlternateContent>
-      <mc:AlternateContent xmlns:mc="http://schemas.openxmlformats.org/markup-compatibility/2006">
-        <mc:Choice xmlns:p14="http://schemas.microsoft.com/office/powerpoint/2010/main" Requires="p14">
+      <mc:AlternateContent xmlns:mc="http://schemas.openxmlformats.org/markup-compatibility/2006" xmlns:p14="http://schemas.microsoft.com/office/powerpoint/2010/main">
+        <mc:Choice Requires="p14">
           <p:contentPart p14:bwMode="auto" r:id="rId15">
             <p14:nvContentPartPr>
               <p14:cNvPr id="14" name="Ink 13">
@@ -6028,7 +6435,7 @@
             </p14:xfrm>
           </p:contentPart>
         </mc:Choice>
-        <mc:Fallback>
+        <mc:Fallback xmlns="">
           <p:pic>
             <p:nvPicPr>
               <p:cNvPr id="14" name="Ink 13">
@@ -6059,8 +6466,8 @@
           </p:pic>
         </mc:Fallback>
       </mc:AlternateContent>
-      <mc:AlternateContent xmlns:mc="http://schemas.openxmlformats.org/markup-compatibility/2006">
-        <mc:Choice xmlns:p14="http://schemas.microsoft.com/office/powerpoint/2010/main" Requires="p14">
+      <mc:AlternateContent xmlns:mc="http://schemas.openxmlformats.org/markup-compatibility/2006" xmlns:p14="http://schemas.microsoft.com/office/powerpoint/2010/main">
+        <mc:Choice Requires="p14">
           <p:contentPart p14:bwMode="auto" r:id="rId17">
             <p14:nvContentPartPr>
               <p14:cNvPr id="15" name="Ink 14">
@@ -6079,7 +6486,7 @@
             </p14:xfrm>
           </p:contentPart>
         </mc:Choice>
-        <mc:Fallback>
+        <mc:Fallback xmlns="">
           <p:pic>
             <p:nvPicPr>
               <p:cNvPr id="15" name="Ink 14">
@@ -6110,8 +6517,8 @@
           </p:pic>
         </mc:Fallback>
       </mc:AlternateContent>
-      <mc:AlternateContent xmlns:mc="http://schemas.openxmlformats.org/markup-compatibility/2006">
-        <mc:Choice xmlns:p14="http://schemas.microsoft.com/office/powerpoint/2010/main" Requires="p14">
+      <mc:AlternateContent xmlns:mc="http://schemas.openxmlformats.org/markup-compatibility/2006" xmlns:p14="http://schemas.microsoft.com/office/powerpoint/2010/main">
+        <mc:Choice Requires="p14">
           <p:contentPart p14:bwMode="auto" r:id="rId19">
             <p14:nvContentPartPr>
               <p14:cNvPr id="16" name="Ink 15">
@@ -6130,7 +6537,7 @@
             </p14:xfrm>
           </p:contentPart>
         </mc:Choice>
-        <mc:Fallback>
+        <mc:Fallback xmlns="">
           <p:pic>
             <p:nvPicPr>
               <p:cNvPr id="16" name="Ink 15">
@@ -6161,8 +6568,8 @@
           </p:pic>
         </mc:Fallback>
       </mc:AlternateContent>
-      <mc:AlternateContent xmlns:mc="http://schemas.openxmlformats.org/markup-compatibility/2006">
-        <mc:Choice xmlns:p14="http://schemas.microsoft.com/office/powerpoint/2010/main" Requires="p14">
+      <mc:AlternateContent xmlns:mc="http://schemas.openxmlformats.org/markup-compatibility/2006" xmlns:p14="http://schemas.microsoft.com/office/powerpoint/2010/main">
+        <mc:Choice Requires="p14">
           <p:contentPart p14:bwMode="auto" r:id="rId21">
             <p14:nvContentPartPr>
               <p14:cNvPr id="17" name="Ink 16">
@@ -6181,7 +6588,7 @@
             </p14:xfrm>
           </p:contentPart>
         </mc:Choice>
-        <mc:Fallback>
+        <mc:Fallback xmlns="">
           <p:pic>
             <p:nvPicPr>
               <p:cNvPr id="17" name="Ink 16">
@@ -6212,8 +6619,8 @@
           </p:pic>
         </mc:Fallback>
       </mc:AlternateContent>
-      <mc:AlternateContent xmlns:mc="http://schemas.openxmlformats.org/markup-compatibility/2006">
-        <mc:Choice xmlns:p14="http://schemas.microsoft.com/office/powerpoint/2010/main" Requires="p14">
+      <mc:AlternateContent xmlns:mc="http://schemas.openxmlformats.org/markup-compatibility/2006" xmlns:p14="http://schemas.microsoft.com/office/powerpoint/2010/main">
+        <mc:Choice Requires="p14">
           <p:contentPart p14:bwMode="auto" r:id="rId23">
             <p14:nvContentPartPr>
               <p14:cNvPr id="18" name="Ink 17">
@@ -6232,7 +6639,7 @@
             </p14:xfrm>
           </p:contentPart>
         </mc:Choice>
-        <mc:Fallback>
+        <mc:Fallback xmlns="">
           <p:pic>
             <p:nvPicPr>
               <p:cNvPr id="18" name="Ink 17">
@@ -6263,8 +6670,8 @@
           </p:pic>
         </mc:Fallback>
       </mc:AlternateContent>
-      <mc:AlternateContent xmlns:mc="http://schemas.openxmlformats.org/markup-compatibility/2006">
-        <mc:Choice xmlns:p14="http://schemas.microsoft.com/office/powerpoint/2010/main" Requires="p14">
+      <mc:AlternateContent xmlns:mc="http://schemas.openxmlformats.org/markup-compatibility/2006" xmlns:p14="http://schemas.microsoft.com/office/powerpoint/2010/main">
+        <mc:Choice Requires="p14">
           <p:contentPart p14:bwMode="auto" r:id="rId25">
             <p14:nvContentPartPr>
               <p14:cNvPr id="19" name="Ink 18">
@@ -6283,7 +6690,7 @@
             </p14:xfrm>
           </p:contentPart>
         </mc:Choice>
-        <mc:Fallback>
+        <mc:Fallback xmlns="">
           <p:pic>
             <p:nvPicPr>
               <p:cNvPr id="19" name="Ink 18">
@@ -6314,8 +6721,8 @@
           </p:pic>
         </mc:Fallback>
       </mc:AlternateContent>
-      <mc:AlternateContent xmlns:mc="http://schemas.openxmlformats.org/markup-compatibility/2006">
-        <mc:Choice xmlns:p14="http://schemas.microsoft.com/office/powerpoint/2010/main" Requires="p14">
+      <mc:AlternateContent xmlns:mc="http://schemas.openxmlformats.org/markup-compatibility/2006" xmlns:p14="http://schemas.microsoft.com/office/powerpoint/2010/main">
+        <mc:Choice Requires="p14">
           <p:contentPart p14:bwMode="auto" r:id="rId27">
             <p14:nvContentPartPr>
               <p14:cNvPr id="20" name="Ink 19">
@@ -6334,7 +6741,7 @@
             </p14:xfrm>
           </p:contentPart>
         </mc:Choice>
-        <mc:Fallback>
+        <mc:Fallback xmlns="">
           <p:pic>
             <p:nvPicPr>
               <p:cNvPr id="20" name="Ink 19">
@@ -6481,8 +6888,8 @@
             <a:chExt cx="2473920" cy="713520"/>
           </a:xfrm>
         </p:grpSpPr>
-        <mc:AlternateContent xmlns:mc="http://schemas.openxmlformats.org/markup-compatibility/2006">
-          <mc:Choice xmlns:p14="http://schemas.microsoft.com/office/powerpoint/2010/main" Requires="p14">
+        <mc:AlternateContent xmlns:mc="http://schemas.openxmlformats.org/markup-compatibility/2006" xmlns:p14="http://schemas.microsoft.com/office/powerpoint/2010/main">
+          <mc:Choice Requires="p14">
             <p:contentPart p14:bwMode="auto" r:id="rId3">
               <p14:nvContentPartPr>
                 <p14:cNvPr id="5" name="Ink 4">
@@ -6501,7 +6908,7 @@
               </p14:xfrm>
             </p:contentPart>
           </mc:Choice>
-          <mc:Fallback>
+          <mc:Fallback xmlns="">
             <p:pic>
               <p:nvPicPr>
                 <p:cNvPr id="5" name="Ink 4">
@@ -6532,8 +6939,8 @@
             </p:pic>
           </mc:Fallback>
         </mc:AlternateContent>
-        <mc:AlternateContent xmlns:mc="http://schemas.openxmlformats.org/markup-compatibility/2006">
-          <mc:Choice xmlns:p14="http://schemas.microsoft.com/office/powerpoint/2010/main" Requires="p14">
+        <mc:AlternateContent xmlns:mc="http://schemas.openxmlformats.org/markup-compatibility/2006" xmlns:p14="http://schemas.microsoft.com/office/powerpoint/2010/main">
+          <mc:Choice Requires="p14">
             <p:contentPart p14:bwMode="auto" r:id="rId5">
               <p14:nvContentPartPr>
                 <p14:cNvPr id="6" name="Ink 5">
@@ -6552,7 +6959,7 @@
               </p14:xfrm>
             </p:contentPart>
           </mc:Choice>
-          <mc:Fallback>
+          <mc:Fallback xmlns="">
             <p:pic>
               <p:nvPicPr>
                 <p:cNvPr id="6" name="Ink 5">
@@ -6583,8 +6990,8 @@
             </p:pic>
           </mc:Fallback>
         </mc:AlternateContent>
-        <mc:AlternateContent xmlns:mc="http://schemas.openxmlformats.org/markup-compatibility/2006">
-          <mc:Choice xmlns:p14="http://schemas.microsoft.com/office/powerpoint/2010/main" Requires="p14">
+        <mc:AlternateContent xmlns:mc="http://schemas.openxmlformats.org/markup-compatibility/2006" xmlns:p14="http://schemas.microsoft.com/office/powerpoint/2010/main">
+          <mc:Choice Requires="p14">
             <p:contentPart p14:bwMode="auto" r:id="rId7">
               <p14:nvContentPartPr>
                 <p14:cNvPr id="7" name="Ink 6">
@@ -6603,7 +7010,7 @@
               </p14:xfrm>
             </p:contentPart>
           </mc:Choice>
-          <mc:Fallback>
+          <mc:Fallback xmlns="">
             <p:pic>
               <p:nvPicPr>
                 <p:cNvPr id="7" name="Ink 6">
@@ -6634,8 +7041,8 @@
             </p:pic>
           </mc:Fallback>
         </mc:AlternateContent>
-        <mc:AlternateContent xmlns:mc="http://schemas.openxmlformats.org/markup-compatibility/2006">
-          <mc:Choice xmlns:p14="http://schemas.microsoft.com/office/powerpoint/2010/main" Requires="p14">
+        <mc:AlternateContent xmlns:mc="http://schemas.openxmlformats.org/markup-compatibility/2006" xmlns:p14="http://schemas.microsoft.com/office/powerpoint/2010/main">
+          <mc:Choice Requires="p14">
             <p:contentPart p14:bwMode="auto" r:id="rId9">
               <p14:nvContentPartPr>
                 <p14:cNvPr id="8" name="Ink 7">
@@ -6654,7 +7061,7 @@
               </p14:xfrm>
             </p:contentPart>
           </mc:Choice>
-          <mc:Fallback>
+          <mc:Fallback xmlns="">
             <p:pic>
               <p:nvPicPr>
                 <p:cNvPr id="8" name="Ink 7">
@@ -6685,8 +7092,8 @@
             </p:pic>
           </mc:Fallback>
         </mc:AlternateContent>
-        <mc:AlternateContent xmlns:mc="http://schemas.openxmlformats.org/markup-compatibility/2006">
-          <mc:Choice xmlns:p14="http://schemas.microsoft.com/office/powerpoint/2010/main" Requires="p14">
+        <mc:AlternateContent xmlns:mc="http://schemas.openxmlformats.org/markup-compatibility/2006" xmlns:p14="http://schemas.microsoft.com/office/powerpoint/2010/main">
+          <mc:Choice Requires="p14">
             <p:contentPart p14:bwMode="auto" r:id="rId11">
               <p14:nvContentPartPr>
                 <p14:cNvPr id="9" name="Ink 8">
@@ -6705,7 +7112,7 @@
               </p14:xfrm>
             </p:contentPart>
           </mc:Choice>
-          <mc:Fallback>
+          <mc:Fallback xmlns="">
             <p:pic>
               <p:nvPicPr>
                 <p:cNvPr id="9" name="Ink 8">
@@ -6736,8 +7143,8 @@
             </p:pic>
           </mc:Fallback>
         </mc:AlternateContent>
-        <mc:AlternateContent xmlns:mc="http://schemas.openxmlformats.org/markup-compatibility/2006">
-          <mc:Choice xmlns:p14="http://schemas.microsoft.com/office/powerpoint/2010/main" Requires="p14">
+        <mc:AlternateContent xmlns:mc="http://schemas.openxmlformats.org/markup-compatibility/2006" xmlns:p14="http://schemas.microsoft.com/office/powerpoint/2010/main">
+          <mc:Choice Requires="p14">
             <p:contentPart p14:bwMode="auto" r:id="rId13">
               <p14:nvContentPartPr>
                 <p14:cNvPr id="10" name="Ink 9">
@@ -6756,7 +7163,7 @@
               </p14:xfrm>
             </p:contentPart>
           </mc:Choice>
-          <mc:Fallback>
+          <mc:Fallback xmlns="">
             <p:pic>
               <p:nvPicPr>
                 <p:cNvPr id="10" name="Ink 9">
@@ -6787,8 +7194,8 @@
             </p:pic>
           </mc:Fallback>
         </mc:AlternateContent>
-        <mc:AlternateContent xmlns:mc="http://schemas.openxmlformats.org/markup-compatibility/2006">
-          <mc:Choice xmlns:p14="http://schemas.microsoft.com/office/powerpoint/2010/main" Requires="p14">
+        <mc:AlternateContent xmlns:mc="http://schemas.openxmlformats.org/markup-compatibility/2006" xmlns:p14="http://schemas.microsoft.com/office/powerpoint/2010/main">
+          <mc:Choice Requires="p14">
             <p:contentPart p14:bwMode="auto" r:id="rId15">
               <p14:nvContentPartPr>
                 <p14:cNvPr id="12" name="Ink 11">
@@ -6807,7 +7214,7 @@
               </p14:xfrm>
             </p:contentPart>
           </mc:Choice>
-          <mc:Fallback>
+          <mc:Fallback xmlns="">
             <p:pic>
               <p:nvPicPr>
                 <p:cNvPr id="12" name="Ink 11">
@@ -6838,8 +7245,8 @@
             </p:pic>
           </mc:Fallback>
         </mc:AlternateContent>
-        <mc:AlternateContent xmlns:mc="http://schemas.openxmlformats.org/markup-compatibility/2006">
-          <mc:Choice xmlns:p14="http://schemas.microsoft.com/office/powerpoint/2010/main" Requires="p14">
+        <mc:AlternateContent xmlns:mc="http://schemas.openxmlformats.org/markup-compatibility/2006" xmlns:p14="http://schemas.microsoft.com/office/powerpoint/2010/main">
+          <mc:Choice Requires="p14">
             <p:contentPart p14:bwMode="auto" r:id="rId17">
               <p14:nvContentPartPr>
                 <p14:cNvPr id="13" name="Ink 12">
@@ -6858,7 +7265,7 @@
               </p14:xfrm>
             </p:contentPart>
           </mc:Choice>
-          <mc:Fallback>
+          <mc:Fallback xmlns="">
             <p:pic>
               <p:nvPicPr>
                 <p:cNvPr id="13" name="Ink 12">
@@ -6889,8 +7296,8 @@
             </p:pic>
           </mc:Fallback>
         </mc:AlternateContent>
-        <mc:AlternateContent xmlns:mc="http://schemas.openxmlformats.org/markup-compatibility/2006">
-          <mc:Choice xmlns:p14="http://schemas.microsoft.com/office/powerpoint/2010/main" Requires="p14">
+        <mc:AlternateContent xmlns:mc="http://schemas.openxmlformats.org/markup-compatibility/2006" xmlns:p14="http://schemas.microsoft.com/office/powerpoint/2010/main">
+          <mc:Choice Requires="p14">
             <p:contentPart p14:bwMode="auto" r:id="rId19">
               <p14:nvContentPartPr>
                 <p14:cNvPr id="14" name="Ink 13">
@@ -6909,7 +7316,7 @@
               </p14:xfrm>
             </p:contentPart>
           </mc:Choice>
-          <mc:Fallback>
+          <mc:Fallback xmlns="">
             <p:pic>
               <p:nvPicPr>
                 <p:cNvPr id="14" name="Ink 13">
@@ -6940,8 +7347,8 @@
             </p:pic>
           </mc:Fallback>
         </mc:AlternateContent>
-        <mc:AlternateContent xmlns:mc="http://schemas.openxmlformats.org/markup-compatibility/2006">
-          <mc:Choice xmlns:p14="http://schemas.microsoft.com/office/powerpoint/2010/main" Requires="p14">
+        <mc:AlternateContent xmlns:mc="http://schemas.openxmlformats.org/markup-compatibility/2006" xmlns:p14="http://schemas.microsoft.com/office/powerpoint/2010/main">
+          <mc:Choice Requires="p14">
             <p:contentPart p14:bwMode="auto" r:id="rId21">
               <p14:nvContentPartPr>
                 <p14:cNvPr id="15" name="Ink 14">
@@ -6960,7 +7367,7 @@
               </p14:xfrm>
             </p:contentPart>
           </mc:Choice>
-          <mc:Fallback>
+          <mc:Fallback xmlns="">
             <p:pic>
               <p:nvPicPr>
                 <p:cNvPr id="15" name="Ink 14">
@@ -6991,8 +7398,8 @@
             </p:pic>
           </mc:Fallback>
         </mc:AlternateContent>
-        <mc:AlternateContent xmlns:mc="http://schemas.openxmlformats.org/markup-compatibility/2006">
-          <mc:Choice xmlns:p14="http://schemas.microsoft.com/office/powerpoint/2010/main" Requires="p14">
+        <mc:AlternateContent xmlns:mc="http://schemas.openxmlformats.org/markup-compatibility/2006" xmlns:p14="http://schemas.microsoft.com/office/powerpoint/2010/main">
+          <mc:Choice Requires="p14">
             <p:contentPart p14:bwMode="auto" r:id="rId23">
               <p14:nvContentPartPr>
                 <p14:cNvPr id="16" name="Ink 15">
@@ -7011,7 +7418,7 @@
               </p14:xfrm>
             </p:contentPart>
           </mc:Choice>
-          <mc:Fallback>
+          <mc:Fallback xmlns="">
             <p:pic>
               <p:nvPicPr>
                 <p:cNvPr id="16" name="Ink 15">
@@ -7042,8 +7449,8 @@
             </p:pic>
           </mc:Fallback>
         </mc:AlternateContent>
-        <mc:AlternateContent xmlns:mc="http://schemas.openxmlformats.org/markup-compatibility/2006">
-          <mc:Choice xmlns:p14="http://schemas.microsoft.com/office/powerpoint/2010/main" Requires="p14">
+        <mc:AlternateContent xmlns:mc="http://schemas.openxmlformats.org/markup-compatibility/2006" xmlns:p14="http://schemas.microsoft.com/office/powerpoint/2010/main">
+          <mc:Choice Requires="p14">
             <p:contentPart p14:bwMode="auto" r:id="rId25">
               <p14:nvContentPartPr>
                 <p14:cNvPr id="17" name="Ink 16">
@@ -7062,7 +7469,7 @@
               </p14:xfrm>
             </p:contentPart>
           </mc:Choice>
-          <mc:Fallback>
+          <mc:Fallback xmlns="">
             <p:pic>
               <p:nvPicPr>
                 <p:cNvPr id="17" name="Ink 16">
@@ -7191,6 +7598,905 @@
     <p:extLst>
       <p:ext uri="{BB962C8B-B14F-4D97-AF65-F5344CB8AC3E}">
         <p14:creationId xmlns:p14="http://schemas.microsoft.com/office/powerpoint/2010/main" val="3692271621"/>
+      </p:ext>
+    </p:extLst>
+  </p:cSld>
+  <p:clrMapOvr>
+    <a:masterClrMapping/>
+  </p:clrMapOvr>
+</p:sld>
+</file>
+
+<file path=ppt/slides/slide15.xml><?xml version="1.0" encoding="utf-8"?>
+<p:sld xmlns:a="http://schemas.openxmlformats.org/drawingml/2006/main" xmlns:r="http://schemas.openxmlformats.org/officeDocument/2006/relationships" xmlns:p="http://schemas.openxmlformats.org/presentationml/2006/main">
+  <p:cSld>
+    <p:spTree>
+      <p:nvGrpSpPr>
+        <p:cNvPr id="1" name=""/>
+        <p:cNvGrpSpPr/>
+        <p:nvPr/>
+      </p:nvGrpSpPr>
+      <p:grpSpPr>
+        <a:xfrm>
+          <a:off x="0" y="0"/>
+          <a:ext cx="0" cy="0"/>
+          <a:chOff x="0" y="0"/>
+          <a:chExt cx="0" cy="0"/>
+        </a:xfrm>
+      </p:grpSpPr>
+      <p:sp>
+        <p:nvSpPr>
+          <p:cNvPr id="2" name="Title 1">
+            <a:extLst>
+              <a:ext uri="{FF2B5EF4-FFF2-40B4-BE49-F238E27FC236}">
+                <a16:creationId xmlns:a16="http://schemas.microsoft.com/office/drawing/2014/main" id="{5A2AA0E4-9C32-421F-985F-31093611C722}"/>
+              </a:ext>
+            </a:extLst>
+          </p:cNvPr>
+          <p:cNvSpPr>
+            <a:spLocks noGrp="1"/>
+          </p:cNvSpPr>
+          <p:nvPr>
+            <p:ph type="title"/>
+          </p:nvPr>
+        </p:nvSpPr>
+        <p:spPr/>
+        <p:txBody>
+          <a:bodyPr/>
+          <a:lstStyle/>
+          <a:p>
+            <a:r>
+              <a:rPr lang="en-US" dirty="0"/>
+              <a:t>Topologies Tested</a:t>
+            </a:r>
+          </a:p>
+        </p:txBody>
+      </p:sp>
+      <p:grpSp>
+        <p:nvGrpSpPr>
+          <p:cNvPr id="38" name="Group 37">
+            <a:extLst>
+              <a:ext uri="{FF2B5EF4-FFF2-40B4-BE49-F238E27FC236}">
+                <a16:creationId xmlns:a16="http://schemas.microsoft.com/office/drawing/2014/main" id="{5BA3D8CF-A92A-4994-BF8A-082CCFBB9475}"/>
+              </a:ext>
+            </a:extLst>
+          </p:cNvPr>
+          <p:cNvGrpSpPr/>
+          <p:nvPr/>
+        </p:nvGrpSpPr>
+        <p:grpSpPr>
+          <a:xfrm>
+            <a:off x="4459846" y="1747468"/>
+            <a:ext cx="2519280" cy="504720"/>
+            <a:chOff x="4459846" y="1747468"/>
+            <a:chExt cx="2519280" cy="504720"/>
+          </a:xfrm>
+        </p:grpSpPr>
+        <mc:AlternateContent xmlns:mc="http://schemas.openxmlformats.org/markup-compatibility/2006" xmlns:p14="http://schemas.microsoft.com/office/powerpoint/2010/main">
+          <mc:Choice Requires="p14">
+            <p:contentPart p14:bwMode="auto" r:id="rId2">
+              <p14:nvContentPartPr>
+                <p14:cNvPr id="23" name="Ink 22">
+                  <a:extLst>
+                    <a:ext uri="{FF2B5EF4-FFF2-40B4-BE49-F238E27FC236}">
+                      <a16:creationId xmlns:a16="http://schemas.microsoft.com/office/drawing/2014/main" id="{057B7DB5-3C49-4F75-B983-3DA8F1CE67CC}"/>
+                    </a:ext>
+                  </a:extLst>
+                </p14:cNvPr>
+                <p14:cNvContentPartPr/>
+                <p14:nvPr/>
+              </p14:nvContentPartPr>
+              <p14:xfrm>
+                <a:off x="4459846" y="1909108"/>
+                <a:ext cx="203040" cy="281160"/>
+              </p14:xfrm>
+            </p:contentPart>
+          </mc:Choice>
+          <mc:Fallback xmlns="">
+            <p:pic>
+              <p:nvPicPr>
+                <p:cNvPr id="23" name="Ink 22">
+                  <a:extLst>
+                    <a:ext uri="{FF2B5EF4-FFF2-40B4-BE49-F238E27FC236}">
+                      <a16:creationId xmlns:a16="http://schemas.microsoft.com/office/drawing/2014/main" id="{057B7DB5-3C49-4F75-B983-3DA8F1CE67CC}"/>
+                    </a:ext>
+                  </a:extLst>
+                </p:cNvPr>
+                <p:cNvPicPr/>
+                <p:nvPr/>
+              </p:nvPicPr>
+              <p:blipFill>
+                <a:blip r:embed="rId4"/>
+                <a:stretch>
+                  <a:fillRect/>
+                </a:stretch>
+              </p:blipFill>
+              <p:spPr>
+                <a:xfrm>
+                  <a:off x="4450846" y="1900108"/>
+                  <a:ext cx="220680" cy="298800"/>
+                </a:xfrm>
+                <a:prstGeom prst="rect">
+                  <a:avLst/>
+                </a:prstGeom>
+              </p:spPr>
+            </p:pic>
+          </mc:Fallback>
+        </mc:AlternateContent>
+        <mc:AlternateContent xmlns:mc="http://schemas.openxmlformats.org/markup-compatibility/2006" xmlns:p14="http://schemas.microsoft.com/office/powerpoint/2010/main">
+          <mc:Choice Requires="p14">
+            <p:contentPart p14:bwMode="auto" r:id="rId5">
+              <p14:nvContentPartPr>
+                <p14:cNvPr id="24" name="Ink 23">
+                  <a:extLst>
+                    <a:ext uri="{FF2B5EF4-FFF2-40B4-BE49-F238E27FC236}">
+                      <a16:creationId xmlns:a16="http://schemas.microsoft.com/office/drawing/2014/main" id="{274E557B-D938-447C-93D1-D1834811CF94}"/>
+                    </a:ext>
+                  </a:extLst>
+                </p14:cNvPr>
+                <p14:cNvContentPartPr/>
+                <p14:nvPr/>
+              </p14:nvContentPartPr>
+              <p14:xfrm>
+                <a:off x="4742446" y="1994788"/>
+                <a:ext cx="24120" cy="257400"/>
+              </p14:xfrm>
+            </p:contentPart>
+          </mc:Choice>
+          <mc:Fallback xmlns="">
+            <p:pic>
+              <p:nvPicPr>
+                <p:cNvPr id="24" name="Ink 23">
+                  <a:extLst>
+                    <a:ext uri="{FF2B5EF4-FFF2-40B4-BE49-F238E27FC236}">
+                      <a16:creationId xmlns:a16="http://schemas.microsoft.com/office/drawing/2014/main" id="{274E557B-D938-447C-93D1-D1834811CF94}"/>
+                    </a:ext>
+                  </a:extLst>
+                </p:cNvPr>
+                <p:cNvPicPr/>
+                <p:nvPr/>
+              </p:nvPicPr>
+              <p:blipFill>
+                <a:blip r:embed="rId6"/>
+                <a:stretch>
+                  <a:fillRect/>
+                </a:stretch>
+              </p:blipFill>
+              <p:spPr>
+                <a:xfrm>
+                  <a:off x="4733446" y="1986148"/>
+                  <a:ext cx="41760" cy="275040"/>
+                </a:xfrm>
+                <a:prstGeom prst="rect">
+                  <a:avLst/>
+                </a:prstGeom>
+              </p:spPr>
+            </p:pic>
+          </mc:Fallback>
+        </mc:AlternateContent>
+        <mc:AlternateContent xmlns:mc="http://schemas.openxmlformats.org/markup-compatibility/2006" xmlns:p14="http://schemas.microsoft.com/office/powerpoint/2010/main">
+          <mc:Choice Requires="p14">
+            <p:contentPart p14:bwMode="auto" r:id="rId7">
+              <p14:nvContentPartPr>
+                <p14:cNvPr id="25" name="Ink 24">
+                  <a:extLst>
+                    <a:ext uri="{FF2B5EF4-FFF2-40B4-BE49-F238E27FC236}">
+                      <a16:creationId xmlns:a16="http://schemas.microsoft.com/office/drawing/2014/main" id="{78271EBD-12CA-44FA-A877-78A3F28ED3F0}"/>
+                    </a:ext>
+                  </a:extLst>
+                </p14:cNvPr>
+                <p14:cNvContentPartPr/>
+                <p14:nvPr/>
+              </p14:nvContentPartPr>
+              <p14:xfrm>
+                <a:off x="4731286" y="1941148"/>
+                <a:ext cx="140040" cy="170640"/>
+              </p14:xfrm>
+            </p:contentPart>
+          </mc:Choice>
+          <mc:Fallback xmlns="">
+            <p:pic>
+              <p:nvPicPr>
+                <p:cNvPr id="25" name="Ink 24">
+                  <a:extLst>
+                    <a:ext uri="{FF2B5EF4-FFF2-40B4-BE49-F238E27FC236}">
+                      <a16:creationId xmlns:a16="http://schemas.microsoft.com/office/drawing/2014/main" id="{78271EBD-12CA-44FA-A877-78A3F28ED3F0}"/>
+                    </a:ext>
+                  </a:extLst>
+                </p:cNvPr>
+                <p:cNvPicPr/>
+                <p:nvPr/>
+              </p:nvPicPr>
+              <p:blipFill>
+                <a:blip r:embed="rId8"/>
+                <a:stretch>
+                  <a:fillRect/>
+                </a:stretch>
+              </p:blipFill>
+              <p:spPr>
+                <a:xfrm>
+                  <a:off x="4722646" y="1932148"/>
+                  <a:ext cx="157680" cy="188280"/>
+                </a:xfrm>
+                <a:prstGeom prst="rect">
+                  <a:avLst/>
+                </a:prstGeom>
+              </p:spPr>
+            </p:pic>
+          </mc:Fallback>
+        </mc:AlternateContent>
+        <mc:AlternateContent xmlns:mc="http://schemas.openxmlformats.org/markup-compatibility/2006" xmlns:p14="http://schemas.microsoft.com/office/powerpoint/2010/main">
+          <mc:Choice Requires="p14">
+            <p:contentPart p14:bwMode="auto" r:id="rId9">
+              <p14:nvContentPartPr>
+                <p14:cNvPr id="26" name="Ink 25">
+                  <a:extLst>
+                    <a:ext uri="{FF2B5EF4-FFF2-40B4-BE49-F238E27FC236}">
+                      <a16:creationId xmlns:a16="http://schemas.microsoft.com/office/drawing/2014/main" id="{48A00C34-A9A6-4EA2-98A9-9505401EB731}"/>
+                    </a:ext>
+                  </a:extLst>
+                </p14:cNvPr>
+                <p14:cNvContentPartPr/>
+                <p14:nvPr/>
+              </p14:nvContentPartPr>
+              <p14:xfrm>
+                <a:off x="4921726" y="1965268"/>
+                <a:ext cx="145800" cy="159120"/>
+              </p14:xfrm>
+            </p:contentPart>
+          </mc:Choice>
+          <mc:Fallback xmlns="">
+            <p:pic>
+              <p:nvPicPr>
+                <p:cNvPr id="26" name="Ink 25">
+                  <a:extLst>
+                    <a:ext uri="{FF2B5EF4-FFF2-40B4-BE49-F238E27FC236}">
+                      <a16:creationId xmlns:a16="http://schemas.microsoft.com/office/drawing/2014/main" id="{48A00C34-A9A6-4EA2-98A9-9505401EB731}"/>
+                    </a:ext>
+                  </a:extLst>
+                </p:cNvPr>
+                <p:cNvPicPr/>
+                <p:nvPr/>
+              </p:nvPicPr>
+              <p:blipFill>
+                <a:blip r:embed="rId10"/>
+                <a:stretch>
+                  <a:fillRect/>
+                </a:stretch>
+              </p:blipFill>
+              <p:spPr>
+                <a:xfrm>
+                  <a:off x="4912726" y="1956268"/>
+                  <a:ext cx="163440" cy="176760"/>
+                </a:xfrm>
+                <a:prstGeom prst="rect">
+                  <a:avLst/>
+                </a:prstGeom>
+              </p:spPr>
+            </p:pic>
+          </mc:Fallback>
+        </mc:AlternateContent>
+        <mc:AlternateContent xmlns:mc="http://schemas.openxmlformats.org/markup-compatibility/2006" xmlns:p14="http://schemas.microsoft.com/office/powerpoint/2010/main">
+          <mc:Choice Requires="p14">
+            <p:contentPart p14:bwMode="auto" r:id="rId11">
+              <p14:nvContentPartPr>
+                <p14:cNvPr id="27" name="Ink 26">
+                  <a:extLst>
+                    <a:ext uri="{FF2B5EF4-FFF2-40B4-BE49-F238E27FC236}">
+                      <a16:creationId xmlns:a16="http://schemas.microsoft.com/office/drawing/2014/main" id="{C112932F-F9B4-4D2B-9712-37C74CB0B612}"/>
+                    </a:ext>
+                  </a:extLst>
+                </p14:cNvPr>
+                <p14:cNvContentPartPr/>
+                <p14:nvPr/>
+              </p14:nvContentPartPr>
+              <p14:xfrm>
+                <a:off x="5090206" y="1977148"/>
+                <a:ext cx="155880" cy="159480"/>
+              </p14:xfrm>
+            </p:contentPart>
+          </mc:Choice>
+          <mc:Fallback xmlns="">
+            <p:pic>
+              <p:nvPicPr>
+                <p:cNvPr id="27" name="Ink 26">
+                  <a:extLst>
+                    <a:ext uri="{FF2B5EF4-FFF2-40B4-BE49-F238E27FC236}">
+                      <a16:creationId xmlns:a16="http://schemas.microsoft.com/office/drawing/2014/main" id="{C112932F-F9B4-4D2B-9712-37C74CB0B612}"/>
+                    </a:ext>
+                  </a:extLst>
+                </p:cNvPr>
+                <p:cNvPicPr/>
+                <p:nvPr/>
+              </p:nvPicPr>
+              <p:blipFill>
+                <a:blip r:embed="rId12"/>
+                <a:stretch>
+                  <a:fillRect/>
+                </a:stretch>
+              </p:blipFill>
+              <p:spPr>
+                <a:xfrm>
+                  <a:off x="5081566" y="1968508"/>
+                  <a:ext cx="173520" cy="177120"/>
+                </a:xfrm>
+                <a:prstGeom prst="rect">
+                  <a:avLst/>
+                </a:prstGeom>
+              </p:spPr>
+            </p:pic>
+          </mc:Fallback>
+        </mc:AlternateContent>
+        <mc:AlternateContent xmlns:mc="http://schemas.openxmlformats.org/markup-compatibility/2006" xmlns:p14="http://schemas.microsoft.com/office/powerpoint/2010/main">
+          <mc:Choice Requires="p14">
+            <p:contentPart p14:bwMode="auto" r:id="rId13">
+              <p14:nvContentPartPr>
+                <p14:cNvPr id="28" name="Ink 27">
+                  <a:extLst>
+                    <a:ext uri="{FF2B5EF4-FFF2-40B4-BE49-F238E27FC236}">
+                      <a16:creationId xmlns:a16="http://schemas.microsoft.com/office/drawing/2014/main" id="{6DED884F-B60D-4F12-8329-062BE809B887}"/>
+                    </a:ext>
+                  </a:extLst>
+                </p14:cNvPr>
+                <p14:cNvContentPartPr/>
+                <p14:nvPr/>
+              </p14:nvContentPartPr>
+              <p14:xfrm>
+                <a:off x="5273806" y="1787068"/>
+                <a:ext cx="244440" cy="340200"/>
+              </p14:xfrm>
+            </p:contentPart>
+          </mc:Choice>
+          <mc:Fallback xmlns="">
+            <p:pic>
+              <p:nvPicPr>
+                <p:cNvPr id="28" name="Ink 27">
+                  <a:extLst>
+                    <a:ext uri="{FF2B5EF4-FFF2-40B4-BE49-F238E27FC236}">
+                      <a16:creationId xmlns:a16="http://schemas.microsoft.com/office/drawing/2014/main" id="{6DED884F-B60D-4F12-8329-062BE809B887}"/>
+                    </a:ext>
+                  </a:extLst>
+                </p:cNvPr>
+                <p:cNvPicPr/>
+                <p:nvPr/>
+              </p:nvPicPr>
+              <p:blipFill>
+                <a:blip r:embed="rId14"/>
+                <a:stretch>
+                  <a:fillRect/>
+                </a:stretch>
+              </p:blipFill>
+              <p:spPr>
+                <a:xfrm>
+                  <a:off x="5265166" y="1778428"/>
+                  <a:ext cx="262080" cy="357840"/>
+                </a:xfrm>
+                <a:prstGeom prst="rect">
+                  <a:avLst/>
+                </a:prstGeom>
+              </p:spPr>
+            </p:pic>
+          </mc:Fallback>
+        </mc:AlternateContent>
+        <mc:AlternateContent xmlns:mc="http://schemas.openxmlformats.org/markup-compatibility/2006" xmlns:p14="http://schemas.microsoft.com/office/powerpoint/2010/main">
+          <mc:Choice Requires="p14">
+            <p:contentPart p14:bwMode="auto" r:id="rId15">
+              <p14:nvContentPartPr>
+                <p14:cNvPr id="29" name="Ink 28">
+                  <a:extLst>
+                    <a:ext uri="{FF2B5EF4-FFF2-40B4-BE49-F238E27FC236}">
+                      <a16:creationId xmlns:a16="http://schemas.microsoft.com/office/drawing/2014/main" id="{54DF2864-C39D-4CD8-B74D-DD8CF8B06ED2}"/>
+                    </a:ext>
+                  </a:extLst>
+                </p14:cNvPr>
+                <p14:cNvContentPartPr/>
+                <p14:nvPr/>
+              </p14:nvContentPartPr>
+              <p14:xfrm>
+                <a:off x="5516446" y="1810468"/>
+                <a:ext cx="211320" cy="304200"/>
+              </p14:xfrm>
+            </p:contentPart>
+          </mc:Choice>
+          <mc:Fallback xmlns="">
+            <p:pic>
+              <p:nvPicPr>
+                <p:cNvPr id="29" name="Ink 28">
+                  <a:extLst>
+                    <a:ext uri="{FF2B5EF4-FFF2-40B4-BE49-F238E27FC236}">
+                      <a16:creationId xmlns:a16="http://schemas.microsoft.com/office/drawing/2014/main" id="{54DF2864-C39D-4CD8-B74D-DD8CF8B06ED2}"/>
+                    </a:ext>
+                  </a:extLst>
+                </p:cNvPr>
+                <p:cNvPicPr/>
+                <p:nvPr/>
+              </p:nvPicPr>
+              <p:blipFill>
+                <a:blip r:embed="rId16"/>
+                <a:stretch>
+                  <a:fillRect/>
+                </a:stretch>
+              </p:blipFill>
+              <p:spPr>
+                <a:xfrm>
+                  <a:off x="5507446" y="1801468"/>
+                  <a:ext cx="228960" cy="321840"/>
+                </a:xfrm>
+                <a:prstGeom prst="rect">
+                  <a:avLst/>
+                </a:prstGeom>
+              </p:spPr>
+            </p:pic>
+          </mc:Fallback>
+        </mc:AlternateContent>
+        <mc:AlternateContent xmlns:mc="http://schemas.openxmlformats.org/markup-compatibility/2006" xmlns:p14="http://schemas.microsoft.com/office/powerpoint/2010/main">
+          <mc:Choice Requires="p14">
+            <p:contentPart p14:bwMode="auto" r:id="rId17">
+              <p14:nvContentPartPr>
+                <p14:cNvPr id="30" name="Ink 29">
+                  <a:extLst>
+                    <a:ext uri="{FF2B5EF4-FFF2-40B4-BE49-F238E27FC236}">
+                      <a16:creationId xmlns:a16="http://schemas.microsoft.com/office/drawing/2014/main" id="{D1375EF9-035C-4C52-B565-8BC807D6A20E}"/>
+                    </a:ext>
+                  </a:extLst>
+                </p14:cNvPr>
+                <p14:cNvContentPartPr/>
+                <p14:nvPr/>
+              </p14:nvContentPartPr>
+              <p14:xfrm>
+                <a:off x="5755846" y="1959148"/>
+                <a:ext cx="154800" cy="147600"/>
+              </p14:xfrm>
+            </p:contentPart>
+          </mc:Choice>
+          <mc:Fallback xmlns="">
+            <p:pic>
+              <p:nvPicPr>
+                <p:cNvPr id="30" name="Ink 29">
+                  <a:extLst>
+                    <a:ext uri="{FF2B5EF4-FFF2-40B4-BE49-F238E27FC236}">
+                      <a16:creationId xmlns:a16="http://schemas.microsoft.com/office/drawing/2014/main" id="{D1375EF9-035C-4C52-B565-8BC807D6A20E}"/>
+                    </a:ext>
+                  </a:extLst>
+                </p:cNvPr>
+                <p:cNvPicPr/>
+                <p:nvPr/>
+              </p:nvPicPr>
+              <p:blipFill>
+                <a:blip r:embed="rId18"/>
+                <a:stretch>
+                  <a:fillRect/>
+                </a:stretch>
+              </p:blipFill>
+              <p:spPr>
+                <a:xfrm>
+                  <a:off x="5746846" y="1950148"/>
+                  <a:ext cx="172440" cy="165240"/>
+                </a:xfrm>
+                <a:prstGeom prst="rect">
+                  <a:avLst/>
+                </a:prstGeom>
+              </p:spPr>
+            </p:pic>
+          </mc:Fallback>
+        </mc:AlternateContent>
+        <mc:AlternateContent xmlns:mc="http://schemas.openxmlformats.org/markup-compatibility/2006" xmlns:p14="http://schemas.microsoft.com/office/powerpoint/2010/main">
+          <mc:Choice Requires="p14">
+            <p:contentPart p14:bwMode="auto" r:id="rId19">
+              <p14:nvContentPartPr>
+                <p14:cNvPr id="31" name="Ink 30">
+                  <a:extLst>
+                    <a:ext uri="{FF2B5EF4-FFF2-40B4-BE49-F238E27FC236}">
+                      <a16:creationId xmlns:a16="http://schemas.microsoft.com/office/drawing/2014/main" id="{9BC2D050-B4FA-477F-96DE-E35C4BC426D4}"/>
+                    </a:ext>
+                  </a:extLst>
+                </p14:cNvPr>
+                <p14:cNvContentPartPr/>
+                <p14:nvPr/>
+              </p14:nvContentPartPr>
+              <p14:xfrm>
+                <a:off x="5911006" y="1837108"/>
+                <a:ext cx="68400" cy="292680"/>
+              </p14:xfrm>
+            </p:contentPart>
+          </mc:Choice>
+          <mc:Fallback xmlns="">
+            <p:pic>
+              <p:nvPicPr>
+                <p:cNvPr id="31" name="Ink 30">
+                  <a:extLst>
+                    <a:ext uri="{FF2B5EF4-FFF2-40B4-BE49-F238E27FC236}">
+                      <a16:creationId xmlns:a16="http://schemas.microsoft.com/office/drawing/2014/main" id="{9BC2D050-B4FA-477F-96DE-E35C4BC426D4}"/>
+                    </a:ext>
+                  </a:extLst>
+                </p:cNvPr>
+                <p:cNvPicPr/>
+                <p:nvPr/>
+              </p:nvPicPr>
+              <p:blipFill>
+                <a:blip r:embed="rId20"/>
+                <a:stretch>
+                  <a:fillRect/>
+                </a:stretch>
+              </p:blipFill>
+              <p:spPr>
+                <a:xfrm>
+                  <a:off x="5902366" y="1828468"/>
+                  <a:ext cx="86040" cy="310320"/>
+                </a:xfrm>
+                <a:prstGeom prst="rect">
+                  <a:avLst/>
+                </a:prstGeom>
+              </p:spPr>
+            </p:pic>
+          </mc:Fallback>
+        </mc:AlternateContent>
+        <mc:AlternateContent xmlns:mc="http://schemas.openxmlformats.org/markup-compatibility/2006" xmlns:p14="http://schemas.microsoft.com/office/powerpoint/2010/main">
+          <mc:Choice Requires="p14">
+            <p:contentPart p14:bwMode="auto" r:id="rId21">
+              <p14:nvContentPartPr>
+                <p14:cNvPr id="32" name="Ink 31">
+                  <a:extLst>
+                    <a:ext uri="{FF2B5EF4-FFF2-40B4-BE49-F238E27FC236}">
+                      <a16:creationId xmlns:a16="http://schemas.microsoft.com/office/drawing/2014/main" id="{860B924E-01CC-4141-99D8-8451DE18C278}"/>
+                    </a:ext>
+                  </a:extLst>
+                </p14:cNvPr>
+                <p14:cNvContentPartPr/>
+                <p14:nvPr/>
+              </p14:nvContentPartPr>
+              <p14:xfrm>
+                <a:off x="6087046" y="1747468"/>
+                <a:ext cx="173160" cy="372240"/>
+              </p14:xfrm>
+            </p:contentPart>
+          </mc:Choice>
+          <mc:Fallback xmlns="">
+            <p:pic>
+              <p:nvPicPr>
+                <p:cNvPr id="32" name="Ink 31">
+                  <a:extLst>
+                    <a:ext uri="{FF2B5EF4-FFF2-40B4-BE49-F238E27FC236}">
+                      <a16:creationId xmlns:a16="http://schemas.microsoft.com/office/drawing/2014/main" id="{860B924E-01CC-4141-99D8-8451DE18C278}"/>
+                    </a:ext>
+                  </a:extLst>
+                </p:cNvPr>
+                <p:cNvPicPr/>
+                <p:nvPr/>
+              </p:nvPicPr>
+              <p:blipFill>
+                <a:blip r:embed="rId22"/>
+                <a:stretch>
+                  <a:fillRect/>
+                </a:stretch>
+              </p:blipFill>
+              <p:spPr>
+                <a:xfrm>
+                  <a:off x="6078406" y="1738468"/>
+                  <a:ext cx="190800" cy="389880"/>
+                </a:xfrm>
+                <a:prstGeom prst="rect">
+                  <a:avLst/>
+                </a:prstGeom>
+              </p:spPr>
+            </p:pic>
+          </mc:Fallback>
+        </mc:AlternateContent>
+        <mc:AlternateContent xmlns:mc="http://schemas.openxmlformats.org/markup-compatibility/2006" xmlns:p14="http://schemas.microsoft.com/office/powerpoint/2010/main">
+          <mc:Choice Requires="p14">
+            <p:contentPart p14:bwMode="auto" r:id="rId23">
+              <p14:nvContentPartPr>
+                <p14:cNvPr id="33" name="Ink 32">
+                  <a:extLst>
+                    <a:ext uri="{FF2B5EF4-FFF2-40B4-BE49-F238E27FC236}">
+                      <a16:creationId xmlns:a16="http://schemas.microsoft.com/office/drawing/2014/main" id="{CC316AC3-C410-4EB7-8539-BB652561CCAC}"/>
+                    </a:ext>
+                  </a:extLst>
+                </p14:cNvPr>
+                <p14:cNvContentPartPr/>
+                <p14:nvPr/>
+              </p14:nvContentPartPr>
+              <p14:xfrm>
+                <a:off x="6047446" y="1973908"/>
+                <a:ext cx="94320" cy="16920"/>
+              </p14:xfrm>
+            </p:contentPart>
+          </mc:Choice>
+          <mc:Fallback xmlns="">
+            <p:pic>
+              <p:nvPicPr>
+                <p:cNvPr id="33" name="Ink 32">
+                  <a:extLst>
+                    <a:ext uri="{FF2B5EF4-FFF2-40B4-BE49-F238E27FC236}">
+                      <a16:creationId xmlns:a16="http://schemas.microsoft.com/office/drawing/2014/main" id="{CC316AC3-C410-4EB7-8539-BB652561CCAC}"/>
+                    </a:ext>
+                  </a:extLst>
+                </p:cNvPr>
+                <p:cNvPicPr/>
+                <p:nvPr/>
+              </p:nvPicPr>
+              <p:blipFill>
+                <a:blip r:embed="rId24"/>
+                <a:stretch>
+                  <a:fillRect/>
+                </a:stretch>
+              </p:blipFill>
+              <p:spPr>
+                <a:xfrm>
+                  <a:off x="6038446" y="1965268"/>
+                  <a:ext cx="111960" cy="34560"/>
+                </a:xfrm>
+                <a:prstGeom prst="rect">
+                  <a:avLst/>
+                </a:prstGeom>
+              </p:spPr>
+            </p:pic>
+          </mc:Fallback>
+        </mc:AlternateContent>
+        <mc:AlternateContent xmlns:mc="http://schemas.openxmlformats.org/markup-compatibility/2006" xmlns:p14="http://schemas.microsoft.com/office/powerpoint/2010/main">
+          <mc:Choice Requires="p14">
+            <p:contentPart p14:bwMode="auto" r:id="rId25">
+              <p14:nvContentPartPr>
+                <p14:cNvPr id="34" name="Ink 33">
+                  <a:extLst>
+                    <a:ext uri="{FF2B5EF4-FFF2-40B4-BE49-F238E27FC236}">
+                      <a16:creationId xmlns:a16="http://schemas.microsoft.com/office/drawing/2014/main" id="{9D97ADFE-78F8-48F9-ABED-5747EE9C3C5C}"/>
+                    </a:ext>
+                  </a:extLst>
+                </p14:cNvPr>
+                <p14:cNvContentPartPr/>
+                <p14:nvPr/>
+              </p14:nvContentPartPr>
+              <p14:xfrm>
+                <a:off x="6251926" y="1913788"/>
+                <a:ext cx="159480" cy="196200"/>
+              </p14:xfrm>
+            </p:contentPart>
+          </mc:Choice>
+          <mc:Fallback xmlns="">
+            <p:pic>
+              <p:nvPicPr>
+                <p:cNvPr id="34" name="Ink 33">
+                  <a:extLst>
+                    <a:ext uri="{FF2B5EF4-FFF2-40B4-BE49-F238E27FC236}">
+                      <a16:creationId xmlns:a16="http://schemas.microsoft.com/office/drawing/2014/main" id="{9D97ADFE-78F8-48F9-ABED-5747EE9C3C5C}"/>
+                    </a:ext>
+                  </a:extLst>
+                </p:cNvPr>
+                <p:cNvPicPr/>
+                <p:nvPr/>
+              </p:nvPicPr>
+              <p:blipFill>
+                <a:blip r:embed="rId26"/>
+                <a:stretch>
+                  <a:fillRect/>
+                </a:stretch>
+              </p:blipFill>
+              <p:spPr>
+                <a:xfrm>
+                  <a:off x="6243286" y="1904788"/>
+                  <a:ext cx="177120" cy="213840"/>
+                </a:xfrm>
+                <a:prstGeom prst="rect">
+                  <a:avLst/>
+                </a:prstGeom>
+              </p:spPr>
+            </p:pic>
+          </mc:Fallback>
+        </mc:AlternateContent>
+        <mc:AlternateContent xmlns:mc="http://schemas.openxmlformats.org/markup-compatibility/2006" xmlns:p14="http://schemas.microsoft.com/office/powerpoint/2010/main">
+          <mc:Choice Requires="p14">
+            <p:contentPart p14:bwMode="auto" r:id="rId27">
+              <p14:nvContentPartPr>
+                <p14:cNvPr id="35" name="Ink 34">
+                  <a:extLst>
+                    <a:ext uri="{FF2B5EF4-FFF2-40B4-BE49-F238E27FC236}">
+                      <a16:creationId xmlns:a16="http://schemas.microsoft.com/office/drawing/2014/main" id="{0C79BC50-4A28-4098-BF0C-2C3C0262BC42}"/>
+                    </a:ext>
+                  </a:extLst>
+                </p14:cNvPr>
+                <p14:cNvContentPartPr/>
+                <p14:nvPr/>
+              </p14:nvContentPartPr>
+              <p14:xfrm>
+                <a:off x="6349846" y="1755388"/>
+                <a:ext cx="191520" cy="345960"/>
+              </p14:xfrm>
+            </p:contentPart>
+          </mc:Choice>
+          <mc:Fallback xmlns="">
+            <p:pic>
+              <p:nvPicPr>
+                <p:cNvPr id="35" name="Ink 34">
+                  <a:extLst>
+                    <a:ext uri="{FF2B5EF4-FFF2-40B4-BE49-F238E27FC236}">
+                      <a16:creationId xmlns:a16="http://schemas.microsoft.com/office/drawing/2014/main" id="{0C79BC50-4A28-4098-BF0C-2C3C0262BC42}"/>
+                    </a:ext>
+                  </a:extLst>
+                </p:cNvPr>
+                <p:cNvPicPr/>
+                <p:nvPr/>
+              </p:nvPicPr>
+              <p:blipFill>
+                <a:blip r:embed="rId28"/>
+                <a:stretch>
+                  <a:fillRect/>
+                </a:stretch>
+              </p:blipFill>
+              <p:spPr>
+                <a:xfrm>
+                  <a:off x="6341206" y="1746748"/>
+                  <a:ext cx="209160" cy="363600"/>
+                </a:xfrm>
+                <a:prstGeom prst="rect">
+                  <a:avLst/>
+                </a:prstGeom>
+              </p:spPr>
+            </p:pic>
+          </mc:Fallback>
+        </mc:AlternateContent>
+        <mc:AlternateContent xmlns:mc="http://schemas.openxmlformats.org/markup-compatibility/2006" xmlns:p14="http://schemas.microsoft.com/office/powerpoint/2010/main">
+          <mc:Choice Requires="p14">
+            <p:contentPart p14:bwMode="auto" r:id="rId29">
+              <p14:nvContentPartPr>
+                <p14:cNvPr id="36" name="Ink 35">
+                  <a:extLst>
+                    <a:ext uri="{FF2B5EF4-FFF2-40B4-BE49-F238E27FC236}">
+                      <a16:creationId xmlns:a16="http://schemas.microsoft.com/office/drawing/2014/main" id="{3CCBBB71-2CD9-47B3-867C-4D48DD8BDBA0}"/>
+                    </a:ext>
+                  </a:extLst>
+                </p14:cNvPr>
+                <p14:cNvContentPartPr/>
+                <p14:nvPr/>
+              </p14:nvContentPartPr>
+              <p14:xfrm>
+                <a:off x="6614446" y="1945468"/>
+                <a:ext cx="160920" cy="171360"/>
+              </p14:xfrm>
+            </p:contentPart>
+          </mc:Choice>
+          <mc:Fallback xmlns="">
+            <p:pic>
+              <p:nvPicPr>
+                <p:cNvPr id="36" name="Ink 35">
+                  <a:extLst>
+                    <a:ext uri="{FF2B5EF4-FFF2-40B4-BE49-F238E27FC236}">
+                      <a16:creationId xmlns:a16="http://schemas.microsoft.com/office/drawing/2014/main" id="{3CCBBB71-2CD9-47B3-867C-4D48DD8BDBA0}"/>
+                    </a:ext>
+                  </a:extLst>
+                </p:cNvPr>
+                <p:cNvPicPr/>
+                <p:nvPr/>
+              </p:nvPicPr>
+              <p:blipFill>
+                <a:blip r:embed="rId30"/>
+                <a:stretch>
+                  <a:fillRect/>
+                </a:stretch>
+              </p:blipFill>
+              <p:spPr>
+                <a:xfrm>
+                  <a:off x="6605806" y="1936468"/>
+                  <a:ext cx="178560" cy="189000"/>
+                </a:xfrm>
+                <a:prstGeom prst="rect">
+                  <a:avLst/>
+                </a:prstGeom>
+              </p:spPr>
+            </p:pic>
+          </mc:Fallback>
+        </mc:AlternateContent>
+        <mc:AlternateContent xmlns:mc="http://schemas.openxmlformats.org/markup-compatibility/2006" xmlns:p14="http://schemas.microsoft.com/office/powerpoint/2010/main">
+          <mc:Choice Requires="p14">
+            <p:contentPart p14:bwMode="auto" r:id="rId31">
+              <p14:nvContentPartPr>
+                <p14:cNvPr id="37" name="Ink 36">
+                  <a:extLst>
+                    <a:ext uri="{FF2B5EF4-FFF2-40B4-BE49-F238E27FC236}">
+                      <a16:creationId xmlns:a16="http://schemas.microsoft.com/office/drawing/2014/main" id="{63B10C19-1C49-4AA8-8382-909988965051}"/>
+                    </a:ext>
+                  </a:extLst>
+                </p14:cNvPr>
+                <p14:cNvContentPartPr/>
+                <p14:nvPr/>
+              </p14:nvContentPartPr>
+              <p14:xfrm>
+                <a:off x="6769246" y="1879588"/>
+                <a:ext cx="209880" cy="248400"/>
+              </p14:xfrm>
+            </p:contentPart>
+          </mc:Choice>
+          <mc:Fallback xmlns="">
+            <p:pic>
+              <p:nvPicPr>
+                <p:cNvPr id="37" name="Ink 36">
+                  <a:extLst>
+                    <a:ext uri="{FF2B5EF4-FFF2-40B4-BE49-F238E27FC236}">
+                      <a16:creationId xmlns:a16="http://schemas.microsoft.com/office/drawing/2014/main" id="{63B10C19-1C49-4AA8-8382-909988965051}"/>
+                    </a:ext>
+                  </a:extLst>
+                </p:cNvPr>
+                <p:cNvPicPr/>
+                <p:nvPr/>
+              </p:nvPicPr>
+              <p:blipFill>
+                <a:blip r:embed="rId32"/>
+                <a:stretch>
+                  <a:fillRect/>
+                </a:stretch>
+              </p:blipFill>
+              <p:spPr>
+                <a:xfrm>
+                  <a:off x="6760606" y="1870948"/>
+                  <a:ext cx="227520" cy="266040"/>
+                </a:xfrm>
+                <a:prstGeom prst="rect">
+                  <a:avLst/>
+                </a:prstGeom>
+              </p:spPr>
+            </p:pic>
+          </mc:Fallback>
+        </mc:AlternateContent>
+      </p:grpSp>
+      <p:sp>
+        <p:nvSpPr>
+          <p:cNvPr id="4" name="Content Placeholder 3">
+            <a:extLst>
+              <a:ext uri="{FF2B5EF4-FFF2-40B4-BE49-F238E27FC236}">
+                <a16:creationId xmlns:a16="http://schemas.microsoft.com/office/drawing/2014/main" id="{5537D446-21B5-4FEF-A10C-C56B92C2D001}"/>
+              </a:ext>
+            </a:extLst>
+          </p:cNvPr>
+          <p:cNvSpPr>
+            <a:spLocks noGrp="1"/>
+          </p:cNvSpPr>
+          <p:nvPr>
+            <p:ph idx="1"/>
+          </p:nvPr>
+        </p:nvSpPr>
+        <p:spPr/>
+        <p:txBody>
+          <a:bodyPr/>
+          <a:lstStyle/>
+          <a:p>
+            <a:endParaRPr lang="en-US"/>
+          </a:p>
+        </p:txBody>
+      </p:sp>
+      <p:pic>
+        <p:nvPicPr>
+          <p:cNvPr id="7" name="Picture 6">
+            <a:extLst>
+              <a:ext uri="{FF2B5EF4-FFF2-40B4-BE49-F238E27FC236}">
+                <a16:creationId xmlns:a16="http://schemas.microsoft.com/office/drawing/2014/main" id="{4E91D838-70DA-4D06-A0C7-DD6B5A5EF38F}"/>
+              </a:ext>
+            </a:extLst>
+          </p:cNvPr>
+          <p:cNvPicPr>
+            <a:picLocks noChangeAspect="1"/>
+          </p:cNvPicPr>
+          <p:nvPr/>
+        </p:nvPicPr>
+        <p:blipFill>
+          <a:blip r:embed="rId33"/>
+          <a:stretch>
+            <a:fillRect/>
+          </a:stretch>
+        </p:blipFill>
+        <p:spPr>
+          <a:xfrm>
+            <a:off x="3775141" y="2887923"/>
+            <a:ext cx="3905250" cy="2790825"/>
+          </a:xfrm>
+          <a:prstGeom prst="rect">
+            <a:avLst/>
+          </a:prstGeom>
+        </p:spPr>
+      </p:pic>
+    </p:spTree>
+    <p:extLst>
+      <p:ext uri="{BB962C8B-B14F-4D97-AF65-F5344CB8AC3E}">
+        <p14:creationId xmlns:p14="http://schemas.microsoft.com/office/powerpoint/2010/main" val="2066572680"/>
       </p:ext>
     </p:extLst>
   </p:cSld>
